--- a/Documentation/7. Envelope analysis.pptx
+++ b/Documentation/7. Envelope analysis.pptx
@@ -5,22 +5,33 @@
     <p:sldMasterId id="2147483661" r:id="rId1"/>
   </p:sldMasterIdLst>
   <p:notesMasterIdLst>
-    <p:notesMasterId r:id="rId15"/>
+    <p:notesMasterId r:id="rId26"/>
   </p:notesMasterIdLst>
   <p:sldIdLst>
     <p:sldId id="573" r:id="rId2"/>
-    <p:sldId id="632" r:id="rId3"/>
-    <p:sldId id="640" r:id="rId4"/>
-    <p:sldId id="642" r:id="rId5"/>
-    <p:sldId id="644" r:id="rId6"/>
-    <p:sldId id="643" r:id="rId7"/>
-    <p:sldId id="645" r:id="rId8"/>
-    <p:sldId id="646" r:id="rId9"/>
-    <p:sldId id="647" r:id="rId10"/>
-    <p:sldId id="648" r:id="rId11"/>
-    <p:sldId id="650" r:id="rId12"/>
-    <p:sldId id="649" r:id="rId13"/>
-    <p:sldId id="638" r:id="rId14"/>
+    <p:sldId id="574" r:id="rId3"/>
+    <p:sldId id="657" r:id="rId4"/>
+    <p:sldId id="632" r:id="rId5"/>
+    <p:sldId id="658" r:id="rId6"/>
+    <p:sldId id="640" r:id="rId7"/>
+    <p:sldId id="642" r:id="rId8"/>
+    <p:sldId id="644" r:id="rId9"/>
+    <p:sldId id="643" r:id="rId10"/>
+    <p:sldId id="659" r:id="rId11"/>
+    <p:sldId id="645" r:id="rId12"/>
+    <p:sldId id="646" r:id="rId13"/>
+    <p:sldId id="647" r:id="rId14"/>
+    <p:sldId id="648" r:id="rId15"/>
+    <p:sldId id="650" r:id="rId16"/>
+    <p:sldId id="649" r:id="rId17"/>
+    <p:sldId id="660" r:id="rId18"/>
+    <p:sldId id="652" r:id="rId19"/>
+    <p:sldId id="654" r:id="rId20"/>
+    <p:sldId id="653" r:id="rId21"/>
+    <p:sldId id="656" r:id="rId22"/>
+    <p:sldId id="655" r:id="rId23"/>
+    <p:sldId id="661" r:id="rId24"/>
+    <p:sldId id="638" r:id="rId25"/>
   </p:sldIdLst>
   <p:sldSz cx="12192000" cy="6858000"/>
   <p:notesSz cx="6858000" cy="9144000"/>
@@ -481,10 +492,94 @@
   <p:cSld>
     <p:spTree>
       <p:nvGrpSpPr>
+        <p:cNvPr id="1" name=""/>
+        <p:cNvGrpSpPr/>
+        <p:nvPr/>
+      </p:nvGrpSpPr>
+      <p:grpSpPr>
+        <a:xfrm>
+          <a:off x="0" y="0"/>
+          <a:ext cx="0" cy="0"/>
+          <a:chOff x="0" y="0"/>
+          <a:chExt cx="0" cy="0"/>
+        </a:xfrm>
+      </p:grpSpPr>
+      <p:sp>
+        <p:nvSpPr>
+          <p:cNvPr id="2" name="Segnaposto immagine diapositiva 1"/>
+          <p:cNvSpPr>
+            <a:spLocks noGrp="1" noRot="1" noChangeAspect="1"/>
+          </p:cNvSpPr>
+          <p:nvPr>
+            <p:ph type="sldImg"/>
+          </p:nvPr>
+        </p:nvSpPr>
+        <p:spPr/>
+      </p:sp>
+      <p:sp>
+        <p:nvSpPr>
+          <p:cNvPr id="3" name="Segnaposto note 2"/>
+          <p:cNvSpPr>
+            <a:spLocks noGrp="1"/>
+          </p:cNvSpPr>
+          <p:nvPr>
+            <p:ph type="body" idx="1"/>
+          </p:nvPr>
+        </p:nvSpPr>
+        <p:spPr/>
+        <p:txBody>
+          <a:bodyPr/>
+          <a:lstStyle/>
+          <a:p>
+            <a:endParaRPr lang="en-US" dirty="0"/>
+          </a:p>
+        </p:txBody>
+      </p:sp>
+      <p:sp>
+        <p:nvSpPr>
+          <p:cNvPr id="4" name="Segnaposto numero diapositiva 3"/>
+          <p:cNvSpPr>
+            <a:spLocks noGrp="1"/>
+          </p:cNvSpPr>
+          <p:nvPr>
+            <p:ph type="sldNum" sz="quarter" idx="5"/>
+          </p:nvPr>
+        </p:nvSpPr>
+        <p:spPr/>
+        <p:txBody>
+          <a:bodyPr/>
+          <a:lstStyle/>
+          <a:p>
+            <a:fld id="{802E5CB9-2BE2-4860-85EE-BBFABBF2603A}" type="slidenum">
+              <a:rPr lang="en-US" smtClean="0"/>
+              <a:t>2</a:t>
+            </a:fld>
+            <a:endParaRPr lang="en-US" dirty="0"/>
+          </a:p>
+        </p:txBody>
+      </p:sp>
+    </p:spTree>
+    <p:extLst>
+      <p:ext uri="{BB962C8B-B14F-4D97-AF65-F5344CB8AC3E}">
+        <p14:creationId xmlns:p14="http://schemas.microsoft.com/office/powerpoint/2010/main" val="1238264446"/>
+      </p:ext>
+    </p:extLst>
+  </p:cSld>
+  <p:clrMapOvr>
+    <a:masterClrMapping/>
+  </p:clrMapOvr>
+</p:notes>
+</file>
+
+<file path=ppt/notesSlides/notesSlide10.xml><?xml version="1.0" encoding="utf-8"?>
+<p:notes xmlns:a="http://schemas.openxmlformats.org/drawingml/2006/main" xmlns:r="http://schemas.openxmlformats.org/officeDocument/2006/relationships" xmlns:p="http://schemas.openxmlformats.org/presentationml/2006/main">
+  <p:cSld>
+    <p:spTree>
+      <p:nvGrpSpPr>
         <p:cNvPr id="1" name="">
           <a:extLst>
             <a:ext uri="{FF2B5EF4-FFF2-40B4-BE49-F238E27FC236}">
-              <a16:creationId xmlns:a16="http://schemas.microsoft.com/office/drawing/2014/main" id="{B41E4EF5-02E4-932D-2CD6-F123ED9A6113}"/>
+              <a16:creationId xmlns:a16="http://schemas.microsoft.com/office/drawing/2014/main" id="{D38F38DD-55C1-0EC8-5CFD-ACEF7671633D}"/>
             </a:ext>
           </a:extLst>
         </p:cNvPr>
@@ -504,7 +599,7 @@
           <p:cNvPr id="2" name="Segnaposto immagine diapositiva 1">
             <a:extLst>
               <a:ext uri="{FF2B5EF4-FFF2-40B4-BE49-F238E27FC236}">
-                <a16:creationId xmlns:a16="http://schemas.microsoft.com/office/drawing/2014/main" id="{50F5102C-B148-2041-80FA-8B5E44057E96}"/>
+                <a16:creationId xmlns:a16="http://schemas.microsoft.com/office/drawing/2014/main" id="{2DEB21FD-9643-2EC5-5C96-D073197B6D6F}"/>
               </a:ext>
             </a:extLst>
           </p:cNvPr>
@@ -522,7 +617,7 @@
           <p:cNvPr id="3" name="Segnaposto note 2">
             <a:extLst>
               <a:ext uri="{FF2B5EF4-FFF2-40B4-BE49-F238E27FC236}">
-                <a16:creationId xmlns:a16="http://schemas.microsoft.com/office/drawing/2014/main" id="{07A794CC-543B-528C-BB87-EC9ABCFC8D82}"/>
+                <a16:creationId xmlns:a16="http://schemas.microsoft.com/office/drawing/2014/main" id="{A266573E-90DC-C4C5-4C86-CC94D87789F4}"/>
               </a:ext>
             </a:extLst>
           </p:cNvPr>
@@ -547,7 +642,7 @@
           <p:cNvPr id="4" name="Segnaposto numero diapositiva 3">
             <a:extLst>
               <a:ext uri="{FF2B5EF4-FFF2-40B4-BE49-F238E27FC236}">
-                <a16:creationId xmlns:a16="http://schemas.microsoft.com/office/drawing/2014/main" id="{35218991-66E1-6375-18C8-8DB669D50BF0}"/>
+                <a16:creationId xmlns:a16="http://schemas.microsoft.com/office/drawing/2014/main" id="{C20091B0-AA0D-E47F-AC4D-DBEA698EC593}"/>
               </a:ext>
             </a:extLst>
           </p:cNvPr>
@@ -565,7 +660,7 @@
           <a:p>
             <a:fld id="{802E5CB9-2BE2-4860-85EE-BBFABBF2603A}" type="slidenum">
               <a:rPr lang="en-US" smtClean="0"/>
-              <a:t>2</a:t>
+              <a:t>11</a:t>
             </a:fld>
             <a:endParaRPr lang="en-US"/>
           </a:p>
@@ -574,7 +669,7 @@
     </p:spTree>
     <p:extLst>
       <p:ext uri="{BB962C8B-B14F-4D97-AF65-F5344CB8AC3E}">
-        <p14:creationId xmlns:p14="http://schemas.microsoft.com/office/powerpoint/2010/main" val="1394641877"/>
+        <p14:creationId xmlns:p14="http://schemas.microsoft.com/office/powerpoint/2010/main" val="533612234"/>
       </p:ext>
     </p:extLst>
   </p:cSld>
@@ -584,7 +679,331 @@
 </p:notes>
 </file>
 
-<file path=ppt/notesSlides/notesSlide10.xml><?xml version="1.0" encoding="utf-8"?>
+<file path=ppt/notesSlides/notesSlide11.xml><?xml version="1.0" encoding="utf-8"?>
+<p:notes xmlns:a="http://schemas.openxmlformats.org/drawingml/2006/main" xmlns:r="http://schemas.openxmlformats.org/officeDocument/2006/relationships" xmlns:p="http://schemas.openxmlformats.org/presentationml/2006/main">
+  <p:cSld>
+    <p:spTree>
+      <p:nvGrpSpPr>
+        <p:cNvPr id="1" name="">
+          <a:extLst>
+            <a:ext uri="{FF2B5EF4-FFF2-40B4-BE49-F238E27FC236}">
+              <a16:creationId xmlns:a16="http://schemas.microsoft.com/office/drawing/2014/main" id="{4A8E39AD-A6AC-7E81-5B38-EF539E2776F8}"/>
+            </a:ext>
+          </a:extLst>
+        </p:cNvPr>
+        <p:cNvGrpSpPr/>
+        <p:nvPr/>
+      </p:nvGrpSpPr>
+      <p:grpSpPr>
+        <a:xfrm>
+          <a:off x="0" y="0"/>
+          <a:ext cx="0" cy="0"/>
+          <a:chOff x="0" y="0"/>
+          <a:chExt cx="0" cy="0"/>
+        </a:xfrm>
+      </p:grpSpPr>
+      <p:sp>
+        <p:nvSpPr>
+          <p:cNvPr id="2" name="Segnaposto immagine diapositiva 1">
+            <a:extLst>
+              <a:ext uri="{FF2B5EF4-FFF2-40B4-BE49-F238E27FC236}">
+                <a16:creationId xmlns:a16="http://schemas.microsoft.com/office/drawing/2014/main" id="{374F02D1-3BC2-F7AE-F522-2CA560237F39}"/>
+              </a:ext>
+            </a:extLst>
+          </p:cNvPr>
+          <p:cNvSpPr>
+            <a:spLocks noGrp="1" noRot="1" noChangeAspect="1"/>
+          </p:cNvSpPr>
+          <p:nvPr>
+            <p:ph type="sldImg"/>
+          </p:nvPr>
+        </p:nvSpPr>
+        <p:spPr/>
+      </p:sp>
+      <p:sp>
+        <p:nvSpPr>
+          <p:cNvPr id="3" name="Segnaposto note 2">
+            <a:extLst>
+              <a:ext uri="{FF2B5EF4-FFF2-40B4-BE49-F238E27FC236}">
+                <a16:creationId xmlns:a16="http://schemas.microsoft.com/office/drawing/2014/main" id="{151CFA15-1FD3-7090-C9AF-7B0CCA9D0126}"/>
+              </a:ext>
+            </a:extLst>
+          </p:cNvPr>
+          <p:cNvSpPr>
+            <a:spLocks noGrp="1"/>
+          </p:cNvSpPr>
+          <p:nvPr>
+            <p:ph type="body" idx="1"/>
+          </p:nvPr>
+        </p:nvSpPr>
+        <p:spPr/>
+        <p:txBody>
+          <a:bodyPr/>
+          <a:lstStyle/>
+          <a:p>
+            <a:endParaRPr lang="en-US" dirty="0"/>
+          </a:p>
+        </p:txBody>
+      </p:sp>
+      <p:sp>
+        <p:nvSpPr>
+          <p:cNvPr id="4" name="Segnaposto numero diapositiva 3">
+            <a:extLst>
+              <a:ext uri="{FF2B5EF4-FFF2-40B4-BE49-F238E27FC236}">
+                <a16:creationId xmlns:a16="http://schemas.microsoft.com/office/drawing/2014/main" id="{71F9C51D-7AED-C4A1-98A3-4FF197B02CC3}"/>
+              </a:ext>
+            </a:extLst>
+          </p:cNvPr>
+          <p:cNvSpPr>
+            <a:spLocks noGrp="1"/>
+          </p:cNvSpPr>
+          <p:nvPr>
+            <p:ph type="sldNum" sz="quarter" idx="5"/>
+          </p:nvPr>
+        </p:nvSpPr>
+        <p:spPr/>
+        <p:txBody>
+          <a:bodyPr/>
+          <a:lstStyle/>
+          <a:p>
+            <a:fld id="{802E5CB9-2BE2-4860-85EE-BBFABBF2603A}" type="slidenum">
+              <a:rPr lang="en-US" smtClean="0"/>
+              <a:t>12</a:t>
+            </a:fld>
+            <a:endParaRPr lang="en-US"/>
+          </a:p>
+        </p:txBody>
+      </p:sp>
+    </p:spTree>
+    <p:extLst>
+      <p:ext uri="{BB962C8B-B14F-4D97-AF65-F5344CB8AC3E}">
+        <p14:creationId xmlns:p14="http://schemas.microsoft.com/office/powerpoint/2010/main" val="3189773794"/>
+      </p:ext>
+    </p:extLst>
+  </p:cSld>
+  <p:clrMapOvr>
+    <a:masterClrMapping/>
+  </p:clrMapOvr>
+</p:notes>
+</file>
+
+<file path=ppt/notesSlides/notesSlide12.xml><?xml version="1.0" encoding="utf-8"?>
+<p:notes xmlns:a="http://schemas.openxmlformats.org/drawingml/2006/main" xmlns:r="http://schemas.openxmlformats.org/officeDocument/2006/relationships" xmlns:p="http://schemas.openxmlformats.org/presentationml/2006/main">
+  <p:cSld>
+    <p:spTree>
+      <p:nvGrpSpPr>
+        <p:cNvPr id="1" name="">
+          <a:extLst>
+            <a:ext uri="{FF2B5EF4-FFF2-40B4-BE49-F238E27FC236}">
+              <a16:creationId xmlns:a16="http://schemas.microsoft.com/office/drawing/2014/main" id="{E3BD04BF-E728-3C22-09E2-C45E56A83FD2}"/>
+            </a:ext>
+          </a:extLst>
+        </p:cNvPr>
+        <p:cNvGrpSpPr/>
+        <p:nvPr/>
+      </p:nvGrpSpPr>
+      <p:grpSpPr>
+        <a:xfrm>
+          <a:off x="0" y="0"/>
+          <a:ext cx="0" cy="0"/>
+          <a:chOff x="0" y="0"/>
+          <a:chExt cx="0" cy="0"/>
+        </a:xfrm>
+      </p:grpSpPr>
+      <p:sp>
+        <p:nvSpPr>
+          <p:cNvPr id="2" name="Segnaposto immagine diapositiva 1">
+            <a:extLst>
+              <a:ext uri="{FF2B5EF4-FFF2-40B4-BE49-F238E27FC236}">
+                <a16:creationId xmlns:a16="http://schemas.microsoft.com/office/drawing/2014/main" id="{A2F6B415-8365-A50D-AF53-26272FE239E3}"/>
+              </a:ext>
+            </a:extLst>
+          </p:cNvPr>
+          <p:cNvSpPr>
+            <a:spLocks noGrp="1" noRot="1" noChangeAspect="1"/>
+          </p:cNvSpPr>
+          <p:nvPr>
+            <p:ph type="sldImg"/>
+          </p:nvPr>
+        </p:nvSpPr>
+        <p:spPr/>
+      </p:sp>
+      <p:sp>
+        <p:nvSpPr>
+          <p:cNvPr id="3" name="Segnaposto note 2">
+            <a:extLst>
+              <a:ext uri="{FF2B5EF4-FFF2-40B4-BE49-F238E27FC236}">
+                <a16:creationId xmlns:a16="http://schemas.microsoft.com/office/drawing/2014/main" id="{633911CF-5457-2EE4-D7B4-EF26CA733F20}"/>
+              </a:ext>
+            </a:extLst>
+          </p:cNvPr>
+          <p:cNvSpPr>
+            <a:spLocks noGrp="1"/>
+          </p:cNvSpPr>
+          <p:nvPr>
+            <p:ph type="body" idx="1"/>
+          </p:nvPr>
+        </p:nvSpPr>
+        <p:spPr/>
+        <p:txBody>
+          <a:bodyPr/>
+          <a:lstStyle/>
+          <a:p>
+            <a:endParaRPr lang="en-US" dirty="0"/>
+          </a:p>
+        </p:txBody>
+      </p:sp>
+      <p:sp>
+        <p:nvSpPr>
+          <p:cNvPr id="4" name="Segnaposto numero diapositiva 3">
+            <a:extLst>
+              <a:ext uri="{FF2B5EF4-FFF2-40B4-BE49-F238E27FC236}">
+                <a16:creationId xmlns:a16="http://schemas.microsoft.com/office/drawing/2014/main" id="{2E5E41EC-EDD9-AE50-6D3E-D16FE1094330}"/>
+              </a:ext>
+            </a:extLst>
+          </p:cNvPr>
+          <p:cNvSpPr>
+            <a:spLocks noGrp="1"/>
+          </p:cNvSpPr>
+          <p:nvPr>
+            <p:ph type="sldNum" sz="quarter" idx="5"/>
+          </p:nvPr>
+        </p:nvSpPr>
+        <p:spPr/>
+        <p:txBody>
+          <a:bodyPr/>
+          <a:lstStyle/>
+          <a:p>
+            <a:fld id="{802E5CB9-2BE2-4860-85EE-BBFABBF2603A}" type="slidenum">
+              <a:rPr lang="en-US" smtClean="0"/>
+              <a:t>13</a:t>
+            </a:fld>
+            <a:endParaRPr lang="en-US"/>
+          </a:p>
+        </p:txBody>
+      </p:sp>
+    </p:spTree>
+    <p:extLst>
+      <p:ext uri="{BB962C8B-B14F-4D97-AF65-F5344CB8AC3E}">
+        <p14:creationId xmlns:p14="http://schemas.microsoft.com/office/powerpoint/2010/main" val="352943375"/>
+      </p:ext>
+    </p:extLst>
+  </p:cSld>
+  <p:clrMapOvr>
+    <a:masterClrMapping/>
+  </p:clrMapOvr>
+</p:notes>
+</file>
+
+<file path=ppt/notesSlides/notesSlide13.xml><?xml version="1.0" encoding="utf-8"?>
+<p:notes xmlns:a="http://schemas.openxmlformats.org/drawingml/2006/main" xmlns:r="http://schemas.openxmlformats.org/officeDocument/2006/relationships" xmlns:p="http://schemas.openxmlformats.org/presentationml/2006/main">
+  <p:cSld>
+    <p:spTree>
+      <p:nvGrpSpPr>
+        <p:cNvPr id="1" name="">
+          <a:extLst>
+            <a:ext uri="{FF2B5EF4-FFF2-40B4-BE49-F238E27FC236}">
+              <a16:creationId xmlns:a16="http://schemas.microsoft.com/office/drawing/2014/main" id="{2CE0787F-5123-A9BF-068C-2EA632612CE0}"/>
+            </a:ext>
+          </a:extLst>
+        </p:cNvPr>
+        <p:cNvGrpSpPr/>
+        <p:nvPr/>
+      </p:nvGrpSpPr>
+      <p:grpSpPr>
+        <a:xfrm>
+          <a:off x="0" y="0"/>
+          <a:ext cx="0" cy="0"/>
+          <a:chOff x="0" y="0"/>
+          <a:chExt cx="0" cy="0"/>
+        </a:xfrm>
+      </p:grpSpPr>
+      <p:sp>
+        <p:nvSpPr>
+          <p:cNvPr id="2" name="Segnaposto immagine diapositiva 1">
+            <a:extLst>
+              <a:ext uri="{FF2B5EF4-FFF2-40B4-BE49-F238E27FC236}">
+                <a16:creationId xmlns:a16="http://schemas.microsoft.com/office/drawing/2014/main" id="{6C593EB4-7E48-F461-1BE6-39C3DF6957F8}"/>
+              </a:ext>
+            </a:extLst>
+          </p:cNvPr>
+          <p:cNvSpPr>
+            <a:spLocks noGrp="1" noRot="1" noChangeAspect="1"/>
+          </p:cNvSpPr>
+          <p:nvPr>
+            <p:ph type="sldImg"/>
+          </p:nvPr>
+        </p:nvSpPr>
+        <p:spPr/>
+      </p:sp>
+      <p:sp>
+        <p:nvSpPr>
+          <p:cNvPr id="3" name="Segnaposto note 2">
+            <a:extLst>
+              <a:ext uri="{FF2B5EF4-FFF2-40B4-BE49-F238E27FC236}">
+                <a16:creationId xmlns:a16="http://schemas.microsoft.com/office/drawing/2014/main" id="{F13A8314-35EE-158D-E481-626B5E3AD5E8}"/>
+              </a:ext>
+            </a:extLst>
+          </p:cNvPr>
+          <p:cNvSpPr>
+            <a:spLocks noGrp="1"/>
+          </p:cNvSpPr>
+          <p:nvPr>
+            <p:ph type="body" idx="1"/>
+          </p:nvPr>
+        </p:nvSpPr>
+        <p:spPr/>
+        <p:txBody>
+          <a:bodyPr/>
+          <a:lstStyle/>
+          <a:p>
+            <a:endParaRPr lang="en-US" dirty="0"/>
+          </a:p>
+        </p:txBody>
+      </p:sp>
+      <p:sp>
+        <p:nvSpPr>
+          <p:cNvPr id="4" name="Segnaposto numero diapositiva 3">
+            <a:extLst>
+              <a:ext uri="{FF2B5EF4-FFF2-40B4-BE49-F238E27FC236}">
+                <a16:creationId xmlns:a16="http://schemas.microsoft.com/office/drawing/2014/main" id="{D63DD667-43BA-1CED-A304-724255751370}"/>
+              </a:ext>
+            </a:extLst>
+          </p:cNvPr>
+          <p:cNvSpPr>
+            <a:spLocks noGrp="1"/>
+          </p:cNvSpPr>
+          <p:nvPr>
+            <p:ph type="sldNum" sz="quarter" idx="5"/>
+          </p:nvPr>
+        </p:nvSpPr>
+        <p:spPr/>
+        <p:txBody>
+          <a:bodyPr/>
+          <a:lstStyle/>
+          <a:p>
+            <a:fld id="{802E5CB9-2BE2-4860-85EE-BBFABBF2603A}" type="slidenum">
+              <a:rPr lang="en-US" smtClean="0"/>
+              <a:t>14</a:t>
+            </a:fld>
+            <a:endParaRPr lang="en-US"/>
+          </a:p>
+        </p:txBody>
+      </p:sp>
+    </p:spTree>
+    <p:extLst>
+      <p:ext uri="{BB962C8B-B14F-4D97-AF65-F5344CB8AC3E}">
+        <p14:creationId xmlns:p14="http://schemas.microsoft.com/office/powerpoint/2010/main" val="3226540527"/>
+      </p:ext>
+    </p:extLst>
+  </p:cSld>
+  <p:clrMapOvr>
+    <a:masterClrMapping/>
+  </p:clrMapOvr>
+</p:notes>
+</file>
+
+<file path=ppt/notesSlides/notesSlide14.xml><?xml version="1.0" encoding="utf-8"?>
 <p:notes xmlns:a="http://schemas.openxmlformats.org/drawingml/2006/main" xmlns:r="http://schemas.openxmlformats.org/officeDocument/2006/relationships" xmlns:p="http://schemas.openxmlformats.org/presentationml/2006/main">
   <p:cSld>
     <p:spTree>
@@ -673,7 +1092,7 @@
           <a:p>
             <a:fld id="{802E5CB9-2BE2-4860-85EE-BBFABBF2603A}" type="slidenum">
               <a:rPr lang="en-US" smtClean="0"/>
-              <a:t>11</a:t>
+              <a:t>15</a:t>
             </a:fld>
             <a:endParaRPr lang="en-US"/>
           </a:p>
@@ -692,7 +1111,7 @@
 </p:notes>
 </file>
 
-<file path=ppt/notesSlides/notesSlide11.xml><?xml version="1.0" encoding="utf-8"?>
+<file path=ppt/notesSlides/notesSlide15.xml><?xml version="1.0" encoding="utf-8"?>
 <p:notes xmlns:a="http://schemas.openxmlformats.org/drawingml/2006/main" xmlns:r="http://schemas.openxmlformats.org/officeDocument/2006/relationships" xmlns:p="http://schemas.openxmlformats.org/presentationml/2006/main">
   <p:cSld>
     <p:spTree>
@@ -781,7 +1200,7 @@
           <a:p>
             <a:fld id="{802E5CB9-2BE2-4860-85EE-BBFABBF2603A}" type="slidenum">
               <a:rPr lang="en-US" smtClean="0"/>
-              <a:t>12</a:t>
+              <a:t>16</a:t>
             </a:fld>
             <a:endParaRPr lang="en-US"/>
           </a:p>
@@ -800,7 +1219,871 @@
 </p:notes>
 </file>
 
-<file path=ppt/notesSlides/notesSlide12.xml><?xml version="1.0" encoding="utf-8"?>
+<file path=ppt/notesSlides/notesSlide16.xml><?xml version="1.0" encoding="utf-8"?>
+<p:notes xmlns:a="http://schemas.openxmlformats.org/drawingml/2006/main" xmlns:r="http://schemas.openxmlformats.org/officeDocument/2006/relationships" xmlns:p="http://schemas.openxmlformats.org/presentationml/2006/main">
+  <p:cSld>
+    <p:spTree>
+      <p:nvGrpSpPr>
+        <p:cNvPr id="1" name="">
+          <a:extLst>
+            <a:ext uri="{FF2B5EF4-FFF2-40B4-BE49-F238E27FC236}">
+              <a16:creationId xmlns:a16="http://schemas.microsoft.com/office/drawing/2014/main" id="{75D64DBF-5BF1-9474-694B-D7A226090682}"/>
+            </a:ext>
+          </a:extLst>
+        </p:cNvPr>
+        <p:cNvGrpSpPr/>
+        <p:nvPr/>
+      </p:nvGrpSpPr>
+      <p:grpSpPr>
+        <a:xfrm>
+          <a:off x="0" y="0"/>
+          <a:ext cx="0" cy="0"/>
+          <a:chOff x="0" y="0"/>
+          <a:chExt cx="0" cy="0"/>
+        </a:xfrm>
+      </p:grpSpPr>
+      <p:sp>
+        <p:nvSpPr>
+          <p:cNvPr id="2" name="Segnaposto immagine diapositiva 1">
+            <a:extLst>
+              <a:ext uri="{FF2B5EF4-FFF2-40B4-BE49-F238E27FC236}">
+                <a16:creationId xmlns:a16="http://schemas.microsoft.com/office/drawing/2014/main" id="{00455D4E-B922-5D3E-3B1B-DB06A08D8E5D}"/>
+              </a:ext>
+            </a:extLst>
+          </p:cNvPr>
+          <p:cNvSpPr>
+            <a:spLocks noGrp="1" noRot="1" noChangeAspect="1"/>
+          </p:cNvSpPr>
+          <p:nvPr>
+            <p:ph type="sldImg"/>
+          </p:nvPr>
+        </p:nvSpPr>
+        <p:spPr/>
+      </p:sp>
+      <p:sp>
+        <p:nvSpPr>
+          <p:cNvPr id="3" name="Segnaposto note 2">
+            <a:extLst>
+              <a:ext uri="{FF2B5EF4-FFF2-40B4-BE49-F238E27FC236}">
+                <a16:creationId xmlns:a16="http://schemas.microsoft.com/office/drawing/2014/main" id="{9B7F5385-6787-B4DC-E718-875C1C0FFBF8}"/>
+              </a:ext>
+            </a:extLst>
+          </p:cNvPr>
+          <p:cNvSpPr>
+            <a:spLocks noGrp="1"/>
+          </p:cNvSpPr>
+          <p:nvPr>
+            <p:ph type="body" idx="1"/>
+          </p:nvPr>
+        </p:nvSpPr>
+        <p:spPr/>
+        <p:txBody>
+          <a:bodyPr/>
+          <a:lstStyle/>
+          <a:p>
+            <a:endParaRPr lang="en-US" dirty="0"/>
+          </a:p>
+        </p:txBody>
+      </p:sp>
+      <p:sp>
+        <p:nvSpPr>
+          <p:cNvPr id="4" name="Segnaposto numero diapositiva 3">
+            <a:extLst>
+              <a:ext uri="{FF2B5EF4-FFF2-40B4-BE49-F238E27FC236}">
+                <a16:creationId xmlns:a16="http://schemas.microsoft.com/office/drawing/2014/main" id="{4F4486BC-3E65-80C3-4DBA-766C590E93F2}"/>
+              </a:ext>
+            </a:extLst>
+          </p:cNvPr>
+          <p:cNvSpPr>
+            <a:spLocks noGrp="1"/>
+          </p:cNvSpPr>
+          <p:nvPr>
+            <p:ph type="sldNum" sz="quarter" idx="5"/>
+          </p:nvPr>
+        </p:nvSpPr>
+        <p:spPr/>
+        <p:txBody>
+          <a:bodyPr/>
+          <a:lstStyle/>
+          <a:p>
+            <a:fld id="{802E5CB9-2BE2-4860-85EE-BBFABBF2603A}" type="slidenum">
+              <a:rPr lang="en-US" smtClean="0"/>
+              <a:t>17</a:t>
+            </a:fld>
+            <a:endParaRPr lang="en-US" dirty="0"/>
+          </a:p>
+        </p:txBody>
+      </p:sp>
+    </p:spTree>
+    <p:extLst>
+      <p:ext uri="{BB962C8B-B14F-4D97-AF65-F5344CB8AC3E}">
+        <p14:creationId xmlns:p14="http://schemas.microsoft.com/office/powerpoint/2010/main" val="608511933"/>
+      </p:ext>
+    </p:extLst>
+  </p:cSld>
+  <p:clrMapOvr>
+    <a:masterClrMapping/>
+  </p:clrMapOvr>
+</p:notes>
+</file>
+
+<file path=ppt/notesSlides/notesSlide17.xml><?xml version="1.0" encoding="utf-8"?>
+<p:notes xmlns:a="http://schemas.openxmlformats.org/drawingml/2006/main" xmlns:r="http://schemas.openxmlformats.org/officeDocument/2006/relationships" xmlns:p="http://schemas.openxmlformats.org/presentationml/2006/main">
+  <p:cSld>
+    <p:spTree>
+      <p:nvGrpSpPr>
+        <p:cNvPr id="1" name="">
+          <a:extLst>
+            <a:ext uri="{FF2B5EF4-FFF2-40B4-BE49-F238E27FC236}">
+              <a16:creationId xmlns:a16="http://schemas.microsoft.com/office/drawing/2014/main" id="{15EF2159-D1F9-6C87-FF38-73CCE59595AE}"/>
+            </a:ext>
+          </a:extLst>
+        </p:cNvPr>
+        <p:cNvGrpSpPr/>
+        <p:nvPr/>
+      </p:nvGrpSpPr>
+      <p:grpSpPr>
+        <a:xfrm>
+          <a:off x="0" y="0"/>
+          <a:ext cx="0" cy="0"/>
+          <a:chOff x="0" y="0"/>
+          <a:chExt cx="0" cy="0"/>
+        </a:xfrm>
+      </p:grpSpPr>
+      <p:sp>
+        <p:nvSpPr>
+          <p:cNvPr id="2" name="Segnaposto immagine diapositiva 1">
+            <a:extLst>
+              <a:ext uri="{FF2B5EF4-FFF2-40B4-BE49-F238E27FC236}">
+                <a16:creationId xmlns:a16="http://schemas.microsoft.com/office/drawing/2014/main" id="{EE3B6AA3-509D-0EEF-9767-EF7990D30C47}"/>
+              </a:ext>
+            </a:extLst>
+          </p:cNvPr>
+          <p:cNvSpPr>
+            <a:spLocks noGrp="1" noRot="1" noChangeAspect="1"/>
+          </p:cNvSpPr>
+          <p:nvPr>
+            <p:ph type="sldImg"/>
+          </p:nvPr>
+        </p:nvSpPr>
+        <p:spPr/>
+      </p:sp>
+      <p:sp>
+        <p:nvSpPr>
+          <p:cNvPr id="3" name="Segnaposto note 2">
+            <a:extLst>
+              <a:ext uri="{FF2B5EF4-FFF2-40B4-BE49-F238E27FC236}">
+                <a16:creationId xmlns:a16="http://schemas.microsoft.com/office/drawing/2014/main" id="{E0E1BBBE-AAE9-335D-F7D7-882C90B080FA}"/>
+              </a:ext>
+            </a:extLst>
+          </p:cNvPr>
+          <p:cNvSpPr>
+            <a:spLocks noGrp="1"/>
+          </p:cNvSpPr>
+          <p:nvPr>
+            <p:ph type="body" idx="1"/>
+          </p:nvPr>
+        </p:nvSpPr>
+        <p:spPr/>
+        <p:txBody>
+          <a:bodyPr/>
+          <a:lstStyle/>
+          <a:p>
+            <a:endParaRPr lang="en-US" dirty="0"/>
+          </a:p>
+        </p:txBody>
+      </p:sp>
+      <p:sp>
+        <p:nvSpPr>
+          <p:cNvPr id="4" name="Segnaposto numero diapositiva 3">
+            <a:extLst>
+              <a:ext uri="{FF2B5EF4-FFF2-40B4-BE49-F238E27FC236}">
+                <a16:creationId xmlns:a16="http://schemas.microsoft.com/office/drawing/2014/main" id="{5C31F2D9-207C-2BC1-270E-2D2AE40C9AEE}"/>
+              </a:ext>
+            </a:extLst>
+          </p:cNvPr>
+          <p:cNvSpPr>
+            <a:spLocks noGrp="1"/>
+          </p:cNvSpPr>
+          <p:nvPr>
+            <p:ph type="sldNum" sz="quarter" idx="5"/>
+          </p:nvPr>
+        </p:nvSpPr>
+        <p:spPr/>
+        <p:txBody>
+          <a:bodyPr/>
+          <a:lstStyle/>
+          <a:p>
+            <a:fld id="{802E5CB9-2BE2-4860-85EE-BBFABBF2603A}" type="slidenum">
+              <a:rPr lang="en-US" smtClean="0"/>
+              <a:t>18</a:t>
+            </a:fld>
+            <a:endParaRPr lang="en-US"/>
+          </a:p>
+        </p:txBody>
+      </p:sp>
+    </p:spTree>
+    <p:extLst>
+      <p:ext uri="{BB962C8B-B14F-4D97-AF65-F5344CB8AC3E}">
+        <p14:creationId xmlns:p14="http://schemas.microsoft.com/office/powerpoint/2010/main" val="2250386474"/>
+      </p:ext>
+    </p:extLst>
+  </p:cSld>
+  <p:clrMapOvr>
+    <a:masterClrMapping/>
+  </p:clrMapOvr>
+</p:notes>
+</file>
+
+<file path=ppt/notesSlides/notesSlide18.xml><?xml version="1.0" encoding="utf-8"?>
+<p:notes xmlns:a="http://schemas.openxmlformats.org/drawingml/2006/main" xmlns:r="http://schemas.openxmlformats.org/officeDocument/2006/relationships" xmlns:p="http://schemas.openxmlformats.org/presentationml/2006/main">
+  <p:cSld>
+    <p:spTree>
+      <p:nvGrpSpPr>
+        <p:cNvPr id="1" name="">
+          <a:extLst>
+            <a:ext uri="{FF2B5EF4-FFF2-40B4-BE49-F238E27FC236}">
+              <a16:creationId xmlns:a16="http://schemas.microsoft.com/office/drawing/2014/main" id="{547DBFB3-13E5-1FF8-21E0-960EF77D3ABF}"/>
+            </a:ext>
+          </a:extLst>
+        </p:cNvPr>
+        <p:cNvGrpSpPr/>
+        <p:nvPr/>
+      </p:nvGrpSpPr>
+      <p:grpSpPr>
+        <a:xfrm>
+          <a:off x="0" y="0"/>
+          <a:ext cx="0" cy="0"/>
+          <a:chOff x="0" y="0"/>
+          <a:chExt cx="0" cy="0"/>
+        </a:xfrm>
+      </p:grpSpPr>
+      <p:sp>
+        <p:nvSpPr>
+          <p:cNvPr id="2" name="Segnaposto immagine diapositiva 1">
+            <a:extLst>
+              <a:ext uri="{FF2B5EF4-FFF2-40B4-BE49-F238E27FC236}">
+                <a16:creationId xmlns:a16="http://schemas.microsoft.com/office/drawing/2014/main" id="{22CEF7C4-1649-D349-1F47-9D57752A8F8F}"/>
+              </a:ext>
+            </a:extLst>
+          </p:cNvPr>
+          <p:cNvSpPr>
+            <a:spLocks noGrp="1" noRot="1" noChangeAspect="1"/>
+          </p:cNvSpPr>
+          <p:nvPr>
+            <p:ph type="sldImg"/>
+          </p:nvPr>
+        </p:nvSpPr>
+        <p:spPr/>
+      </p:sp>
+      <p:sp>
+        <p:nvSpPr>
+          <p:cNvPr id="3" name="Segnaposto note 2">
+            <a:extLst>
+              <a:ext uri="{FF2B5EF4-FFF2-40B4-BE49-F238E27FC236}">
+                <a16:creationId xmlns:a16="http://schemas.microsoft.com/office/drawing/2014/main" id="{041418F1-883E-9BA4-1AEC-C331F34545FB}"/>
+              </a:ext>
+            </a:extLst>
+          </p:cNvPr>
+          <p:cNvSpPr>
+            <a:spLocks noGrp="1"/>
+          </p:cNvSpPr>
+          <p:nvPr>
+            <p:ph type="body" idx="1"/>
+          </p:nvPr>
+        </p:nvSpPr>
+        <p:spPr/>
+        <p:txBody>
+          <a:bodyPr/>
+          <a:lstStyle/>
+          <a:p>
+            <a:endParaRPr lang="en-US" dirty="0"/>
+          </a:p>
+        </p:txBody>
+      </p:sp>
+      <p:sp>
+        <p:nvSpPr>
+          <p:cNvPr id="4" name="Segnaposto numero diapositiva 3">
+            <a:extLst>
+              <a:ext uri="{FF2B5EF4-FFF2-40B4-BE49-F238E27FC236}">
+                <a16:creationId xmlns:a16="http://schemas.microsoft.com/office/drawing/2014/main" id="{AE933537-80BA-6741-3FF6-B4C70BD7CAD7}"/>
+              </a:ext>
+            </a:extLst>
+          </p:cNvPr>
+          <p:cNvSpPr>
+            <a:spLocks noGrp="1"/>
+          </p:cNvSpPr>
+          <p:nvPr>
+            <p:ph type="sldNum" sz="quarter" idx="5"/>
+          </p:nvPr>
+        </p:nvSpPr>
+        <p:spPr/>
+        <p:txBody>
+          <a:bodyPr/>
+          <a:lstStyle/>
+          <a:p>
+            <a:fld id="{802E5CB9-2BE2-4860-85EE-BBFABBF2603A}" type="slidenum">
+              <a:rPr lang="en-US" smtClean="0"/>
+              <a:t>19</a:t>
+            </a:fld>
+            <a:endParaRPr lang="en-US"/>
+          </a:p>
+        </p:txBody>
+      </p:sp>
+    </p:spTree>
+    <p:extLst>
+      <p:ext uri="{BB962C8B-B14F-4D97-AF65-F5344CB8AC3E}">
+        <p14:creationId xmlns:p14="http://schemas.microsoft.com/office/powerpoint/2010/main" val="967090387"/>
+      </p:ext>
+    </p:extLst>
+  </p:cSld>
+  <p:clrMapOvr>
+    <a:masterClrMapping/>
+  </p:clrMapOvr>
+</p:notes>
+</file>
+
+<file path=ppt/notesSlides/notesSlide19.xml><?xml version="1.0" encoding="utf-8"?>
+<p:notes xmlns:a="http://schemas.openxmlformats.org/drawingml/2006/main" xmlns:r="http://schemas.openxmlformats.org/officeDocument/2006/relationships" xmlns:p="http://schemas.openxmlformats.org/presentationml/2006/main">
+  <p:cSld>
+    <p:spTree>
+      <p:nvGrpSpPr>
+        <p:cNvPr id="1" name="">
+          <a:extLst>
+            <a:ext uri="{FF2B5EF4-FFF2-40B4-BE49-F238E27FC236}">
+              <a16:creationId xmlns:a16="http://schemas.microsoft.com/office/drawing/2014/main" id="{94B3BCE6-CD11-1C68-D2B0-BBE87CE881FE}"/>
+            </a:ext>
+          </a:extLst>
+        </p:cNvPr>
+        <p:cNvGrpSpPr/>
+        <p:nvPr/>
+      </p:nvGrpSpPr>
+      <p:grpSpPr>
+        <a:xfrm>
+          <a:off x="0" y="0"/>
+          <a:ext cx="0" cy="0"/>
+          <a:chOff x="0" y="0"/>
+          <a:chExt cx="0" cy="0"/>
+        </a:xfrm>
+      </p:grpSpPr>
+      <p:sp>
+        <p:nvSpPr>
+          <p:cNvPr id="2" name="Segnaposto immagine diapositiva 1">
+            <a:extLst>
+              <a:ext uri="{FF2B5EF4-FFF2-40B4-BE49-F238E27FC236}">
+                <a16:creationId xmlns:a16="http://schemas.microsoft.com/office/drawing/2014/main" id="{3FFC26E5-01FF-29DC-F2CF-444E7AECACE8}"/>
+              </a:ext>
+            </a:extLst>
+          </p:cNvPr>
+          <p:cNvSpPr>
+            <a:spLocks noGrp="1" noRot="1" noChangeAspect="1"/>
+          </p:cNvSpPr>
+          <p:nvPr>
+            <p:ph type="sldImg"/>
+          </p:nvPr>
+        </p:nvSpPr>
+        <p:spPr/>
+      </p:sp>
+      <p:sp>
+        <p:nvSpPr>
+          <p:cNvPr id="3" name="Segnaposto note 2">
+            <a:extLst>
+              <a:ext uri="{FF2B5EF4-FFF2-40B4-BE49-F238E27FC236}">
+                <a16:creationId xmlns:a16="http://schemas.microsoft.com/office/drawing/2014/main" id="{27A73AAF-C3B5-F0EB-4E6E-F878E9CD2236}"/>
+              </a:ext>
+            </a:extLst>
+          </p:cNvPr>
+          <p:cNvSpPr>
+            <a:spLocks noGrp="1"/>
+          </p:cNvSpPr>
+          <p:nvPr>
+            <p:ph type="body" idx="1"/>
+          </p:nvPr>
+        </p:nvSpPr>
+        <p:spPr/>
+        <p:txBody>
+          <a:bodyPr/>
+          <a:lstStyle/>
+          <a:p>
+            <a:endParaRPr lang="en-US" dirty="0"/>
+          </a:p>
+        </p:txBody>
+      </p:sp>
+      <p:sp>
+        <p:nvSpPr>
+          <p:cNvPr id="4" name="Segnaposto numero diapositiva 3">
+            <a:extLst>
+              <a:ext uri="{FF2B5EF4-FFF2-40B4-BE49-F238E27FC236}">
+                <a16:creationId xmlns:a16="http://schemas.microsoft.com/office/drawing/2014/main" id="{E041A3D1-917C-5095-268B-10E82EC075B7}"/>
+              </a:ext>
+            </a:extLst>
+          </p:cNvPr>
+          <p:cNvSpPr>
+            <a:spLocks noGrp="1"/>
+          </p:cNvSpPr>
+          <p:nvPr>
+            <p:ph type="sldNum" sz="quarter" idx="5"/>
+          </p:nvPr>
+        </p:nvSpPr>
+        <p:spPr/>
+        <p:txBody>
+          <a:bodyPr/>
+          <a:lstStyle/>
+          <a:p>
+            <a:fld id="{802E5CB9-2BE2-4860-85EE-BBFABBF2603A}" type="slidenum">
+              <a:rPr lang="en-US" smtClean="0"/>
+              <a:t>20</a:t>
+            </a:fld>
+            <a:endParaRPr lang="en-US"/>
+          </a:p>
+        </p:txBody>
+      </p:sp>
+    </p:spTree>
+    <p:extLst>
+      <p:ext uri="{BB962C8B-B14F-4D97-AF65-F5344CB8AC3E}">
+        <p14:creationId xmlns:p14="http://schemas.microsoft.com/office/powerpoint/2010/main" val="3714746994"/>
+      </p:ext>
+    </p:extLst>
+  </p:cSld>
+  <p:clrMapOvr>
+    <a:masterClrMapping/>
+  </p:clrMapOvr>
+</p:notes>
+</file>
+
+<file path=ppt/notesSlides/notesSlide2.xml><?xml version="1.0" encoding="utf-8"?>
+<p:notes xmlns:a="http://schemas.openxmlformats.org/drawingml/2006/main" xmlns:r="http://schemas.openxmlformats.org/officeDocument/2006/relationships" xmlns:p="http://schemas.openxmlformats.org/presentationml/2006/main">
+  <p:cSld>
+    <p:spTree>
+      <p:nvGrpSpPr>
+        <p:cNvPr id="1" name="">
+          <a:extLst>
+            <a:ext uri="{FF2B5EF4-FFF2-40B4-BE49-F238E27FC236}">
+              <a16:creationId xmlns:a16="http://schemas.microsoft.com/office/drawing/2014/main" id="{DBACE419-A3B6-210F-651E-4B4E9D98FD66}"/>
+            </a:ext>
+          </a:extLst>
+        </p:cNvPr>
+        <p:cNvGrpSpPr/>
+        <p:nvPr/>
+      </p:nvGrpSpPr>
+      <p:grpSpPr>
+        <a:xfrm>
+          <a:off x="0" y="0"/>
+          <a:ext cx="0" cy="0"/>
+          <a:chOff x="0" y="0"/>
+          <a:chExt cx="0" cy="0"/>
+        </a:xfrm>
+      </p:grpSpPr>
+      <p:sp>
+        <p:nvSpPr>
+          <p:cNvPr id="2" name="Segnaposto immagine diapositiva 1">
+            <a:extLst>
+              <a:ext uri="{FF2B5EF4-FFF2-40B4-BE49-F238E27FC236}">
+                <a16:creationId xmlns:a16="http://schemas.microsoft.com/office/drawing/2014/main" id="{F0C968D6-C061-3363-F032-67DAB15F18CC}"/>
+              </a:ext>
+            </a:extLst>
+          </p:cNvPr>
+          <p:cNvSpPr>
+            <a:spLocks noGrp="1" noRot="1" noChangeAspect="1"/>
+          </p:cNvSpPr>
+          <p:nvPr>
+            <p:ph type="sldImg"/>
+          </p:nvPr>
+        </p:nvSpPr>
+        <p:spPr/>
+      </p:sp>
+      <p:sp>
+        <p:nvSpPr>
+          <p:cNvPr id="3" name="Segnaposto note 2">
+            <a:extLst>
+              <a:ext uri="{FF2B5EF4-FFF2-40B4-BE49-F238E27FC236}">
+                <a16:creationId xmlns:a16="http://schemas.microsoft.com/office/drawing/2014/main" id="{4D9C7E9F-E016-433A-B5EB-47C16977BA70}"/>
+              </a:ext>
+            </a:extLst>
+          </p:cNvPr>
+          <p:cNvSpPr>
+            <a:spLocks noGrp="1"/>
+          </p:cNvSpPr>
+          <p:nvPr>
+            <p:ph type="body" idx="1"/>
+          </p:nvPr>
+        </p:nvSpPr>
+        <p:spPr/>
+        <p:txBody>
+          <a:bodyPr/>
+          <a:lstStyle/>
+          <a:p>
+            <a:endParaRPr lang="en-US" dirty="0"/>
+          </a:p>
+        </p:txBody>
+      </p:sp>
+      <p:sp>
+        <p:nvSpPr>
+          <p:cNvPr id="4" name="Segnaposto numero diapositiva 3">
+            <a:extLst>
+              <a:ext uri="{FF2B5EF4-FFF2-40B4-BE49-F238E27FC236}">
+                <a16:creationId xmlns:a16="http://schemas.microsoft.com/office/drawing/2014/main" id="{94334B85-443D-21A8-C2CF-0F7DD7480C26}"/>
+              </a:ext>
+            </a:extLst>
+          </p:cNvPr>
+          <p:cNvSpPr>
+            <a:spLocks noGrp="1"/>
+          </p:cNvSpPr>
+          <p:nvPr>
+            <p:ph type="sldNum" sz="quarter" idx="5"/>
+          </p:nvPr>
+        </p:nvSpPr>
+        <p:spPr/>
+        <p:txBody>
+          <a:bodyPr/>
+          <a:lstStyle/>
+          <a:p>
+            <a:fld id="{802E5CB9-2BE2-4860-85EE-BBFABBF2603A}" type="slidenum">
+              <a:rPr lang="en-US" smtClean="0"/>
+              <a:t>3</a:t>
+            </a:fld>
+            <a:endParaRPr lang="en-US" dirty="0"/>
+          </a:p>
+        </p:txBody>
+      </p:sp>
+    </p:spTree>
+    <p:extLst>
+      <p:ext uri="{BB962C8B-B14F-4D97-AF65-F5344CB8AC3E}">
+        <p14:creationId xmlns:p14="http://schemas.microsoft.com/office/powerpoint/2010/main" val="1001963302"/>
+      </p:ext>
+    </p:extLst>
+  </p:cSld>
+  <p:clrMapOvr>
+    <a:masterClrMapping/>
+  </p:clrMapOvr>
+</p:notes>
+</file>
+
+<file path=ppt/notesSlides/notesSlide20.xml><?xml version="1.0" encoding="utf-8"?>
+<p:notes xmlns:a="http://schemas.openxmlformats.org/drawingml/2006/main" xmlns:r="http://schemas.openxmlformats.org/officeDocument/2006/relationships" xmlns:p="http://schemas.openxmlformats.org/presentationml/2006/main">
+  <p:cSld>
+    <p:spTree>
+      <p:nvGrpSpPr>
+        <p:cNvPr id="1" name="">
+          <a:extLst>
+            <a:ext uri="{FF2B5EF4-FFF2-40B4-BE49-F238E27FC236}">
+              <a16:creationId xmlns:a16="http://schemas.microsoft.com/office/drawing/2014/main" id="{F387028B-8B65-AA07-A4A9-E5D5EC777A59}"/>
+            </a:ext>
+          </a:extLst>
+        </p:cNvPr>
+        <p:cNvGrpSpPr/>
+        <p:nvPr/>
+      </p:nvGrpSpPr>
+      <p:grpSpPr>
+        <a:xfrm>
+          <a:off x="0" y="0"/>
+          <a:ext cx="0" cy="0"/>
+          <a:chOff x="0" y="0"/>
+          <a:chExt cx="0" cy="0"/>
+        </a:xfrm>
+      </p:grpSpPr>
+      <p:sp>
+        <p:nvSpPr>
+          <p:cNvPr id="2" name="Segnaposto immagine diapositiva 1">
+            <a:extLst>
+              <a:ext uri="{FF2B5EF4-FFF2-40B4-BE49-F238E27FC236}">
+                <a16:creationId xmlns:a16="http://schemas.microsoft.com/office/drawing/2014/main" id="{BB07D2AD-4203-5598-C6B4-FC65C6A2B5BB}"/>
+              </a:ext>
+            </a:extLst>
+          </p:cNvPr>
+          <p:cNvSpPr>
+            <a:spLocks noGrp="1" noRot="1" noChangeAspect="1"/>
+          </p:cNvSpPr>
+          <p:nvPr>
+            <p:ph type="sldImg"/>
+          </p:nvPr>
+        </p:nvSpPr>
+        <p:spPr/>
+      </p:sp>
+      <p:sp>
+        <p:nvSpPr>
+          <p:cNvPr id="3" name="Segnaposto note 2">
+            <a:extLst>
+              <a:ext uri="{FF2B5EF4-FFF2-40B4-BE49-F238E27FC236}">
+                <a16:creationId xmlns:a16="http://schemas.microsoft.com/office/drawing/2014/main" id="{04E5F60D-CF06-DC0C-1D18-F09610B7DFEE}"/>
+              </a:ext>
+            </a:extLst>
+          </p:cNvPr>
+          <p:cNvSpPr>
+            <a:spLocks noGrp="1"/>
+          </p:cNvSpPr>
+          <p:nvPr>
+            <p:ph type="body" idx="1"/>
+          </p:nvPr>
+        </p:nvSpPr>
+        <p:spPr/>
+        <p:txBody>
+          <a:bodyPr/>
+          <a:lstStyle/>
+          <a:p>
+            <a:endParaRPr lang="en-US" dirty="0"/>
+          </a:p>
+        </p:txBody>
+      </p:sp>
+      <p:sp>
+        <p:nvSpPr>
+          <p:cNvPr id="4" name="Segnaposto numero diapositiva 3">
+            <a:extLst>
+              <a:ext uri="{FF2B5EF4-FFF2-40B4-BE49-F238E27FC236}">
+                <a16:creationId xmlns:a16="http://schemas.microsoft.com/office/drawing/2014/main" id="{0634DF5D-BCB1-B70E-A3A7-7CB5FD0DA9F2}"/>
+              </a:ext>
+            </a:extLst>
+          </p:cNvPr>
+          <p:cNvSpPr>
+            <a:spLocks noGrp="1"/>
+          </p:cNvSpPr>
+          <p:nvPr>
+            <p:ph type="sldNum" sz="quarter" idx="5"/>
+          </p:nvPr>
+        </p:nvSpPr>
+        <p:spPr/>
+        <p:txBody>
+          <a:bodyPr/>
+          <a:lstStyle/>
+          <a:p>
+            <a:fld id="{802E5CB9-2BE2-4860-85EE-BBFABBF2603A}" type="slidenum">
+              <a:rPr lang="en-US" smtClean="0"/>
+              <a:t>21</a:t>
+            </a:fld>
+            <a:endParaRPr lang="en-US"/>
+          </a:p>
+        </p:txBody>
+      </p:sp>
+    </p:spTree>
+    <p:extLst>
+      <p:ext uri="{BB962C8B-B14F-4D97-AF65-F5344CB8AC3E}">
+        <p14:creationId xmlns:p14="http://schemas.microsoft.com/office/powerpoint/2010/main" val="2444536582"/>
+      </p:ext>
+    </p:extLst>
+  </p:cSld>
+  <p:clrMapOvr>
+    <a:masterClrMapping/>
+  </p:clrMapOvr>
+</p:notes>
+</file>
+
+<file path=ppt/notesSlides/notesSlide21.xml><?xml version="1.0" encoding="utf-8"?>
+<p:notes xmlns:a="http://schemas.openxmlformats.org/drawingml/2006/main" xmlns:r="http://schemas.openxmlformats.org/officeDocument/2006/relationships" xmlns:p="http://schemas.openxmlformats.org/presentationml/2006/main">
+  <p:cSld>
+    <p:spTree>
+      <p:nvGrpSpPr>
+        <p:cNvPr id="1" name="">
+          <a:extLst>
+            <a:ext uri="{FF2B5EF4-FFF2-40B4-BE49-F238E27FC236}">
+              <a16:creationId xmlns:a16="http://schemas.microsoft.com/office/drawing/2014/main" id="{53C1258E-A54F-3721-C81B-8407E5B6F4D2}"/>
+            </a:ext>
+          </a:extLst>
+        </p:cNvPr>
+        <p:cNvGrpSpPr/>
+        <p:nvPr/>
+      </p:nvGrpSpPr>
+      <p:grpSpPr>
+        <a:xfrm>
+          <a:off x="0" y="0"/>
+          <a:ext cx="0" cy="0"/>
+          <a:chOff x="0" y="0"/>
+          <a:chExt cx="0" cy="0"/>
+        </a:xfrm>
+      </p:grpSpPr>
+      <p:sp>
+        <p:nvSpPr>
+          <p:cNvPr id="2" name="Segnaposto immagine diapositiva 1">
+            <a:extLst>
+              <a:ext uri="{FF2B5EF4-FFF2-40B4-BE49-F238E27FC236}">
+                <a16:creationId xmlns:a16="http://schemas.microsoft.com/office/drawing/2014/main" id="{34929836-928D-7465-D408-954B80C1F77C}"/>
+              </a:ext>
+            </a:extLst>
+          </p:cNvPr>
+          <p:cNvSpPr>
+            <a:spLocks noGrp="1" noRot="1" noChangeAspect="1"/>
+          </p:cNvSpPr>
+          <p:nvPr>
+            <p:ph type="sldImg"/>
+          </p:nvPr>
+        </p:nvSpPr>
+        <p:spPr/>
+      </p:sp>
+      <p:sp>
+        <p:nvSpPr>
+          <p:cNvPr id="3" name="Segnaposto note 2">
+            <a:extLst>
+              <a:ext uri="{FF2B5EF4-FFF2-40B4-BE49-F238E27FC236}">
+                <a16:creationId xmlns:a16="http://schemas.microsoft.com/office/drawing/2014/main" id="{3341A0C3-B433-4202-5060-98FC92B6E7F7}"/>
+              </a:ext>
+            </a:extLst>
+          </p:cNvPr>
+          <p:cNvSpPr>
+            <a:spLocks noGrp="1"/>
+          </p:cNvSpPr>
+          <p:nvPr>
+            <p:ph type="body" idx="1"/>
+          </p:nvPr>
+        </p:nvSpPr>
+        <p:spPr/>
+        <p:txBody>
+          <a:bodyPr/>
+          <a:lstStyle/>
+          <a:p>
+            <a:endParaRPr lang="en-US" dirty="0"/>
+          </a:p>
+        </p:txBody>
+      </p:sp>
+      <p:sp>
+        <p:nvSpPr>
+          <p:cNvPr id="4" name="Segnaposto numero diapositiva 3">
+            <a:extLst>
+              <a:ext uri="{FF2B5EF4-FFF2-40B4-BE49-F238E27FC236}">
+                <a16:creationId xmlns:a16="http://schemas.microsoft.com/office/drawing/2014/main" id="{FBF26949-5DC5-0C08-E886-356D3A928F1D}"/>
+              </a:ext>
+            </a:extLst>
+          </p:cNvPr>
+          <p:cNvSpPr>
+            <a:spLocks noGrp="1"/>
+          </p:cNvSpPr>
+          <p:nvPr>
+            <p:ph type="sldNum" sz="quarter" idx="5"/>
+          </p:nvPr>
+        </p:nvSpPr>
+        <p:spPr/>
+        <p:txBody>
+          <a:bodyPr/>
+          <a:lstStyle/>
+          <a:p>
+            <a:fld id="{802E5CB9-2BE2-4860-85EE-BBFABBF2603A}" type="slidenum">
+              <a:rPr lang="en-US" smtClean="0"/>
+              <a:t>22</a:t>
+            </a:fld>
+            <a:endParaRPr lang="en-US"/>
+          </a:p>
+        </p:txBody>
+      </p:sp>
+    </p:spTree>
+    <p:extLst>
+      <p:ext uri="{BB962C8B-B14F-4D97-AF65-F5344CB8AC3E}">
+        <p14:creationId xmlns:p14="http://schemas.microsoft.com/office/powerpoint/2010/main" val="1043610212"/>
+      </p:ext>
+    </p:extLst>
+  </p:cSld>
+  <p:clrMapOvr>
+    <a:masterClrMapping/>
+  </p:clrMapOvr>
+</p:notes>
+</file>
+
+<file path=ppt/notesSlides/notesSlide22.xml><?xml version="1.0" encoding="utf-8"?>
+<p:notes xmlns:a="http://schemas.openxmlformats.org/drawingml/2006/main" xmlns:r="http://schemas.openxmlformats.org/officeDocument/2006/relationships" xmlns:p="http://schemas.openxmlformats.org/presentationml/2006/main">
+  <p:cSld>
+    <p:spTree>
+      <p:nvGrpSpPr>
+        <p:cNvPr id="1" name="">
+          <a:extLst>
+            <a:ext uri="{FF2B5EF4-FFF2-40B4-BE49-F238E27FC236}">
+              <a16:creationId xmlns:a16="http://schemas.microsoft.com/office/drawing/2014/main" id="{0CB2DB5E-CC50-A8AE-F1B3-3F40DA1EC38C}"/>
+            </a:ext>
+          </a:extLst>
+        </p:cNvPr>
+        <p:cNvGrpSpPr/>
+        <p:nvPr/>
+      </p:nvGrpSpPr>
+      <p:grpSpPr>
+        <a:xfrm>
+          <a:off x="0" y="0"/>
+          <a:ext cx="0" cy="0"/>
+          <a:chOff x="0" y="0"/>
+          <a:chExt cx="0" cy="0"/>
+        </a:xfrm>
+      </p:grpSpPr>
+      <p:sp>
+        <p:nvSpPr>
+          <p:cNvPr id="2" name="Segnaposto immagine diapositiva 1">
+            <a:extLst>
+              <a:ext uri="{FF2B5EF4-FFF2-40B4-BE49-F238E27FC236}">
+                <a16:creationId xmlns:a16="http://schemas.microsoft.com/office/drawing/2014/main" id="{B6E5BF26-3DB2-AB65-339A-F217A6C4C338}"/>
+              </a:ext>
+            </a:extLst>
+          </p:cNvPr>
+          <p:cNvSpPr>
+            <a:spLocks noGrp="1" noRot="1" noChangeAspect="1"/>
+          </p:cNvSpPr>
+          <p:nvPr>
+            <p:ph type="sldImg"/>
+          </p:nvPr>
+        </p:nvSpPr>
+        <p:spPr/>
+      </p:sp>
+      <p:sp>
+        <p:nvSpPr>
+          <p:cNvPr id="3" name="Segnaposto note 2">
+            <a:extLst>
+              <a:ext uri="{FF2B5EF4-FFF2-40B4-BE49-F238E27FC236}">
+                <a16:creationId xmlns:a16="http://schemas.microsoft.com/office/drawing/2014/main" id="{AFAAF6F6-A2D7-B75F-B7A3-38FDAA9F0E19}"/>
+              </a:ext>
+            </a:extLst>
+          </p:cNvPr>
+          <p:cNvSpPr>
+            <a:spLocks noGrp="1"/>
+          </p:cNvSpPr>
+          <p:nvPr>
+            <p:ph type="body" idx="1"/>
+          </p:nvPr>
+        </p:nvSpPr>
+        <p:spPr/>
+        <p:txBody>
+          <a:bodyPr/>
+          <a:lstStyle/>
+          <a:p>
+            <a:endParaRPr lang="en-US" dirty="0"/>
+          </a:p>
+        </p:txBody>
+      </p:sp>
+      <p:sp>
+        <p:nvSpPr>
+          <p:cNvPr id="4" name="Segnaposto numero diapositiva 3">
+            <a:extLst>
+              <a:ext uri="{FF2B5EF4-FFF2-40B4-BE49-F238E27FC236}">
+                <a16:creationId xmlns:a16="http://schemas.microsoft.com/office/drawing/2014/main" id="{3D937270-048F-2F64-7796-5258D792E4E3}"/>
+              </a:ext>
+            </a:extLst>
+          </p:cNvPr>
+          <p:cNvSpPr>
+            <a:spLocks noGrp="1"/>
+          </p:cNvSpPr>
+          <p:nvPr>
+            <p:ph type="sldNum" sz="quarter" idx="5"/>
+          </p:nvPr>
+        </p:nvSpPr>
+        <p:spPr/>
+        <p:txBody>
+          <a:bodyPr/>
+          <a:lstStyle/>
+          <a:p>
+            <a:fld id="{802E5CB9-2BE2-4860-85EE-BBFABBF2603A}" type="slidenum">
+              <a:rPr lang="en-US" smtClean="0"/>
+              <a:t>23</a:t>
+            </a:fld>
+            <a:endParaRPr lang="en-US" dirty="0"/>
+          </a:p>
+        </p:txBody>
+      </p:sp>
+    </p:spTree>
+    <p:extLst>
+      <p:ext uri="{BB962C8B-B14F-4D97-AF65-F5344CB8AC3E}">
+        <p14:creationId xmlns:p14="http://schemas.microsoft.com/office/powerpoint/2010/main" val="2461001125"/>
+      </p:ext>
+    </p:extLst>
+  </p:cSld>
+  <p:clrMapOvr>
+    <a:masterClrMapping/>
+  </p:clrMapOvr>
+</p:notes>
+</file>
+
+<file path=ppt/notesSlides/notesSlide23.xml><?xml version="1.0" encoding="utf-8"?>
 <p:notes xmlns:a="http://schemas.openxmlformats.org/drawingml/2006/main" xmlns:r="http://schemas.openxmlformats.org/officeDocument/2006/relationships" xmlns:p="http://schemas.openxmlformats.org/presentationml/2006/main">
   <p:cSld>
     <p:spTree>
@@ -889,7 +2172,7 @@
           <a:p>
             <a:fld id="{802E5CB9-2BE2-4860-85EE-BBFABBF2603A}" type="slidenum">
               <a:rPr lang="en-US" smtClean="0"/>
-              <a:t>13</a:t>
+              <a:t>24</a:t>
             </a:fld>
             <a:endParaRPr lang="en-US"/>
           </a:p>
@@ -908,7 +2191,223 @@
 </p:notes>
 </file>
 
-<file path=ppt/notesSlides/notesSlide2.xml><?xml version="1.0" encoding="utf-8"?>
+<file path=ppt/notesSlides/notesSlide3.xml><?xml version="1.0" encoding="utf-8"?>
+<p:notes xmlns:a="http://schemas.openxmlformats.org/drawingml/2006/main" xmlns:r="http://schemas.openxmlformats.org/officeDocument/2006/relationships" xmlns:p="http://schemas.openxmlformats.org/presentationml/2006/main">
+  <p:cSld>
+    <p:spTree>
+      <p:nvGrpSpPr>
+        <p:cNvPr id="1" name="">
+          <a:extLst>
+            <a:ext uri="{FF2B5EF4-FFF2-40B4-BE49-F238E27FC236}">
+              <a16:creationId xmlns:a16="http://schemas.microsoft.com/office/drawing/2014/main" id="{B41E4EF5-02E4-932D-2CD6-F123ED9A6113}"/>
+            </a:ext>
+          </a:extLst>
+        </p:cNvPr>
+        <p:cNvGrpSpPr/>
+        <p:nvPr/>
+      </p:nvGrpSpPr>
+      <p:grpSpPr>
+        <a:xfrm>
+          <a:off x="0" y="0"/>
+          <a:ext cx="0" cy="0"/>
+          <a:chOff x="0" y="0"/>
+          <a:chExt cx="0" cy="0"/>
+        </a:xfrm>
+      </p:grpSpPr>
+      <p:sp>
+        <p:nvSpPr>
+          <p:cNvPr id="2" name="Segnaposto immagine diapositiva 1">
+            <a:extLst>
+              <a:ext uri="{FF2B5EF4-FFF2-40B4-BE49-F238E27FC236}">
+                <a16:creationId xmlns:a16="http://schemas.microsoft.com/office/drawing/2014/main" id="{50F5102C-B148-2041-80FA-8B5E44057E96}"/>
+              </a:ext>
+            </a:extLst>
+          </p:cNvPr>
+          <p:cNvSpPr>
+            <a:spLocks noGrp="1" noRot="1" noChangeAspect="1"/>
+          </p:cNvSpPr>
+          <p:nvPr>
+            <p:ph type="sldImg"/>
+          </p:nvPr>
+        </p:nvSpPr>
+        <p:spPr/>
+      </p:sp>
+      <p:sp>
+        <p:nvSpPr>
+          <p:cNvPr id="3" name="Segnaposto note 2">
+            <a:extLst>
+              <a:ext uri="{FF2B5EF4-FFF2-40B4-BE49-F238E27FC236}">
+                <a16:creationId xmlns:a16="http://schemas.microsoft.com/office/drawing/2014/main" id="{07A794CC-543B-528C-BB87-EC9ABCFC8D82}"/>
+              </a:ext>
+            </a:extLst>
+          </p:cNvPr>
+          <p:cNvSpPr>
+            <a:spLocks noGrp="1"/>
+          </p:cNvSpPr>
+          <p:nvPr>
+            <p:ph type="body" idx="1"/>
+          </p:nvPr>
+        </p:nvSpPr>
+        <p:spPr/>
+        <p:txBody>
+          <a:bodyPr/>
+          <a:lstStyle/>
+          <a:p>
+            <a:endParaRPr lang="en-US" dirty="0"/>
+          </a:p>
+        </p:txBody>
+      </p:sp>
+      <p:sp>
+        <p:nvSpPr>
+          <p:cNvPr id="4" name="Segnaposto numero diapositiva 3">
+            <a:extLst>
+              <a:ext uri="{FF2B5EF4-FFF2-40B4-BE49-F238E27FC236}">
+                <a16:creationId xmlns:a16="http://schemas.microsoft.com/office/drawing/2014/main" id="{35218991-66E1-6375-18C8-8DB669D50BF0}"/>
+              </a:ext>
+            </a:extLst>
+          </p:cNvPr>
+          <p:cNvSpPr>
+            <a:spLocks noGrp="1"/>
+          </p:cNvSpPr>
+          <p:nvPr>
+            <p:ph type="sldNum" sz="quarter" idx="5"/>
+          </p:nvPr>
+        </p:nvSpPr>
+        <p:spPr/>
+        <p:txBody>
+          <a:bodyPr/>
+          <a:lstStyle/>
+          <a:p>
+            <a:fld id="{802E5CB9-2BE2-4860-85EE-BBFABBF2603A}" type="slidenum">
+              <a:rPr lang="en-US" smtClean="0"/>
+              <a:t>4</a:t>
+            </a:fld>
+            <a:endParaRPr lang="en-US"/>
+          </a:p>
+        </p:txBody>
+      </p:sp>
+    </p:spTree>
+    <p:extLst>
+      <p:ext uri="{BB962C8B-B14F-4D97-AF65-F5344CB8AC3E}">
+        <p14:creationId xmlns:p14="http://schemas.microsoft.com/office/powerpoint/2010/main" val="1394641877"/>
+      </p:ext>
+    </p:extLst>
+  </p:cSld>
+  <p:clrMapOvr>
+    <a:masterClrMapping/>
+  </p:clrMapOvr>
+</p:notes>
+</file>
+
+<file path=ppt/notesSlides/notesSlide4.xml><?xml version="1.0" encoding="utf-8"?>
+<p:notes xmlns:a="http://schemas.openxmlformats.org/drawingml/2006/main" xmlns:r="http://schemas.openxmlformats.org/officeDocument/2006/relationships" xmlns:p="http://schemas.openxmlformats.org/presentationml/2006/main">
+  <p:cSld>
+    <p:spTree>
+      <p:nvGrpSpPr>
+        <p:cNvPr id="1" name="">
+          <a:extLst>
+            <a:ext uri="{FF2B5EF4-FFF2-40B4-BE49-F238E27FC236}">
+              <a16:creationId xmlns:a16="http://schemas.microsoft.com/office/drawing/2014/main" id="{600FA0D9-0E0D-F937-4BF0-241F5AA75E3A}"/>
+            </a:ext>
+          </a:extLst>
+        </p:cNvPr>
+        <p:cNvGrpSpPr/>
+        <p:nvPr/>
+      </p:nvGrpSpPr>
+      <p:grpSpPr>
+        <a:xfrm>
+          <a:off x="0" y="0"/>
+          <a:ext cx="0" cy="0"/>
+          <a:chOff x="0" y="0"/>
+          <a:chExt cx="0" cy="0"/>
+        </a:xfrm>
+      </p:grpSpPr>
+      <p:sp>
+        <p:nvSpPr>
+          <p:cNvPr id="2" name="Segnaposto immagine diapositiva 1">
+            <a:extLst>
+              <a:ext uri="{FF2B5EF4-FFF2-40B4-BE49-F238E27FC236}">
+                <a16:creationId xmlns:a16="http://schemas.microsoft.com/office/drawing/2014/main" id="{85F1C3EA-6E92-9A98-B052-72D5419D8F48}"/>
+              </a:ext>
+            </a:extLst>
+          </p:cNvPr>
+          <p:cNvSpPr>
+            <a:spLocks noGrp="1" noRot="1" noChangeAspect="1"/>
+          </p:cNvSpPr>
+          <p:nvPr>
+            <p:ph type="sldImg"/>
+          </p:nvPr>
+        </p:nvSpPr>
+        <p:spPr/>
+      </p:sp>
+      <p:sp>
+        <p:nvSpPr>
+          <p:cNvPr id="3" name="Segnaposto note 2">
+            <a:extLst>
+              <a:ext uri="{FF2B5EF4-FFF2-40B4-BE49-F238E27FC236}">
+                <a16:creationId xmlns:a16="http://schemas.microsoft.com/office/drawing/2014/main" id="{BB998169-6986-0D08-DF7B-77A323224BDD}"/>
+              </a:ext>
+            </a:extLst>
+          </p:cNvPr>
+          <p:cNvSpPr>
+            <a:spLocks noGrp="1"/>
+          </p:cNvSpPr>
+          <p:nvPr>
+            <p:ph type="body" idx="1"/>
+          </p:nvPr>
+        </p:nvSpPr>
+        <p:spPr/>
+        <p:txBody>
+          <a:bodyPr/>
+          <a:lstStyle/>
+          <a:p>
+            <a:endParaRPr lang="en-US" dirty="0"/>
+          </a:p>
+        </p:txBody>
+      </p:sp>
+      <p:sp>
+        <p:nvSpPr>
+          <p:cNvPr id="4" name="Segnaposto numero diapositiva 3">
+            <a:extLst>
+              <a:ext uri="{FF2B5EF4-FFF2-40B4-BE49-F238E27FC236}">
+                <a16:creationId xmlns:a16="http://schemas.microsoft.com/office/drawing/2014/main" id="{DCE8606E-C29F-4A6F-73DE-7C0DAF6C1A70}"/>
+              </a:ext>
+            </a:extLst>
+          </p:cNvPr>
+          <p:cNvSpPr>
+            <a:spLocks noGrp="1"/>
+          </p:cNvSpPr>
+          <p:nvPr>
+            <p:ph type="sldNum" sz="quarter" idx="5"/>
+          </p:nvPr>
+        </p:nvSpPr>
+        <p:spPr/>
+        <p:txBody>
+          <a:bodyPr/>
+          <a:lstStyle/>
+          <a:p>
+            <a:fld id="{802E5CB9-2BE2-4860-85EE-BBFABBF2603A}" type="slidenum">
+              <a:rPr lang="en-US" smtClean="0"/>
+              <a:t>5</a:t>
+            </a:fld>
+            <a:endParaRPr lang="en-US" dirty="0"/>
+          </a:p>
+        </p:txBody>
+      </p:sp>
+    </p:spTree>
+    <p:extLst>
+      <p:ext uri="{BB962C8B-B14F-4D97-AF65-F5344CB8AC3E}">
+        <p14:creationId xmlns:p14="http://schemas.microsoft.com/office/powerpoint/2010/main" val="2902187394"/>
+      </p:ext>
+    </p:extLst>
+  </p:cSld>
+  <p:clrMapOvr>
+    <a:masterClrMapping/>
+  </p:clrMapOvr>
+</p:notes>
+</file>
+
+<file path=ppt/notesSlides/notesSlide5.xml><?xml version="1.0" encoding="utf-8"?>
 <p:notes xmlns:a="http://schemas.openxmlformats.org/drawingml/2006/main" xmlns:r="http://schemas.openxmlformats.org/officeDocument/2006/relationships" xmlns:p="http://schemas.openxmlformats.org/presentationml/2006/main">
   <p:cSld>
     <p:spTree>
@@ -997,7 +2496,7 @@
           <a:p>
             <a:fld id="{802E5CB9-2BE2-4860-85EE-BBFABBF2603A}" type="slidenum">
               <a:rPr lang="en-US" smtClean="0"/>
-              <a:t>3</a:t>
+              <a:t>6</a:t>
             </a:fld>
             <a:endParaRPr lang="en-US"/>
           </a:p>
@@ -1016,7 +2515,7 @@
 </p:notes>
 </file>
 
-<file path=ppt/notesSlides/notesSlide3.xml><?xml version="1.0" encoding="utf-8"?>
+<file path=ppt/notesSlides/notesSlide6.xml><?xml version="1.0" encoding="utf-8"?>
 <p:notes xmlns:a="http://schemas.openxmlformats.org/drawingml/2006/main" xmlns:r="http://schemas.openxmlformats.org/officeDocument/2006/relationships" xmlns:p="http://schemas.openxmlformats.org/presentationml/2006/main">
   <p:cSld>
     <p:spTree>
@@ -1105,7 +2604,7 @@
           <a:p>
             <a:fld id="{802E5CB9-2BE2-4860-85EE-BBFABBF2603A}" type="slidenum">
               <a:rPr lang="en-US" smtClean="0"/>
-              <a:t>4</a:t>
+              <a:t>7</a:t>
             </a:fld>
             <a:endParaRPr lang="en-US"/>
           </a:p>
@@ -1124,7 +2623,7 @@
 </p:notes>
 </file>
 
-<file path=ppt/notesSlides/notesSlide4.xml><?xml version="1.0" encoding="utf-8"?>
+<file path=ppt/notesSlides/notesSlide7.xml><?xml version="1.0" encoding="utf-8"?>
 <p:notes xmlns:a="http://schemas.openxmlformats.org/drawingml/2006/main" xmlns:r="http://schemas.openxmlformats.org/officeDocument/2006/relationships" xmlns:p="http://schemas.openxmlformats.org/presentationml/2006/main">
   <p:cSld>
     <p:spTree>
@@ -1213,7 +2712,7 @@
           <a:p>
             <a:fld id="{802E5CB9-2BE2-4860-85EE-BBFABBF2603A}" type="slidenum">
               <a:rPr lang="en-US" smtClean="0"/>
-              <a:t>5</a:t>
+              <a:t>8</a:t>
             </a:fld>
             <a:endParaRPr lang="en-US"/>
           </a:p>
@@ -1232,7 +2731,7 @@
 </p:notes>
 </file>
 
-<file path=ppt/notesSlides/notesSlide5.xml><?xml version="1.0" encoding="utf-8"?>
+<file path=ppt/notesSlides/notesSlide8.xml><?xml version="1.0" encoding="utf-8"?>
 <p:notes xmlns:a="http://schemas.openxmlformats.org/drawingml/2006/main" xmlns:r="http://schemas.openxmlformats.org/officeDocument/2006/relationships" xmlns:p="http://schemas.openxmlformats.org/presentationml/2006/main">
   <p:cSld>
     <p:spTree>
@@ -1321,7 +2820,7 @@
           <a:p>
             <a:fld id="{802E5CB9-2BE2-4860-85EE-BBFABBF2603A}" type="slidenum">
               <a:rPr lang="en-US" smtClean="0"/>
-              <a:t>6</a:t>
+              <a:t>9</a:t>
             </a:fld>
             <a:endParaRPr lang="en-US"/>
           </a:p>
@@ -1331,330 +2830,6 @@
     <p:extLst>
       <p:ext uri="{BB962C8B-B14F-4D97-AF65-F5344CB8AC3E}">
         <p14:creationId xmlns:p14="http://schemas.microsoft.com/office/powerpoint/2010/main" val="1352109157"/>
-      </p:ext>
-    </p:extLst>
-  </p:cSld>
-  <p:clrMapOvr>
-    <a:masterClrMapping/>
-  </p:clrMapOvr>
-</p:notes>
-</file>
-
-<file path=ppt/notesSlides/notesSlide6.xml><?xml version="1.0" encoding="utf-8"?>
-<p:notes xmlns:a="http://schemas.openxmlformats.org/drawingml/2006/main" xmlns:r="http://schemas.openxmlformats.org/officeDocument/2006/relationships" xmlns:p="http://schemas.openxmlformats.org/presentationml/2006/main">
-  <p:cSld>
-    <p:spTree>
-      <p:nvGrpSpPr>
-        <p:cNvPr id="1" name="">
-          <a:extLst>
-            <a:ext uri="{FF2B5EF4-FFF2-40B4-BE49-F238E27FC236}">
-              <a16:creationId xmlns:a16="http://schemas.microsoft.com/office/drawing/2014/main" id="{D38F38DD-55C1-0EC8-5CFD-ACEF7671633D}"/>
-            </a:ext>
-          </a:extLst>
-        </p:cNvPr>
-        <p:cNvGrpSpPr/>
-        <p:nvPr/>
-      </p:nvGrpSpPr>
-      <p:grpSpPr>
-        <a:xfrm>
-          <a:off x="0" y="0"/>
-          <a:ext cx="0" cy="0"/>
-          <a:chOff x="0" y="0"/>
-          <a:chExt cx="0" cy="0"/>
-        </a:xfrm>
-      </p:grpSpPr>
-      <p:sp>
-        <p:nvSpPr>
-          <p:cNvPr id="2" name="Segnaposto immagine diapositiva 1">
-            <a:extLst>
-              <a:ext uri="{FF2B5EF4-FFF2-40B4-BE49-F238E27FC236}">
-                <a16:creationId xmlns:a16="http://schemas.microsoft.com/office/drawing/2014/main" id="{2DEB21FD-9643-2EC5-5C96-D073197B6D6F}"/>
-              </a:ext>
-            </a:extLst>
-          </p:cNvPr>
-          <p:cNvSpPr>
-            <a:spLocks noGrp="1" noRot="1" noChangeAspect="1"/>
-          </p:cNvSpPr>
-          <p:nvPr>
-            <p:ph type="sldImg"/>
-          </p:nvPr>
-        </p:nvSpPr>
-        <p:spPr/>
-      </p:sp>
-      <p:sp>
-        <p:nvSpPr>
-          <p:cNvPr id="3" name="Segnaposto note 2">
-            <a:extLst>
-              <a:ext uri="{FF2B5EF4-FFF2-40B4-BE49-F238E27FC236}">
-                <a16:creationId xmlns:a16="http://schemas.microsoft.com/office/drawing/2014/main" id="{A266573E-90DC-C4C5-4C86-CC94D87789F4}"/>
-              </a:ext>
-            </a:extLst>
-          </p:cNvPr>
-          <p:cNvSpPr>
-            <a:spLocks noGrp="1"/>
-          </p:cNvSpPr>
-          <p:nvPr>
-            <p:ph type="body" idx="1"/>
-          </p:nvPr>
-        </p:nvSpPr>
-        <p:spPr/>
-        <p:txBody>
-          <a:bodyPr/>
-          <a:lstStyle/>
-          <a:p>
-            <a:endParaRPr lang="en-US" dirty="0"/>
-          </a:p>
-        </p:txBody>
-      </p:sp>
-      <p:sp>
-        <p:nvSpPr>
-          <p:cNvPr id="4" name="Segnaposto numero diapositiva 3">
-            <a:extLst>
-              <a:ext uri="{FF2B5EF4-FFF2-40B4-BE49-F238E27FC236}">
-                <a16:creationId xmlns:a16="http://schemas.microsoft.com/office/drawing/2014/main" id="{C20091B0-AA0D-E47F-AC4D-DBEA698EC593}"/>
-              </a:ext>
-            </a:extLst>
-          </p:cNvPr>
-          <p:cNvSpPr>
-            <a:spLocks noGrp="1"/>
-          </p:cNvSpPr>
-          <p:nvPr>
-            <p:ph type="sldNum" sz="quarter" idx="5"/>
-          </p:nvPr>
-        </p:nvSpPr>
-        <p:spPr/>
-        <p:txBody>
-          <a:bodyPr/>
-          <a:lstStyle/>
-          <a:p>
-            <a:fld id="{802E5CB9-2BE2-4860-85EE-BBFABBF2603A}" type="slidenum">
-              <a:rPr lang="en-US" smtClean="0"/>
-              <a:t>7</a:t>
-            </a:fld>
-            <a:endParaRPr lang="en-US"/>
-          </a:p>
-        </p:txBody>
-      </p:sp>
-    </p:spTree>
-    <p:extLst>
-      <p:ext uri="{BB962C8B-B14F-4D97-AF65-F5344CB8AC3E}">
-        <p14:creationId xmlns:p14="http://schemas.microsoft.com/office/powerpoint/2010/main" val="533612234"/>
-      </p:ext>
-    </p:extLst>
-  </p:cSld>
-  <p:clrMapOvr>
-    <a:masterClrMapping/>
-  </p:clrMapOvr>
-</p:notes>
-</file>
-
-<file path=ppt/notesSlides/notesSlide7.xml><?xml version="1.0" encoding="utf-8"?>
-<p:notes xmlns:a="http://schemas.openxmlformats.org/drawingml/2006/main" xmlns:r="http://schemas.openxmlformats.org/officeDocument/2006/relationships" xmlns:p="http://schemas.openxmlformats.org/presentationml/2006/main">
-  <p:cSld>
-    <p:spTree>
-      <p:nvGrpSpPr>
-        <p:cNvPr id="1" name="">
-          <a:extLst>
-            <a:ext uri="{FF2B5EF4-FFF2-40B4-BE49-F238E27FC236}">
-              <a16:creationId xmlns:a16="http://schemas.microsoft.com/office/drawing/2014/main" id="{4A8E39AD-A6AC-7E81-5B38-EF539E2776F8}"/>
-            </a:ext>
-          </a:extLst>
-        </p:cNvPr>
-        <p:cNvGrpSpPr/>
-        <p:nvPr/>
-      </p:nvGrpSpPr>
-      <p:grpSpPr>
-        <a:xfrm>
-          <a:off x="0" y="0"/>
-          <a:ext cx="0" cy="0"/>
-          <a:chOff x="0" y="0"/>
-          <a:chExt cx="0" cy="0"/>
-        </a:xfrm>
-      </p:grpSpPr>
-      <p:sp>
-        <p:nvSpPr>
-          <p:cNvPr id="2" name="Segnaposto immagine diapositiva 1">
-            <a:extLst>
-              <a:ext uri="{FF2B5EF4-FFF2-40B4-BE49-F238E27FC236}">
-                <a16:creationId xmlns:a16="http://schemas.microsoft.com/office/drawing/2014/main" id="{374F02D1-3BC2-F7AE-F522-2CA560237F39}"/>
-              </a:ext>
-            </a:extLst>
-          </p:cNvPr>
-          <p:cNvSpPr>
-            <a:spLocks noGrp="1" noRot="1" noChangeAspect="1"/>
-          </p:cNvSpPr>
-          <p:nvPr>
-            <p:ph type="sldImg"/>
-          </p:nvPr>
-        </p:nvSpPr>
-        <p:spPr/>
-      </p:sp>
-      <p:sp>
-        <p:nvSpPr>
-          <p:cNvPr id="3" name="Segnaposto note 2">
-            <a:extLst>
-              <a:ext uri="{FF2B5EF4-FFF2-40B4-BE49-F238E27FC236}">
-                <a16:creationId xmlns:a16="http://schemas.microsoft.com/office/drawing/2014/main" id="{151CFA15-1FD3-7090-C9AF-7B0CCA9D0126}"/>
-              </a:ext>
-            </a:extLst>
-          </p:cNvPr>
-          <p:cNvSpPr>
-            <a:spLocks noGrp="1"/>
-          </p:cNvSpPr>
-          <p:nvPr>
-            <p:ph type="body" idx="1"/>
-          </p:nvPr>
-        </p:nvSpPr>
-        <p:spPr/>
-        <p:txBody>
-          <a:bodyPr/>
-          <a:lstStyle/>
-          <a:p>
-            <a:endParaRPr lang="en-US" dirty="0"/>
-          </a:p>
-        </p:txBody>
-      </p:sp>
-      <p:sp>
-        <p:nvSpPr>
-          <p:cNvPr id="4" name="Segnaposto numero diapositiva 3">
-            <a:extLst>
-              <a:ext uri="{FF2B5EF4-FFF2-40B4-BE49-F238E27FC236}">
-                <a16:creationId xmlns:a16="http://schemas.microsoft.com/office/drawing/2014/main" id="{71F9C51D-7AED-C4A1-98A3-4FF197B02CC3}"/>
-              </a:ext>
-            </a:extLst>
-          </p:cNvPr>
-          <p:cNvSpPr>
-            <a:spLocks noGrp="1"/>
-          </p:cNvSpPr>
-          <p:nvPr>
-            <p:ph type="sldNum" sz="quarter" idx="5"/>
-          </p:nvPr>
-        </p:nvSpPr>
-        <p:spPr/>
-        <p:txBody>
-          <a:bodyPr/>
-          <a:lstStyle/>
-          <a:p>
-            <a:fld id="{802E5CB9-2BE2-4860-85EE-BBFABBF2603A}" type="slidenum">
-              <a:rPr lang="en-US" smtClean="0"/>
-              <a:t>8</a:t>
-            </a:fld>
-            <a:endParaRPr lang="en-US"/>
-          </a:p>
-        </p:txBody>
-      </p:sp>
-    </p:spTree>
-    <p:extLst>
-      <p:ext uri="{BB962C8B-B14F-4D97-AF65-F5344CB8AC3E}">
-        <p14:creationId xmlns:p14="http://schemas.microsoft.com/office/powerpoint/2010/main" val="3189773794"/>
-      </p:ext>
-    </p:extLst>
-  </p:cSld>
-  <p:clrMapOvr>
-    <a:masterClrMapping/>
-  </p:clrMapOvr>
-</p:notes>
-</file>
-
-<file path=ppt/notesSlides/notesSlide8.xml><?xml version="1.0" encoding="utf-8"?>
-<p:notes xmlns:a="http://schemas.openxmlformats.org/drawingml/2006/main" xmlns:r="http://schemas.openxmlformats.org/officeDocument/2006/relationships" xmlns:p="http://schemas.openxmlformats.org/presentationml/2006/main">
-  <p:cSld>
-    <p:spTree>
-      <p:nvGrpSpPr>
-        <p:cNvPr id="1" name="">
-          <a:extLst>
-            <a:ext uri="{FF2B5EF4-FFF2-40B4-BE49-F238E27FC236}">
-              <a16:creationId xmlns:a16="http://schemas.microsoft.com/office/drawing/2014/main" id="{E3BD04BF-E728-3C22-09E2-C45E56A83FD2}"/>
-            </a:ext>
-          </a:extLst>
-        </p:cNvPr>
-        <p:cNvGrpSpPr/>
-        <p:nvPr/>
-      </p:nvGrpSpPr>
-      <p:grpSpPr>
-        <a:xfrm>
-          <a:off x="0" y="0"/>
-          <a:ext cx="0" cy="0"/>
-          <a:chOff x="0" y="0"/>
-          <a:chExt cx="0" cy="0"/>
-        </a:xfrm>
-      </p:grpSpPr>
-      <p:sp>
-        <p:nvSpPr>
-          <p:cNvPr id="2" name="Segnaposto immagine diapositiva 1">
-            <a:extLst>
-              <a:ext uri="{FF2B5EF4-FFF2-40B4-BE49-F238E27FC236}">
-                <a16:creationId xmlns:a16="http://schemas.microsoft.com/office/drawing/2014/main" id="{A2F6B415-8365-A50D-AF53-26272FE239E3}"/>
-              </a:ext>
-            </a:extLst>
-          </p:cNvPr>
-          <p:cNvSpPr>
-            <a:spLocks noGrp="1" noRot="1" noChangeAspect="1"/>
-          </p:cNvSpPr>
-          <p:nvPr>
-            <p:ph type="sldImg"/>
-          </p:nvPr>
-        </p:nvSpPr>
-        <p:spPr/>
-      </p:sp>
-      <p:sp>
-        <p:nvSpPr>
-          <p:cNvPr id="3" name="Segnaposto note 2">
-            <a:extLst>
-              <a:ext uri="{FF2B5EF4-FFF2-40B4-BE49-F238E27FC236}">
-                <a16:creationId xmlns:a16="http://schemas.microsoft.com/office/drawing/2014/main" id="{633911CF-5457-2EE4-D7B4-EF26CA733F20}"/>
-              </a:ext>
-            </a:extLst>
-          </p:cNvPr>
-          <p:cNvSpPr>
-            <a:spLocks noGrp="1"/>
-          </p:cNvSpPr>
-          <p:nvPr>
-            <p:ph type="body" idx="1"/>
-          </p:nvPr>
-        </p:nvSpPr>
-        <p:spPr/>
-        <p:txBody>
-          <a:bodyPr/>
-          <a:lstStyle/>
-          <a:p>
-            <a:endParaRPr lang="en-US" dirty="0"/>
-          </a:p>
-        </p:txBody>
-      </p:sp>
-      <p:sp>
-        <p:nvSpPr>
-          <p:cNvPr id="4" name="Segnaposto numero diapositiva 3">
-            <a:extLst>
-              <a:ext uri="{FF2B5EF4-FFF2-40B4-BE49-F238E27FC236}">
-                <a16:creationId xmlns:a16="http://schemas.microsoft.com/office/drawing/2014/main" id="{2E5E41EC-EDD9-AE50-6D3E-D16FE1094330}"/>
-              </a:ext>
-            </a:extLst>
-          </p:cNvPr>
-          <p:cNvSpPr>
-            <a:spLocks noGrp="1"/>
-          </p:cNvSpPr>
-          <p:nvPr>
-            <p:ph type="sldNum" sz="quarter" idx="5"/>
-          </p:nvPr>
-        </p:nvSpPr>
-        <p:spPr/>
-        <p:txBody>
-          <a:bodyPr/>
-          <a:lstStyle/>
-          <a:p>
-            <a:fld id="{802E5CB9-2BE2-4860-85EE-BBFABBF2603A}" type="slidenum">
-              <a:rPr lang="en-US" smtClean="0"/>
-              <a:t>9</a:t>
-            </a:fld>
-            <a:endParaRPr lang="en-US"/>
-          </a:p>
-        </p:txBody>
-      </p:sp>
-    </p:spTree>
-    <p:extLst>
-      <p:ext uri="{BB962C8B-B14F-4D97-AF65-F5344CB8AC3E}">
-        <p14:creationId xmlns:p14="http://schemas.microsoft.com/office/powerpoint/2010/main" val="352943375"/>
       </p:ext>
     </p:extLst>
   </p:cSld>
@@ -1672,7 +2847,7 @@
         <p:cNvPr id="1" name="">
           <a:extLst>
             <a:ext uri="{FF2B5EF4-FFF2-40B4-BE49-F238E27FC236}">
-              <a16:creationId xmlns:a16="http://schemas.microsoft.com/office/drawing/2014/main" id="{2CE0787F-5123-A9BF-068C-2EA632612CE0}"/>
+              <a16:creationId xmlns:a16="http://schemas.microsoft.com/office/drawing/2014/main" id="{14154D4E-9C46-90EF-7995-85392CA5BD4E}"/>
             </a:ext>
           </a:extLst>
         </p:cNvPr>
@@ -1692,7 +2867,7 @@
           <p:cNvPr id="2" name="Segnaposto immagine diapositiva 1">
             <a:extLst>
               <a:ext uri="{FF2B5EF4-FFF2-40B4-BE49-F238E27FC236}">
-                <a16:creationId xmlns:a16="http://schemas.microsoft.com/office/drawing/2014/main" id="{6C593EB4-7E48-F461-1BE6-39C3DF6957F8}"/>
+                <a16:creationId xmlns:a16="http://schemas.microsoft.com/office/drawing/2014/main" id="{490E81EE-5BF1-BD9E-8FBA-420F2522E1A5}"/>
               </a:ext>
             </a:extLst>
           </p:cNvPr>
@@ -1710,7 +2885,7 @@
           <p:cNvPr id="3" name="Segnaposto note 2">
             <a:extLst>
               <a:ext uri="{FF2B5EF4-FFF2-40B4-BE49-F238E27FC236}">
-                <a16:creationId xmlns:a16="http://schemas.microsoft.com/office/drawing/2014/main" id="{F13A8314-35EE-158D-E481-626B5E3AD5E8}"/>
+                <a16:creationId xmlns:a16="http://schemas.microsoft.com/office/drawing/2014/main" id="{DED5BB9B-1157-EBF2-B1F5-52629B46B40A}"/>
               </a:ext>
             </a:extLst>
           </p:cNvPr>
@@ -1735,7 +2910,7 @@
           <p:cNvPr id="4" name="Segnaposto numero diapositiva 3">
             <a:extLst>
               <a:ext uri="{FF2B5EF4-FFF2-40B4-BE49-F238E27FC236}">
-                <a16:creationId xmlns:a16="http://schemas.microsoft.com/office/drawing/2014/main" id="{D63DD667-43BA-1CED-A304-724255751370}"/>
+                <a16:creationId xmlns:a16="http://schemas.microsoft.com/office/drawing/2014/main" id="{6391945F-F279-66CA-D207-BBFA69F67A40}"/>
               </a:ext>
             </a:extLst>
           </p:cNvPr>
@@ -1755,14 +2930,14 @@
               <a:rPr lang="en-US" smtClean="0"/>
               <a:t>10</a:t>
             </a:fld>
-            <a:endParaRPr lang="en-US"/>
+            <a:endParaRPr lang="en-US" dirty="0"/>
           </a:p>
         </p:txBody>
       </p:sp>
     </p:spTree>
     <p:extLst>
       <p:ext uri="{BB962C8B-B14F-4D97-AF65-F5344CB8AC3E}">
-        <p14:creationId xmlns:p14="http://schemas.microsoft.com/office/powerpoint/2010/main" val="3226540527"/>
+        <p14:creationId xmlns:p14="http://schemas.microsoft.com/office/powerpoint/2010/main" val="2486326650"/>
       </p:ext>
     </p:extLst>
   </p:cSld>
@@ -5647,7 +6822,7 @@
         <p:cNvPr id="1" name="">
           <a:extLst>
             <a:ext uri="{FF2B5EF4-FFF2-40B4-BE49-F238E27FC236}">
-              <a16:creationId xmlns:a16="http://schemas.microsoft.com/office/drawing/2014/main" id="{2710F189-C783-B9FC-256D-8897AF417E3A}"/>
+              <a16:creationId xmlns:a16="http://schemas.microsoft.com/office/drawing/2014/main" id="{2B3E92B9-DDAE-86D7-DB52-C72097F236FE}"/>
             </a:ext>
           </a:extLst>
         </p:cNvPr>
@@ -5667,7 +6842,249 @@
           <p:cNvPr id="2" name="Titolo 1">
             <a:extLst>
               <a:ext uri="{FF2B5EF4-FFF2-40B4-BE49-F238E27FC236}">
-                <a16:creationId xmlns:a16="http://schemas.microsoft.com/office/drawing/2014/main" id="{C259BD06-C541-5DED-AC35-603BD00E8FE3}"/>
+                <a16:creationId xmlns:a16="http://schemas.microsoft.com/office/drawing/2014/main" id="{5C12B14C-BC6A-798D-4DB5-8287E3064F07}"/>
+              </a:ext>
+            </a:extLst>
+          </p:cNvPr>
+          <p:cNvSpPr>
+            <a:spLocks noGrp="1"/>
+          </p:cNvSpPr>
+          <p:nvPr>
+            <p:ph type="title"/>
+          </p:nvPr>
+        </p:nvSpPr>
+        <p:spPr/>
+        <p:txBody>
+          <a:bodyPr/>
+          <a:lstStyle/>
+          <a:p>
+            <a:r>
+              <a:rPr lang="en-US" dirty="0"/>
+              <a:t>Outline </a:t>
+            </a:r>
+          </a:p>
+        </p:txBody>
+      </p:sp>
+      <p:sp>
+        <p:nvSpPr>
+          <p:cNvPr id="3" name="Segnaposto contenuto 2">
+            <a:extLst>
+              <a:ext uri="{FF2B5EF4-FFF2-40B4-BE49-F238E27FC236}">
+                <a16:creationId xmlns:a16="http://schemas.microsoft.com/office/drawing/2014/main" id="{7E7CBEE1-C5BD-02FB-30B1-FFA2A831E404}"/>
+              </a:ext>
+            </a:extLst>
+          </p:cNvPr>
+          <p:cNvSpPr>
+            <a:spLocks noGrp="1"/>
+          </p:cNvSpPr>
+          <p:nvPr>
+            <p:ph idx="1"/>
+          </p:nvPr>
+        </p:nvSpPr>
+        <p:spPr>
+          <a:xfrm>
+            <a:off x="664464" y="2041497"/>
+            <a:ext cx="10098024" cy="2613436"/>
+          </a:xfrm>
+        </p:spPr>
+        <p:txBody>
+          <a:bodyPr>
+            <a:noAutofit/>
+          </a:bodyPr>
+          <a:lstStyle/>
+          <a:p>
+            <a:r>
+              <a:rPr lang="en-US" sz="2000" dirty="0">
+                <a:solidFill>
+                  <a:schemeClr val="bg1">
+                    <a:lumMod val="65000"/>
+                  </a:schemeClr>
+                </a:solidFill>
+              </a:rPr>
+              <a:t>Aim of envelope analysis</a:t>
+            </a:r>
+          </a:p>
+          <a:p>
+            <a:r>
+              <a:rPr lang="en-US" sz="2000" dirty="0">
+                <a:solidFill>
+                  <a:schemeClr val="bg1">
+                    <a:lumMod val="65000"/>
+                  </a:schemeClr>
+                </a:solidFill>
+              </a:rPr>
+              <a:t>Envelope analysis pipeline</a:t>
+            </a:r>
+          </a:p>
+          <a:p>
+            <a:pPr lvl="1"/>
+            <a:r>
+              <a:rPr lang="en-US" sz="1600" dirty="0">
+                <a:solidFill>
+                  <a:schemeClr val="bg1">
+                    <a:lumMod val="65000"/>
+                  </a:schemeClr>
+                </a:solidFill>
+              </a:rPr>
+              <a:t>Envelope derivative</a:t>
+            </a:r>
+          </a:p>
+          <a:p>
+            <a:pPr lvl="1"/>
+            <a:r>
+              <a:rPr lang="en-US" sz="1600" dirty="0">
+                <a:solidFill>
+                  <a:schemeClr val="bg1">
+                    <a:lumMod val="65000"/>
+                  </a:schemeClr>
+                </a:solidFill>
+              </a:rPr>
+              <a:t>Derivative thresholding and merging </a:t>
+            </a:r>
+          </a:p>
+          <a:p>
+            <a:pPr lvl="1"/>
+            <a:r>
+              <a:rPr lang="en-US" sz="1600" dirty="0">
+                <a:solidFill>
+                  <a:schemeClr val="bg1">
+                    <a:lumMod val="65000"/>
+                  </a:schemeClr>
+                </a:solidFill>
+              </a:rPr>
+              <a:t>False peak detection</a:t>
+            </a:r>
+          </a:p>
+          <a:p>
+            <a:pPr lvl="1"/>
+            <a:r>
+              <a:rPr lang="en-US" sz="1600" dirty="0">
+                <a:solidFill>
+                  <a:schemeClr val="bg1">
+                    <a:lumMod val="65000"/>
+                  </a:schemeClr>
+                </a:solidFill>
+              </a:rPr>
+              <a:t>Time thresholds definition</a:t>
+            </a:r>
+          </a:p>
+          <a:p>
+            <a:r>
+              <a:rPr lang="en-US" sz="2000" dirty="0"/>
+              <a:t>Results</a:t>
+            </a:r>
+          </a:p>
+          <a:p>
+            <a:pPr lvl="1"/>
+            <a:r>
+              <a:rPr lang="en-US" sz="1600" dirty="0"/>
+              <a:t>Positive results</a:t>
+            </a:r>
+          </a:p>
+          <a:p>
+            <a:pPr lvl="1"/>
+            <a:r>
+              <a:rPr lang="en-US" sz="1600" dirty="0"/>
+              <a:t>Misleading results</a:t>
+            </a:r>
+          </a:p>
+          <a:p>
+            <a:r>
+              <a:rPr lang="en-US" sz="2000" dirty="0">
+                <a:solidFill>
+                  <a:schemeClr val="bg1">
+                    <a:lumMod val="65000"/>
+                  </a:schemeClr>
+                </a:solidFill>
+              </a:rPr>
+              <a:t>Proposed features</a:t>
+            </a:r>
+          </a:p>
+          <a:p>
+            <a:r>
+              <a:rPr lang="en-US" sz="2000" dirty="0">
+                <a:solidFill>
+                  <a:schemeClr val="bg1">
+                    <a:lumMod val="65000"/>
+                  </a:schemeClr>
+                </a:solidFill>
+              </a:rPr>
+              <a:t>Conclusions</a:t>
+            </a:r>
+          </a:p>
+        </p:txBody>
+      </p:sp>
+      <p:sp>
+        <p:nvSpPr>
+          <p:cNvPr id="4" name="Segnaposto numero diapositiva 3">
+            <a:extLst>
+              <a:ext uri="{FF2B5EF4-FFF2-40B4-BE49-F238E27FC236}">
+                <a16:creationId xmlns:a16="http://schemas.microsoft.com/office/drawing/2014/main" id="{6411581A-03DE-51CA-8AE4-F50992675371}"/>
+              </a:ext>
+            </a:extLst>
+          </p:cNvPr>
+          <p:cNvSpPr>
+            <a:spLocks noGrp="1"/>
+          </p:cNvSpPr>
+          <p:nvPr>
+            <p:ph type="sldNum" sz="quarter" idx="12"/>
+          </p:nvPr>
+        </p:nvSpPr>
+        <p:spPr/>
+        <p:txBody>
+          <a:bodyPr/>
+          <a:lstStyle/>
+          <a:p>
+            <a:fld id="{2FA0223F-D95A-431D-9A71-EDA7FA0C2F5B}" type="slidenum">
+              <a:rPr lang="en-US" smtClean="0"/>
+              <a:t>10</a:t>
+            </a:fld>
+            <a:endParaRPr lang="en-US" dirty="0"/>
+          </a:p>
+        </p:txBody>
+      </p:sp>
+    </p:spTree>
+    <p:extLst>
+      <p:ext uri="{BB962C8B-B14F-4D97-AF65-F5344CB8AC3E}">
+        <p14:creationId xmlns:p14="http://schemas.microsoft.com/office/powerpoint/2010/main" val="3008331774"/>
+      </p:ext>
+    </p:extLst>
+  </p:cSld>
+  <p:clrMapOvr>
+    <a:masterClrMapping/>
+  </p:clrMapOvr>
+</p:sld>
+</file>
+
+<file path=ppt/slides/slide11.xml><?xml version="1.0" encoding="utf-8"?>
+<p:sld xmlns:a="http://schemas.openxmlformats.org/drawingml/2006/main" xmlns:r="http://schemas.openxmlformats.org/officeDocument/2006/relationships" xmlns:p="http://schemas.openxmlformats.org/presentationml/2006/main">
+  <p:cSld>
+    <p:spTree>
+      <p:nvGrpSpPr>
+        <p:cNvPr id="1" name="">
+          <a:extLst>
+            <a:ext uri="{FF2B5EF4-FFF2-40B4-BE49-F238E27FC236}">
+              <a16:creationId xmlns:a16="http://schemas.microsoft.com/office/drawing/2014/main" id="{CCD224BB-616B-755B-D27E-6BBFF6A64B4A}"/>
+            </a:ext>
+          </a:extLst>
+        </p:cNvPr>
+        <p:cNvGrpSpPr/>
+        <p:nvPr/>
+      </p:nvGrpSpPr>
+      <p:grpSpPr>
+        <a:xfrm>
+          <a:off x="0" y="0"/>
+          <a:ext cx="0" cy="0"/>
+          <a:chOff x="0" y="0"/>
+          <a:chExt cx="0" cy="0"/>
+        </a:xfrm>
+      </p:grpSpPr>
+      <p:sp>
+        <p:nvSpPr>
+          <p:cNvPr id="2" name="Titolo 1">
+            <a:extLst>
+              <a:ext uri="{FF2B5EF4-FFF2-40B4-BE49-F238E27FC236}">
+                <a16:creationId xmlns:a16="http://schemas.microsoft.com/office/drawing/2014/main" id="{B5EC13F1-A12A-C669-D99C-DC2A4FC51168}"/>
               </a:ext>
             </a:extLst>
           </p:cNvPr>
@@ -5692,7 +7109,7 @@
           <a:p>
             <a:r>
               <a:rPr lang="en-US" sz="3600" dirty="0"/>
-              <a:t>MAP A: misleading result</a:t>
+              <a:t>MAP A: positive result</a:t>
             </a:r>
           </a:p>
         </p:txBody>
@@ -5702,7 +7119,7 @@
           <p:cNvPr id="4" name="Segnaposto numero diapositiva 3">
             <a:extLst>
               <a:ext uri="{FF2B5EF4-FFF2-40B4-BE49-F238E27FC236}">
-                <a16:creationId xmlns:a16="http://schemas.microsoft.com/office/drawing/2014/main" id="{1A736A52-33D7-DF37-457B-03DE4E03E394}"/>
+                <a16:creationId xmlns:a16="http://schemas.microsoft.com/office/drawing/2014/main" id="{E12397AF-9C8F-EDAB-AE09-57DF4235E7E0}"/>
               </a:ext>
             </a:extLst>
           </p:cNvPr>
@@ -5720,7 +7137,7 @@
           <a:p>
             <a:fld id="{2FA0223F-D95A-431D-9A71-EDA7FA0C2F5B}" type="slidenum">
               <a:rPr lang="en-US" smtClean="0"/>
-              <a:t>10</a:t>
+              <a:t>11</a:t>
             </a:fld>
             <a:endParaRPr lang="en-US"/>
           </a:p>
@@ -5731,7 +7148,7 @@
           <p:cNvPr id="12" name="Rettangolo 11">
             <a:extLst>
               <a:ext uri="{FF2B5EF4-FFF2-40B4-BE49-F238E27FC236}">
-                <a16:creationId xmlns:a16="http://schemas.microsoft.com/office/drawing/2014/main" id="{868B9775-7318-7575-DB1E-DABC79882CA3}"/>
+                <a16:creationId xmlns:a16="http://schemas.microsoft.com/office/drawing/2014/main" id="{9E892F92-B6E1-C40F-8684-921502D77455}"/>
               </a:ext>
             </a:extLst>
           </p:cNvPr>
@@ -5782,10 +7199,10 @@
       </p:sp>
       <p:pic>
         <p:nvPicPr>
-          <p:cNvPr id="7" name="Immagine 6" descr="Immagine che contiene testo, diagramma, linea, Parallelo&#10;&#10;Descrizione generata automaticamente">
-            <a:extLst>
-              <a:ext uri="{FF2B5EF4-FFF2-40B4-BE49-F238E27FC236}">
-                <a16:creationId xmlns:a16="http://schemas.microsoft.com/office/drawing/2014/main" id="{985AC183-4AF6-3783-286E-A48849C28559}"/>
+          <p:cNvPr id="7" name="Immagine 6" descr="Immagine che contiene testo, diagramma, Piano, linea&#10;&#10;Descrizione generata automaticamente">
+            <a:extLst>
+              <a:ext uri="{FF2B5EF4-FFF2-40B4-BE49-F238E27FC236}">
+                <a16:creationId xmlns:a16="http://schemas.microsoft.com/office/drawing/2014/main" id="{FD2B5468-6625-30BE-0307-ED0F63B00933}"/>
               </a:ext>
             </a:extLst>
           </p:cNvPr>
@@ -5802,13 +7219,13 @@
               </a:ext>
             </a:extLst>
           </a:blip>
-          <a:srcRect l="9805" t="2289" r="8950" b="4458"/>
+          <a:srcRect l="9750" t="3590" r="8350" b="4458"/>
           <a:stretch/>
         </p:blipFill>
         <p:spPr>
           <a:xfrm>
-            <a:off x="2007962" y="1395466"/>
-            <a:ext cx="8176075" cy="4868174"/>
+            <a:off x="1922432" y="1463039"/>
+            <a:ext cx="8347136" cy="4861519"/>
           </a:xfrm>
           <a:prstGeom prst="rect">
             <a:avLst/>
@@ -5818,7 +7235,7 @@
     </p:spTree>
     <p:extLst>
       <p:ext uri="{BB962C8B-B14F-4D97-AF65-F5344CB8AC3E}">
-        <p14:creationId xmlns:p14="http://schemas.microsoft.com/office/powerpoint/2010/main" val="1351331608"/>
+        <p14:creationId xmlns:p14="http://schemas.microsoft.com/office/powerpoint/2010/main" val="1291993755"/>
       </p:ext>
     </p:extLst>
   </p:cSld>
@@ -5828,7 +7245,7 @@
 </p:sld>
 </file>
 
-<file path=ppt/slides/slide11.xml><?xml version="1.0" encoding="utf-8"?>
+<file path=ppt/slides/slide12.xml><?xml version="1.0" encoding="utf-8"?>
 <p:sld xmlns:a="http://schemas.openxmlformats.org/drawingml/2006/main" xmlns:r="http://schemas.openxmlformats.org/officeDocument/2006/relationships" xmlns:p="http://schemas.openxmlformats.org/presentationml/2006/main">
   <p:cSld>
     <p:spTree>
@@ -5836,7 +7253,7 @@
         <p:cNvPr id="1" name="">
           <a:extLst>
             <a:ext uri="{FF2B5EF4-FFF2-40B4-BE49-F238E27FC236}">
-              <a16:creationId xmlns:a16="http://schemas.microsoft.com/office/drawing/2014/main" id="{F9799F87-1948-C71D-FF32-FC7EAC2A00F6}"/>
+              <a16:creationId xmlns:a16="http://schemas.microsoft.com/office/drawing/2014/main" id="{4D9A8871-27DF-1309-60AB-4E53E170A53D}"/>
             </a:ext>
           </a:extLst>
         </p:cNvPr>
@@ -5856,7 +7273,7 @@
           <p:cNvPr id="2" name="Titolo 1">
             <a:extLst>
               <a:ext uri="{FF2B5EF4-FFF2-40B4-BE49-F238E27FC236}">
-                <a16:creationId xmlns:a16="http://schemas.microsoft.com/office/drawing/2014/main" id="{56202E7D-CE38-52DE-7002-B269AE3BC457}"/>
+                <a16:creationId xmlns:a16="http://schemas.microsoft.com/office/drawing/2014/main" id="{97E74A63-D90E-F87E-3640-D2132C9C90B1}"/>
               </a:ext>
             </a:extLst>
           </p:cNvPr>
@@ -5881,7 +7298,7 @@
           <a:p>
             <a:r>
               <a:rPr lang="en-US" sz="3600" dirty="0"/>
-              <a:t>MAP B: negative result</a:t>
+              <a:t>MAP B: positive result</a:t>
             </a:r>
           </a:p>
         </p:txBody>
@@ -5891,7 +7308,7 @@
           <p:cNvPr id="4" name="Segnaposto numero diapositiva 3">
             <a:extLst>
               <a:ext uri="{FF2B5EF4-FFF2-40B4-BE49-F238E27FC236}">
-                <a16:creationId xmlns:a16="http://schemas.microsoft.com/office/drawing/2014/main" id="{7C688E67-61A2-EA33-4704-00365E934721}"/>
+                <a16:creationId xmlns:a16="http://schemas.microsoft.com/office/drawing/2014/main" id="{EAB5D852-1D1B-448E-BF7E-FB4CAD0FFFDF}"/>
               </a:ext>
             </a:extLst>
           </p:cNvPr>
@@ -5909,7 +7326,7 @@
           <a:p>
             <a:fld id="{2FA0223F-D95A-431D-9A71-EDA7FA0C2F5B}" type="slidenum">
               <a:rPr lang="en-US" smtClean="0"/>
-              <a:t>11</a:t>
+              <a:t>12</a:t>
             </a:fld>
             <a:endParaRPr lang="en-US"/>
           </a:p>
@@ -5920,7 +7337,7 @@
           <p:cNvPr id="12" name="Rettangolo 11">
             <a:extLst>
               <a:ext uri="{FF2B5EF4-FFF2-40B4-BE49-F238E27FC236}">
-                <a16:creationId xmlns:a16="http://schemas.microsoft.com/office/drawing/2014/main" id="{D57F2650-206B-0EDA-F5B3-4925EE6E39C7}"/>
+                <a16:creationId xmlns:a16="http://schemas.microsoft.com/office/drawing/2014/main" id="{7E432891-D11A-B53B-BE48-B84314842E86}"/>
               </a:ext>
             </a:extLst>
           </p:cNvPr>
@@ -5971,10 +7388,10 @@
       </p:sp>
       <p:pic>
         <p:nvPicPr>
-          <p:cNvPr id="7" name="Immagine 6" descr="Immagine che contiene testo, diagramma, linea, Parallelo&#10;&#10;Descrizione generata automaticamente">
-            <a:extLst>
-              <a:ext uri="{FF2B5EF4-FFF2-40B4-BE49-F238E27FC236}">
-                <a16:creationId xmlns:a16="http://schemas.microsoft.com/office/drawing/2014/main" id="{4BFF57E3-C165-DF70-87AB-B244DC5508AE}"/>
+          <p:cNvPr id="7" name="Immagine 6" descr="Immagine che contiene testo, diagramma, linea, Piano&#10;&#10;Descrizione generata automaticamente">
+            <a:extLst>
+              <a:ext uri="{FF2B5EF4-FFF2-40B4-BE49-F238E27FC236}">
+                <a16:creationId xmlns:a16="http://schemas.microsoft.com/office/drawing/2014/main" id="{953A3C9D-9EED-8C99-7C19-87F2212207A7}"/>
               </a:ext>
             </a:extLst>
           </p:cNvPr>
@@ -5991,13 +7408,13 @@
               </a:ext>
             </a:extLst>
           </a:blip>
-          <a:srcRect l="9730" t="3301" r="9024" b="4458"/>
+          <a:srcRect l="9450" t="2434" r="8650" b="4891"/>
           <a:stretch/>
         </p:blipFill>
         <p:spPr>
           <a:xfrm>
-            <a:off x="1672226" y="1446426"/>
-            <a:ext cx="8237408" cy="4851464"/>
+            <a:off x="1996028" y="1463039"/>
+            <a:ext cx="8199944" cy="4813337"/>
           </a:xfrm>
           <a:prstGeom prst="rect">
             <a:avLst/>
@@ -6007,7 +7424,7 @@
     </p:spTree>
     <p:extLst>
       <p:ext uri="{BB962C8B-B14F-4D97-AF65-F5344CB8AC3E}">
-        <p14:creationId xmlns:p14="http://schemas.microsoft.com/office/powerpoint/2010/main" val="2194223628"/>
+        <p14:creationId xmlns:p14="http://schemas.microsoft.com/office/powerpoint/2010/main" val="2698596253"/>
       </p:ext>
     </p:extLst>
   </p:cSld>
@@ -6017,7 +7434,7 @@
 </p:sld>
 </file>
 
-<file path=ppt/slides/slide12.xml><?xml version="1.0" encoding="utf-8"?>
+<file path=ppt/slides/slide13.xml><?xml version="1.0" encoding="utf-8"?>
 <p:sld xmlns:a="http://schemas.openxmlformats.org/drawingml/2006/main" xmlns:r="http://schemas.openxmlformats.org/officeDocument/2006/relationships" xmlns:p="http://schemas.openxmlformats.org/presentationml/2006/main">
   <p:cSld>
     <p:spTree>
@@ -6025,7 +7442,7 @@
         <p:cNvPr id="1" name="">
           <a:extLst>
             <a:ext uri="{FF2B5EF4-FFF2-40B4-BE49-F238E27FC236}">
-              <a16:creationId xmlns:a16="http://schemas.microsoft.com/office/drawing/2014/main" id="{97E609A1-45E9-9494-E81E-6D42380B26C3}"/>
+              <a16:creationId xmlns:a16="http://schemas.microsoft.com/office/drawing/2014/main" id="{45B249D1-C027-9DE7-EEEB-64FA03BA76AC}"/>
             </a:ext>
           </a:extLst>
         </p:cNvPr>
@@ -6045,7 +7462,7 @@
           <p:cNvPr id="2" name="Titolo 1">
             <a:extLst>
               <a:ext uri="{FF2B5EF4-FFF2-40B4-BE49-F238E27FC236}">
-                <a16:creationId xmlns:a16="http://schemas.microsoft.com/office/drawing/2014/main" id="{1E6243B3-FD77-44A1-2B27-0A715C6AF373}"/>
+                <a16:creationId xmlns:a16="http://schemas.microsoft.com/office/drawing/2014/main" id="{90840673-2EBA-E246-15F3-4F4919D0514A}"/>
               </a:ext>
             </a:extLst>
           </p:cNvPr>
@@ -6070,7 +7487,7 @@
           <a:p>
             <a:r>
               <a:rPr lang="en-US" sz="3600" dirty="0"/>
-              <a:t>MAP C: misleading result</a:t>
+              <a:t>MAP C: positive result</a:t>
             </a:r>
           </a:p>
         </p:txBody>
@@ -6080,7 +7497,7 @@
           <p:cNvPr id="4" name="Segnaposto numero diapositiva 3">
             <a:extLst>
               <a:ext uri="{FF2B5EF4-FFF2-40B4-BE49-F238E27FC236}">
-                <a16:creationId xmlns:a16="http://schemas.microsoft.com/office/drawing/2014/main" id="{7D584806-A60D-6A95-143C-706F5403FF13}"/>
+                <a16:creationId xmlns:a16="http://schemas.microsoft.com/office/drawing/2014/main" id="{4C89F1B9-401A-F2B3-46C0-48EC2D46C82C}"/>
               </a:ext>
             </a:extLst>
           </p:cNvPr>
@@ -6098,7 +7515,7 @@
           <a:p>
             <a:fld id="{2FA0223F-D95A-431D-9A71-EDA7FA0C2F5B}" type="slidenum">
               <a:rPr lang="en-US" smtClean="0"/>
-              <a:t>12</a:t>
+              <a:t>13</a:t>
             </a:fld>
             <a:endParaRPr lang="en-US"/>
           </a:p>
@@ -6109,7 +7526,7 @@
           <p:cNvPr id="12" name="Rettangolo 11">
             <a:extLst>
               <a:ext uri="{FF2B5EF4-FFF2-40B4-BE49-F238E27FC236}">
-                <a16:creationId xmlns:a16="http://schemas.microsoft.com/office/drawing/2014/main" id="{9D36E70E-0A76-6354-7D3B-154F9ACDCD83}"/>
+                <a16:creationId xmlns:a16="http://schemas.microsoft.com/office/drawing/2014/main" id="{B805F155-C61E-DD8A-EB6C-338F85A58DC8}"/>
               </a:ext>
             </a:extLst>
           </p:cNvPr>
@@ -6160,6 +7577,573 @@
       </p:sp>
       <p:pic>
         <p:nvPicPr>
+          <p:cNvPr id="7" name="Immagine 6" descr="Immagine che contiene testo, diagramma, Piano, Parallelo&#10;&#10;Descrizione generata automaticamente">
+            <a:extLst>
+              <a:ext uri="{FF2B5EF4-FFF2-40B4-BE49-F238E27FC236}">
+                <a16:creationId xmlns:a16="http://schemas.microsoft.com/office/drawing/2014/main" id="{35B621FC-427E-BF59-FA6B-538739F5C492}"/>
+              </a:ext>
+            </a:extLst>
+          </p:cNvPr>
+          <p:cNvPicPr>
+            <a:picLocks noChangeAspect="1"/>
+          </p:cNvPicPr>
+          <p:nvPr/>
+        </p:nvPicPr>
+        <p:blipFill>
+          <a:blip r:embed="rId3">
+            <a:extLst>
+              <a:ext uri="{28A0092B-C50C-407E-A947-70E740481C1C}">
+                <a14:useLocalDpi xmlns:a14="http://schemas.microsoft.com/office/drawing/2010/main" val="0"/>
+              </a:ext>
+            </a:extLst>
+          </a:blip>
+          <a:srcRect l="9525" t="3012" r="8500" b="5181"/>
+          <a:stretch/>
+        </p:blipFill>
+        <p:spPr>
+          <a:xfrm>
+            <a:off x="1926336" y="1480832"/>
+            <a:ext cx="8339328" cy="4844898"/>
+          </a:xfrm>
+          <a:prstGeom prst="rect">
+            <a:avLst/>
+          </a:prstGeom>
+        </p:spPr>
+      </p:pic>
+    </p:spTree>
+    <p:extLst>
+      <p:ext uri="{BB962C8B-B14F-4D97-AF65-F5344CB8AC3E}">
+        <p14:creationId xmlns:p14="http://schemas.microsoft.com/office/powerpoint/2010/main" val="2169746518"/>
+      </p:ext>
+    </p:extLst>
+  </p:cSld>
+  <p:clrMapOvr>
+    <a:masterClrMapping/>
+  </p:clrMapOvr>
+</p:sld>
+</file>
+
+<file path=ppt/slides/slide14.xml><?xml version="1.0" encoding="utf-8"?>
+<p:sld xmlns:a="http://schemas.openxmlformats.org/drawingml/2006/main" xmlns:r="http://schemas.openxmlformats.org/officeDocument/2006/relationships" xmlns:p="http://schemas.openxmlformats.org/presentationml/2006/main">
+  <p:cSld>
+    <p:spTree>
+      <p:nvGrpSpPr>
+        <p:cNvPr id="1" name="">
+          <a:extLst>
+            <a:ext uri="{FF2B5EF4-FFF2-40B4-BE49-F238E27FC236}">
+              <a16:creationId xmlns:a16="http://schemas.microsoft.com/office/drawing/2014/main" id="{2710F189-C783-B9FC-256D-8897AF417E3A}"/>
+            </a:ext>
+          </a:extLst>
+        </p:cNvPr>
+        <p:cNvGrpSpPr/>
+        <p:nvPr/>
+      </p:nvGrpSpPr>
+      <p:grpSpPr>
+        <a:xfrm>
+          <a:off x="0" y="0"/>
+          <a:ext cx="0" cy="0"/>
+          <a:chOff x="0" y="0"/>
+          <a:chExt cx="0" cy="0"/>
+        </a:xfrm>
+      </p:grpSpPr>
+      <p:sp>
+        <p:nvSpPr>
+          <p:cNvPr id="2" name="Titolo 1">
+            <a:extLst>
+              <a:ext uri="{FF2B5EF4-FFF2-40B4-BE49-F238E27FC236}">
+                <a16:creationId xmlns:a16="http://schemas.microsoft.com/office/drawing/2014/main" id="{C259BD06-C541-5DED-AC35-603BD00E8FE3}"/>
+              </a:ext>
+            </a:extLst>
+          </p:cNvPr>
+          <p:cNvSpPr>
+            <a:spLocks noGrp="1"/>
+          </p:cNvSpPr>
+          <p:nvPr>
+            <p:ph type="title"/>
+          </p:nvPr>
+        </p:nvSpPr>
+        <p:spPr>
+          <a:xfrm>
+            <a:off x="838200" y="209292"/>
+            <a:ext cx="9905460" cy="971551"/>
+          </a:xfrm>
+        </p:spPr>
+        <p:txBody>
+          <a:bodyPr>
+            <a:normAutofit/>
+          </a:bodyPr>
+          <a:lstStyle/>
+          <a:p>
+            <a:r>
+              <a:rPr lang="en-US" sz="3600" dirty="0"/>
+              <a:t>MAP A: misleading result</a:t>
+            </a:r>
+          </a:p>
+        </p:txBody>
+      </p:sp>
+      <p:sp>
+        <p:nvSpPr>
+          <p:cNvPr id="4" name="Segnaposto numero diapositiva 3">
+            <a:extLst>
+              <a:ext uri="{FF2B5EF4-FFF2-40B4-BE49-F238E27FC236}">
+                <a16:creationId xmlns:a16="http://schemas.microsoft.com/office/drawing/2014/main" id="{1A736A52-33D7-DF37-457B-03DE4E03E394}"/>
+              </a:ext>
+            </a:extLst>
+          </p:cNvPr>
+          <p:cNvSpPr>
+            <a:spLocks noGrp="1"/>
+          </p:cNvSpPr>
+          <p:nvPr>
+            <p:ph type="sldNum" sz="quarter" idx="12"/>
+          </p:nvPr>
+        </p:nvSpPr>
+        <p:spPr/>
+        <p:txBody>
+          <a:bodyPr/>
+          <a:lstStyle/>
+          <a:p>
+            <a:fld id="{2FA0223F-D95A-431D-9A71-EDA7FA0C2F5B}" type="slidenum">
+              <a:rPr lang="en-US" smtClean="0"/>
+              <a:t>14</a:t>
+            </a:fld>
+            <a:endParaRPr lang="en-US"/>
+          </a:p>
+        </p:txBody>
+      </p:sp>
+      <p:sp>
+        <p:nvSpPr>
+          <p:cNvPr id="12" name="Rettangolo 11">
+            <a:extLst>
+              <a:ext uri="{FF2B5EF4-FFF2-40B4-BE49-F238E27FC236}">
+                <a16:creationId xmlns:a16="http://schemas.microsoft.com/office/drawing/2014/main" id="{868B9775-7318-7575-DB1E-DABC79882CA3}"/>
+              </a:ext>
+            </a:extLst>
+          </p:cNvPr>
+          <p:cNvSpPr/>
+          <p:nvPr/>
+        </p:nvSpPr>
+        <p:spPr>
+          <a:xfrm>
+            <a:off x="5468844" y="2179320"/>
+            <a:ext cx="223296" cy="160020"/>
+          </a:xfrm>
+          <a:prstGeom prst="rect">
+            <a:avLst/>
+          </a:prstGeom>
+          <a:solidFill>
+            <a:schemeClr val="bg1"/>
+          </a:solidFill>
+          <a:ln>
+            <a:solidFill>
+              <a:schemeClr val="bg1"/>
+            </a:solidFill>
+          </a:ln>
+        </p:spPr>
+        <p:style>
+          <a:lnRef idx="2">
+            <a:schemeClr val="accent1">
+              <a:shade val="15000"/>
+            </a:schemeClr>
+          </a:lnRef>
+          <a:fillRef idx="1">
+            <a:schemeClr val="accent1"/>
+          </a:fillRef>
+          <a:effectRef idx="0">
+            <a:schemeClr val="accent1"/>
+          </a:effectRef>
+          <a:fontRef idx="minor">
+            <a:schemeClr val="lt1"/>
+          </a:fontRef>
+        </p:style>
+        <p:txBody>
+          <a:bodyPr rtlCol="0" anchor="ctr"/>
+          <a:lstStyle/>
+          <a:p>
+            <a:pPr algn="ctr"/>
+            <a:endParaRPr lang="it-IT"/>
+          </a:p>
+        </p:txBody>
+      </p:sp>
+      <p:pic>
+        <p:nvPicPr>
+          <p:cNvPr id="7" name="Immagine 6" descr="Immagine che contiene testo, diagramma, linea, Parallelo&#10;&#10;Descrizione generata automaticamente">
+            <a:extLst>
+              <a:ext uri="{FF2B5EF4-FFF2-40B4-BE49-F238E27FC236}">
+                <a16:creationId xmlns:a16="http://schemas.microsoft.com/office/drawing/2014/main" id="{985AC183-4AF6-3783-286E-A48849C28559}"/>
+              </a:ext>
+            </a:extLst>
+          </p:cNvPr>
+          <p:cNvPicPr>
+            <a:picLocks noChangeAspect="1"/>
+          </p:cNvPicPr>
+          <p:nvPr/>
+        </p:nvPicPr>
+        <p:blipFill>
+          <a:blip r:embed="rId3">
+            <a:extLst>
+              <a:ext uri="{28A0092B-C50C-407E-A947-70E740481C1C}">
+                <a14:useLocalDpi xmlns:a14="http://schemas.microsoft.com/office/drawing/2010/main" val="0"/>
+              </a:ext>
+            </a:extLst>
+          </a:blip>
+          <a:srcRect l="9805" t="2289" r="8950" b="4458"/>
+          <a:stretch/>
+        </p:blipFill>
+        <p:spPr>
+          <a:xfrm>
+            <a:off x="2007962" y="1395466"/>
+            <a:ext cx="8176075" cy="4868174"/>
+          </a:xfrm>
+          <a:prstGeom prst="rect">
+            <a:avLst/>
+          </a:prstGeom>
+        </p:spPr>
+      </p:pic>
+    </p:spTree>
+    <p:extLst>
+      <p:ext uri="{BB962C8B-B14F-4D97-AF65-F5344CB8AC3E}">
+        <p14:creationId xmlns:p14="http://schemas.microsoft.com/office/powerpoint/2010/main" val="1351331608"/>
+      </p:ext>
+    </p:extLst>
+  </p:cSld>
+  <p:clrMapOvr>
+    <a:masterClrMapping/>
+  </p:clrMapOvr>
+</p:sld>
+</file>
+
+<file path=ppt/slides/slide15.xml><?xml version="1.0" encoding="utf-8"?>
+<p:sld xmlns:a="http://schemas.openxmlformats.org/drawingml/2006/main" xmlns:r="http://schemas.openxmlformats.org/officeDocument/2006/relationships" xmlns:p="http://schemas.openxmlformats.org/presentationml/2006/main">
+  <p:cSld>
+    <p:spTree>
+      <p:nvGrpSpPr>
+        <p:cNvPr id="1" name="">
+          <a:extLst>
+            <a:ext uri="{FF2B5EF4-FFF2-40B4-BE49-F238E27FC236}">
+              <a16:creationId xmlns:a16="http://schemas.microsoft.com/office/drawing/2014/main" id="{F9799F87-1948-C71D-FF32-FC7EAC2A00F6}"/>
+            </a:ext>
+          </a:extLst>
+        </p:cNvPr>
+        <p:cNvGrpSpPr/>
+        <p:nvPr/>
+      </p:nvGrpSpPr>
+      <p:grpSpPr>
+        <a:xfrm>
+          <a:off x="0" y="0"/>
+          <a:ext cx="0" cy="0"/>
+          <a:chOff x="0" y="0"/>
+          <a:chExt cx="0" cy="0"/>
+        </a:xfrm>
+      </p:grpSpPr>
+      <p:sp>
+        <p:nvSpPr>
+          <p:cNvPr id="2" name="Titolo 1">
+            <a:extLst>
+              <a:ext uri="{FF2B5EF4-FFF2-40B4-BE49-F238E27FC236}">
+                <a16:creationId xmlns:a16="http://schemas.microsoft.com/office/drawing/2014/main" id="{56202E7D-CE38-52DE-7002-B269AE3BC457}"/>
+              </a:ext>
+            </a:extLst>
+          </p:cNvPr>
+          <p:cNvSpPr>
+            <a:spLocks noGrp="1"/>
+          </p:cNvSpPr>
+          <p:nvPr>
+            <p:ph type="title"/>
+          </p:nvPr>
+        </p:nvSpPr>
+        <p:spPr>
+          <a:xfrm>
+            <a:off x="838200" y="209292"/>
+            <a:ext cx="9905460" cy="971551"/>
+          </a:xfrm>
+        </p:spPr>
+        <p:txBody>
+          <a:bodyPr>
+            <a:normAutofit/>
+          </a:bodyPr>
+          <a:lstStyle/>
+          <a:p>
+            <a:r>
+              <a:rPr lang="en-US" sz="3600" dirty="0"/>
+              <a:t>MAP B: negative result</a:t>
+            </a:r>
+          </a:p>
+        </p:txBody>
+      </p:sp>
+      <p:sp>
+        <p:nvSpPr>
+          <p:cNvPr id="4" name="Segnaposto numero diapositiva 3">
+            <a:extLst>
+              <a:ext uri="{FF2B5EF4-FFF2-40B4-BE49-F238E27FC236}">
+                <a16:creationId xmlns:a16="http://schemas.microsoft.com/office/drawing/2014/main" id="{7C688E67-61A2-EA33-4704-00365E934721}"/>
+              </a:ext>
+            </a:extLst>
+          </p:cNvPr>
+          <p:cNvSpPr>
+            <a:spLocks noGrp="1"/>
+          </p:cNvSpPr>
+          <p:nvPr>
+            <p:ph type="sldNum" sz="quarter" idx="12"/>
+          </p:nvPr>
+        </p:nvSpPr>
+        <p:spPr/>
+        <p:txBody>
+          <a:bodyPr/>
+          <a:lstStyle/>
+          <a:p>
+            <a:fld id="{2FA0223F-D95A-431D-9A71-EDA7FA0C2F5B}" type="slidenum">
+              <a:rPr lang="en-US" smtClean="0"/>
+              <a:t>15</a:t>
+            </a:fld>
+            <a:endParaRPr lang="en-US"/>
+          </a:p>
+        </p:txBody>
+      </p:sp>
+      <p:sp>
+        <p:nvSpPr>
+          <p:cNvPr id="12" name="Rettangolo 11">
+            <a:extLst>
+              <a:ext uri="{FF2B5EF4-FFF2-40B4-BE49-F238E27FC236}">
+                <a16:creationId xmlns:a16="http://schemas.microsoft.com/office/drawing/2014/main" id="{D57F2650-206B-0EDA-F5B3-4925EE6E39C7}"/>
+              </a:ext>
+            </a:extLst>
+          </p:cNvPr>
+          <p:cNvSpPr/>
+          <p:nvPr/>
+        </p:nvSpPr>
+        <p:spPr>
+          <a:xfrm>
+            <a:off x="5468844" y="2179320"/>
+            <a:ext cx="223296" cy="160020"/>
+          </a:xfrm>
+          <a:prstGeom prst="rect">
+            <a:avLst/>
+          </a:prstGeom>
+          <a:solidFill>
+            <a:schemeClr val="bg1"/>
+          </a:solidFill>
+          <a:ln>
+            <a:solidFill>
+              <a:schemeClr val="bg1"/>
+            </a:solidFill>
+          </a:ln>
+        </p:spPr>
+        <p:style>
+          <a:lnRef idx="2">
+            <a:schemeClr val="accent1">
+              <a:shade val="15000"/>
+            </a:schemeClr>
+          </a:lnRef>
+          <a:fillRef idx="1">
+            <a:schemeClr val="accent1"/>
+          </a:fillRef>
+          <a:effectRef idx="0">
+            <a:schemeClr val="accent1"/>
+          </a:effectRef>
+          <a:fontRef idx="minor">
+            <a:schemeClr val="lt1"/>
+          </a:fontRef>
+        </p:style>
+        <p:txBody>
+          <a:bodyPr rtlCol="0" anchor="ctr"/>
+          <a:lstStyle/>
+          <a:p>
+            <a:pPr algn="ctr"/>
+            <a:endParaRPr lang="it-IT"/>
+          </a:p>
+        </p:txBody>
+      </p:sp>
+      <p:pic>
+        <p:nvPicPr>
+          <p:cNvPr id="7" name="Immagine 6" descr="Immagine che contiene testo, diagramma, linea, Parallelo&#10;&#10;Descrizione generata automaticamente">
+            <a:extLst>
+              <a:ext uri="{FF2B5EF4-FFF2-40B4-BE49-F238E27FC236}">
+                <a16:creationId xmlns:a16="http://schemas.microsoft.com/office/drawing/2014/main" id="{4BFF57E3-C165-DF70-87AB-B244DC5508AE}"/>
+              </a:ext>
+            </a:extLst>
+          </p:cNvPr>
+          <p:cNvPicPr>
+            <a:picLocks noChangeAspect="1"/>
+          </p:cNvPicPr>
+          <p:nvPr/>
+        </p:nvPicPr>
+        <p:blipFill>
+          <a:blip r:embed="rId3">
+            <a:extLst>
+              <a:ext uri="{28A0092B-C50C-407E-A947-70E740481C1C}">
+                <a14:useLocalDpi xmlns:a14="http://schemas.microsoft.com/office/drawing/2010/main" val="0"/>
+              </a:ext>
+            </a:extLst>
+          </a:blip>
+          <a:srcRect l="9730" t="3301" r="9024" b="4458"/>
+          <a:stretch/>
+        </p:blipFill>
+        <p:spPr>
+          <a:xfrm>
+            <a:off x="1672226" y="1446426"/>
+            <a:ext cx="8237408" cy="4851464"/>
+          </a:xfrm>
+          <a:prstGeom prst="rect">
+            <a:avLst/>
+          </a:prstGeom>
+        </p:spPr>
+      </p:pic>
+    </p:spTree>
+    <p:extLst>
+      <p:ext uri="{BB962C8B-B14F-4D97-AF65-F5344CB8AC3E}">
+        <p14:creationId xmlns:p14="http://schemas.microsoft.com/office/powerpoint/2010/main" val="2194223628"/>
+      </p:ext>
+    </p:extLst>
+  </p:cSld>
+  <p:clrMapOvr>
+    <a:masterClrMapping/>
+  </p:clrMapOvr>
+</p:sld>
+</file>
+
+<file path=ppt/slides/slide16.xml><?xml version="1.0" encoding="utf-8"?>
+<p:sld xmlns:a="http://schemas.openxmlformats.org/drawingml/2006/main" xmlns:r="http://schemas.openxmlformats.org/officeDocument/2006/relationships" xmlns:p="http://schemas.openxmlformats.org/presentationml/2006/main">
+  <p:cSld>
+    <p:spTree>
+      <p:nvGrpSpPr>
+        <p:cNvPr id="1" name="">
+          <a:extLst>
+            <a:ext uri="{FF2B5EF4-FFF2-40B4-BE49-F238E27FC236}">
+              <a16:creationId xmlns:a16="http://schemas.microsoft.com/office/drawing/2014/main" id="{97E609A1-45E9-9494-E81E-6D42380B26C3}"/>
+            </a:ext>
+          </a:extLst>
+        </p:cNvPr>
+        <p:cNvGrpSpPr/>
+        <p:nvPr/>
+      </p:nvGrpSpPr>
+      <p:grpSpPr>
+        <a:xfrm>
+          <a:off x="0" y="0"/>
+          <a:ext cx="0" cy="0"/>
+          <a:chOff x="0" y="0"/>
+          <a:chExt cx="0" cy="0"/>
+        </a:xfrm>
+      </p:grpSpPr>
+      <p:sp>
+        <p:nvSpPr>
+          <p:cNvPr id="2" name="Titolo 1">
+            <a:extLst>
+              <a:ext uri="{FF2B5EF4-FFF2-40B4-BE49-F238E27FC236}">
+                <a16:creationId xmlns:a16="http://schemas.microsoft.com/office/drawing/2014/main" id="{1E6243B3-FD77-44A1-2B27-0A715C6AF373}"/>
+              </a:ext>
+            </a:extLst>
+          </p:cNvPr>
+          <p:cNvSpPr>
+            <a:spLocks noGrp="1"/>
+          </p:cNvSpPr>
+          <p:nvPr>
+            <p:ph type="title"/>
+          </p:nvPr>
+        </p:nvSpPr>
+        <p:spPr>
+          <a:xfrm>
+            <a:off x="838200" y="209292"/>
+            <a:ext cx="9905460" cy="971551"/>
+          </a:xfrm>
+        </p:spPr>
+        <p:txBody>
+          <a:bodyPr>
+            <a:normAutofit/>
+          </a:bodyPr>
+          <a:lstStyle/>
+          <a:p>
+            <a:r>
+              <a:rPr lang="en-US" sz="3600" dirty="0"/>
+              <a:t>MAP C: misleading result</a:t>
+            </a:r>
+          </a:p>
+        </p:txBody>
+      </p:sp>
+      <p:sp>
+        <p:nvSpPr>
+          <p:cNvPr id="4" name="Segnaposto numero diapositiva 3">
+            <a:extLst>
+              <a:ext uri="{FF2B5EF4-FFF2-40B4-BE49-F238E27FC236}">
+                <a16:creationId xmlns:a16="http://schemas.microsoft.com/office/drawing/2014/main" id="{7D584806-A60D-6A95-143C-706F5403FF13}"/>
+              </a:ext>
+            </a:extLst>
+          </p:cNvPr>
+          <p:cNvSpPr>
+            <a:spLocks noGrp="1"/>
+          </p:cNvSpPr>
+          <p:nvPr>
+            <p:ph type="sldNum" sz="quarter" idx="12"/>
+          </p:nvPr>
+        </p:nvSpPr>
+        <p:spPr/>
+        <p:txBody>
+          <a:bodyPr/>
+          <a:lstStyle/>
+          <a:p>
+            <a:fld id="{2FA0223F-D95A-431D-9A71-EDA7FA0C2F5B}" type="slidenum">
+              <a:rPr lang="en-US" smtClean="0"/>
+              <a:t>16</a:t>
+            </a:fld>
+            <a:endParaRPr lang="en-US"/>
+          </a:p>
+        </p:txBody>
+      </p:sp>
+      <p:sp>
+        <p:nvSpPr>
+          <p:cNvPr id="12" name="Rettangolo 11">
+            <a:extLst>
+              <a:ext uri="{FF2B5EF4-FFF2-40B4-BE49-F238E27FC236}">
+                <a16:creationId xmlns:a16="http://schemas.microsoft.com/office/drawing/2014/main" id="{9D36E70E-0A76-6354-7D3B-154F9ACDCD83}"/>
+              </a:ext>
+            </a:extLst>
+          </p:cNvPr>
+          <p:cNvSpPr/>
+          <p:nvPr/>
+        </p:nvSpPr>
+        <p:spPr>
+          <a:xfrm>
+            <a:off x="5468844" y="2179320"/>
+            <a:ext cx="223296" cy="160020"/>
+          </a:xfrm>
+          <a:prstGeom prst="rect">
+            <a:avLst/>
+          </a:prstGeom>
+          <a:solidFill>
+            <a:schemeClr val="bg1"/>
+          </a:solidFill>
+          <a:ln>
+            <a:solidFill>
+              <a:schemeClr val="bg1"/>
+            </a:solidFill>
+          </a:ln>
+        </p:spPr>
+        <p:style>
+          <a:lnRef idx="2">
+            <a:schemeClr val="accent1">
+              <a:shade val="15000"/>
+            </a:schemeClr>
+          </a:lnRef>
+          <a:fillRef idx="1">
+            <a:schemeClr val="accent1"/>
+          </a:fillRef>
+          <a:effectRef idx="0">
+            <a:schemeClr val="accent1"/>
+          </a:effectRef>
+          <a:fontRef idx="minor">
+            <a:schemeClr val="lt1"/>
+          </a:fontRef>
+        </p:style>
+        <p:txBody>
+          <a:bodyPr rtlCol="0" anchor="ctr"/>
+          <a:lstStyle/>
+          <a:p>
+            <a:pPr algn="ctr"/>
+            <a:endParaRPr lang="it-IT"/>
+          </a:p>
+        </p:txBody>
+      </p:sp>
+      <p:pic>
+        <p:nvPicPr>
           <p:cNvPr id="7" name="Immagine 6" descr="Immagine che contiene testo, diagramma, Piano, linea&#10;&#10;Descrizione generata automaticamente">
             <a:extLst>
               <a:ext uri="{FF2B5EF4-FFF2-40B4-BE49-F238E27FC236}">
@@ -6206,7 +8190,3234 @@
 </p:sld>
 </file>
 
-<file path=ppt/slides/slide13.xml><?xml version="1.0" encoding="utf-8"?>
+<file path=ppt/slides/slide17.xml><?xml version="1.0" encoding="utf-8"?>
+<p:sld xmlns:a="http://schemas.openxmlformats.org/drawingml/2006/main" xmlns:r="http://schemas.openxmlformats.org/officeDocument/2006/relationships" xmlns:p="http://schemas.openxmlformats.org/presentationml/2006/main">
+  <p:cSld>
+    <p:spTree>
+      <p:nvGrpSpPr>
+        <p:cNvPr id="1" name="">
+          <a:extLst>
+            <a:ext uri="{FF2B5EF4-FFF2-40B4-BE49-F238E27FC236}">
+              <a16:creationId xmlns:a16="http://schemas.microsoft.com/office/drawing/2014/main" id="{7D7B8867-0CC9-E7EA-52B5-BF7AEE1BB6D5}"/>
+            </a:ext>
+          </a:extLst>
+        </p:cNvPr>
+        <p:cNvGrpSpPr/>
+        <p:nvPr/>
+      </p:nvGrpSpPr>
+      <p:grpSpPr>
+        <a:xfrm>
+          <a:off x="0" y="0"/>
+          <a:ext cx="0" cy="0"/>
+          <a:chOff x="0" y="0"/>
+          <a:chExt cx="0" cy="0"/>
+        </a:xfrm>
+      </p:grpSpPr>
+      <p:sp>
+        <p:nvSpPr>
+          <p:cNvPr id="2" name="Titolo 1">
+            <a:extLst>
+              <a:ext uri="{FF2B5EF4-FFF2-40B4-BE49-F238E27FC236}">
+                <a16:creationId xmlns:a16="http://schemas.microsoft.com/office/drawing/2014/main" id="{9DA3A4D7-1EB5-509A-092F-3766F3347488}"/>
+              </a:ext>
+            </a:extLst>
+          </p:cNvPr>
+          <p:cNvSpPr>
+            <a:spLocks noGrp="1"/>
+          </p:cNvSpPr>
+          <p:nvPr>
+            <p:ph type="title"/>
+          </p:nvPr>
+        </p:nvSpPr>
+        <p:spPr/>
+        <p:txBody>
+          <a:bodyPr/>
+          <a:lstStyle/>
+          <a:p>
+            <a:r>
+              <a:rPr lang="en-US" dirty="0"/>
+              <a:t>Outline </a:t>
+            </a:r>
+          </a:p>
+        </p:txBody>
+      </p:sp>
+      <p:sp>
+        <p:nvSpPr>
+          <p:cNvPr id="3" name="Segnaposto contenuto 2">
+            <a:extLst>
+              <a:ext uri="{FF2B5EF4-FFF2-40B4-BE49-F238E27FC236}">
+                <a16:creationId xmlns:a16="http://schemas.microsoft.com/office/drawing/2014/main" id="{C149A3C1-87CF-B6A9-E944-631EFDF7A9C0}"/>
+              </a:ext>
+            </a:extLst>
+          </p:cNvPr>
+          <p:cNvSpPr>
+            <a:spLocks noGrp="1"/>
+          </p:cNvSpPr>
+          <p:nvPr>
+            <p:ph idx="1"/>
+          </p:nvPr>
+        </p:nvSpPr>
+        <p:spPr>
+          <a:xfrm>
+            <a:off x="664464" y="2041497"/>
+            <a:ext cx="10098024" cy="2613436"/>
+          </a:xfrm>
+        </p:spPr>
+        <p:txBody>
+          <a:bodyPr>
+            <a:noAutofit/>
+          </a:bodyPr>
+          <a:lstStyle/>
+          <a:p>
+            <a:r>
+              <a:rPr lang="en-US" sz="2000" dirty="0">
+                <a:solidFill>
+                  <a:schemeClr val="bg1">
+                    <a:lumMod val="65000"/>
+                  </a:schemeClr>
+                </a:solidFill>
+              </a:rPr>
+              <a:t>Aim of envelope analysis</a:t>
+            </a:r>
+          </a:p>
+          <a:p>
+            <a:r>
+              <a:rPr lang="en-US" sz="2000" dirty="0">
+                <a:solidFill>
+                  <a:schemeClr val="bg1">
+                    <a:lumMod val="65000"/>
+                  </a:schemeClr>
+                </a:solidFill>
+              </a:rPr>
+              <a:t>Envelope analysis pipeline</a:t>
+            </a:r>
+          </a:p>
+          <a:p>
+            <a:pPr lvl="1"/>
+            <a:r>
+              <a:rPr lang="en-US" sz="1600" dirty="0">
+                <a:solidFill>
+                  <a:schemeClr val="bg1">
+                    <a:lumMod val="65000"/>
+                  </a:schemeClr>
+                </a:solidFill>
+              </a:rPr>
+              <a:t>Envelope derivative</a:t>
+            </a:r>
+          </a:p>
+          <a:p>
+            <a:pPr lvl="1"/>
+            <a:r>
+              <a:rPr lang="en-US" sz="1600" dirty="0">
+                <a:solidFill>
+                  <a:schemeClr val="bg1">
+                    <a:lumMod val="65000"/>
+                  </a:schemeClr>
+                </a:solidFill>
+              </a:rPr>
+              <a:t>Derivative thresholding and merging </a:t>
+            </a:r>
+          </a:p>
+          <a:p>
+            <a:pPr lvl="1"/>
+            <a:r>
+              <a:rPr lang="en-US" sz="1600" dirty="0">
+                <a:solidFill>
+                  <a:schemeClr val="bg1">
+                    <a:lumMod val="65000"/>
+                  </a:schemeClr>
+                </a:solidFill>
+              </a:rPr>
+              <a:t>False peak detection</a:t>
+            </a:r>
+          </a:p>
+          <a:p>
+            <a:pPr lvl="1"/>
+            <a:r>
+              <a:rPr lang="en-US" sz="1600" dirty="0">
+                <a:solidFill>
+                  <a:schemeClr val="bg1">
+                    <a:lumMod val="65000"/>
+                  </a:schemeClr>
+                </a:solidFill>
+              </a:rPr>
+              <a:t>Time thresholds definition</a:t>
+            </a:r>
+          </a:p>
+          <a:p>
+            <a:r>
+              <a:rPr lang="en-US" sz="2000" dirty="0">
+                <a:solidFill>
+                  <a:schemeClr val="bg1">
+                    <a:lumMod val="65000"/>
+                  </a:schemeClr>
+                </a:solidFill>
+              </a:rPr>
+              <a:t>Results</a:t>
+            </a:r>
+          </a:p>
+          <a:p>
+            <a:pPr lvl="1"/>
+            <a:r>
+              <a:rPr lang="en-US" sz="1600" dirty="0">
+                <a:solidFill>
+                  <a:schemeClr val="bg1">
+                    <a:lumMod val="65000"/>
+                  </a:schemeClr>
+                </a:solidFill>
+              </a:rPr>
+              <a:t>Positive results</a:t>
+            </a:r>
+          </a:p>
+          <a:p>
+            <a:pPr lvl="1"/>
+            <a:r>
+              <a:rPr lang="en-US" sz="1600" dirty="0">
+                <a:solidFill>
+                  <a:schemeClr val="bg1">
+                    <a:lumMod val="65000"/>
+                  </a:schemeClr>
+                </a:solidFill>
+              </a:rPr>
+              <a:t>Misleading results</a:t>
+            </a:r>
+          </a:p>
+          <a:p>
+            <a:r>
+              <a:rPr lang="en-US" sz="2000" dirty="0"/>
+              <a:t>Proposed features</a:t>
+            </a:r>
+          </a:p>
+          <a:p>
+            <a:r>
+              <a:rPr lang="en-US" sz="2000" dirty="0">
+                <a:solidFill>
+                  <a:schemeClr val="bg1">
+                    <a:lumMod val="65000"/>
+                  </a:schemeClr>
+                </a:solidFill>
+              </a:rPr>
+              <a:t>Conclusions</a:t>
+            </a:r>
+          </a:p>
+        </p:txBody>
+      </p:sp>
+      <p:sp>
+        <p:nvSpPr>
+          <p:cNvPr id="4" name="Segnaposto numero diapositiva 3">
+            <a:extLst>
+              <a:ext uri="{FF2B5EF4-FFF2-40B4-BE49-F238E27FC236}">
+                <a16:creationId xmlns:a16="http://schemas.microsoft.com/office/drawing/2014/main" id="{A97A7139-EFDA-40FB-47D4-1DEE0657DF46}"/>
+              </a:ext>
+            </a:extLst>
+          </p:cNvPr>
+          <p:cNvSpPr>
+            <a:spLocks noGrp="1"/>
+          </p:cNvSpPr>
+          <p:nvPr>
+            <p:ph type="sldNum" sz="quarter" idx="12"/>
+          </p:nvPr>
+        </p:nvSpPr>
+        <p:spPr/>
+        <p:txBody>
+          <a:bodyPr/>
+          <a:lstStyle/>
+          <a:p>
+            <a:fld id="{2FA0223F-D95A-431D-9A71-EDA7FA0C2F5B}" type="slidenum">
+              <a:rPr lang="en-US" smtClean="0"/>
+              <a:t>17</a:t>
+            </a:fld>
+            <a:endParaRPr lang="en-US" dirty="0"/>
+          </a:p>
+        </p:txBody>
+      </p:sp>
+    </p:spTree>
+    <p:extLst>
+      <p:ext uri="{BB962C8B-B14F-4D97-AF65-F5344CB8AC3E}">
+        <p14:creationId xmlns:p14="http://schemas.microsoft.com/office/powerpoint/2010/main" val="3715973370"/>
+      </p:ext>
+    </p:extLst>
+  </p:cSld>
+  <p:clrMapOvr>
+    <a:masterClrMapping/>
+  </p:clrMapOvr>
+</p:sld>
+</file>
+
+<file path=ppt/slides/slide18.xml><?xml version="1.0" encoding="utf-8"?>
+<p:sld xmlns:a="http://schemas.openxmlformats.org/drawingml/2006/main" xmlns:r="http://schemas.openxmlformats.org/officeDocument/2006/relationships" xmlns:p="http://schemas.openxmlformats.org/presentationml/2006/main">
+  <p:cSld>
+    <p:spTree>
+      <p:nvGrpSpPr>
+        <p:cNvPr id="1" name="">
+          <a:extLst>
+            <a:ext uri="{FF2B5EF4-FFF2-40B4-BE49-F238E27FC236}">
+              <a16:creationId xmlns:a16="http://schemas.microsoft.com/office/drawing/2014/main" id="{7750725F-3488-AC8F-64ED-EE196072326F}"/>
+            </a:ext>
+          </a:extLst>
+        </p:cNvPr>
+        <p:cNvGrpSpPr/>
+        <p:nvPr/>
+      </p:nvGrpSpPr>
+      <p:grpSpPr>
+        <a:xfrm>
+          <a:off x="0" y="0"/>
+          <a:ext cx="0" cy="0"/>
+          <a:chOff x="0" y="0"/>
+          <a:chExt cx="0" cy="0"/>
+        </a:xfrm>
+      </p:grpSpPr>
+      <p:sp>
+        <p:nvSpPr>
+          <p:cNvPr id="2" name="Titolo 1">
+            <a:extLst>
+              <a:ext uri="{FF2B5EF4-FFF2-40B4-BE49-F238E27FC236}">
+                <a16:creationId xmlns:a16="http://schemas.microsoft.com/office/drawing/2014/main" id="{45E0F280-CC75-7142-AC72-2ED5E1401702}"/>
+              </a:ext>
+            </a:extLst>
+          </p:cNvPr>
+          <p:cNvSpPr>
+            <a:spLocks noGrp="1"/>
+          </p:cNvSpPr>
+          <p:nvPr>
+            <p:ph type="title"/>
+          </p:nvPr>
+        </p:nvSpPr>
+        <p:spPr>
+          <a:xfrm>
+            <a:off x="838200" y="209292"/>
+            <a:ext cx="9905460" cy="971551"/>
+          </a:xfrm>
+        </p:spPr>
+        <p:txBody>
+          <a:bodyPr>
+            <a:normAutofit/>
+          </a:bodyPr>
+          <a:lstStyle/>
+          <a:p>
+            <a:r>
+              <a:rPr lang="en-US" sz="3600" dirty="0"/>
+              <a:t>Envelope peak 1 (highest) position and value</a:t>
+            </a:r>
+          </a:p>
+        </p:txBody>
+      </p:sp>
+      <p:sp>
+        <p:nvSpPr>
+          <p:cNvPr id="4" name="Segnaposto numero diapositiva 3">
+            <a:extLst>
+              <a:ext uri="{FF2B5EF4-FFF2-40B4-BE49-F238E27FC236}">
+                <a16:creationId xmlns:a16="http://schemas.microsoft.com/office/drawing/2014/main" id="{4C1A6039-DEFE-511D-9FFC-782069993D95}"/>
+              </a:ext>
+            </a:extLst>
+          </p:cNvPr>
+          <p:cNvSpPr>
+            <a:spLocks noGrp="1"/>
+          </p:cNvSpPr>
+          <p:nvPr>
+            <p:ph type="sldNum" sz="quarter" idx="12"/>
+          </p:nvPr>
+        </p:nvSpPr>
+        <p:spPr/>
+        <p:txBody>
+          <a:bodyPr/>
+          <a:lstStyle/>
+          <a:p>
+            <a:fld id="{2FA0223F-D95A-431D-9A71-EDA7FA0C2F5B}" type="slidenum">
+              <a:rPr lang="en-US" smtClean="0"/>
+              <a:t>18</a:t>
+            </a:fld>
+            <a:endParaRPr lang="en-US"/>
+          </a:p>
+        </p:txBody>
+      </p:sp>
+      <p:sp>
+        <p:nvSpPr>
+          <p:cNvPr id="12" name="Rettangolo 11">
+            <a:extLst>
+              <a:ext uri="{FF2B5EF4-FFF2-40B4-BE49-F238E27FC236}">
+                <a16:creationId xmlns:a16="http://schemas.microsoft.com/office/drawing/2014/main" id="{2558B221-CA16-F6A6-787A-A40C660EF122}"/>
+              </a:ext>
+            </a:extLst>
+          </p:cNvPr>
+          <p:cNvSpPr/>
+          <p:nvPr/>
+        </p:nvSpPr>
+        <p:spPr>
+          <a:xfrm>
+            <a:off x="5468844" y="2179320"/>
+            <a:ext cx="223296" cy="160020"/>
+          </a:xfrm>
+          <a:prstGeom prst="rect">
+            <a:avLst/>
+          </a:prstGeom>
+          <a:solidFill>
+            <a:schemeClr val="bg1"/>
+          </a:solidFill>
+          <a:ln>
+            <a:solidFill>
+              <a:schemeClr val="bg1"/>
+            </a:solidFill>
+          </a:ln>
+        </p:spPr>
+        <p:style>
+          <a:lnRef idx="2">
+            <a:schemeClr val="accent1">
+              <a:shade val="15000"/>
+            </a:schemeClr>
+          </a:lnRef>
+          <a:fillRef idx="1">
+            <a:schemeClr val="accent1"/>
+          </a:fillRef>
+          <a:effectRef idx="0">
+            <a:schemeClr val="accent1"/>
+          </a:effectRef>
+          <a:fontRef idx="minor">
+            <a:schemeClr val="lt1"/>
+          </a:fontRef>
+        </p:style>
+        <p:txBody>
+          <a:bodyPr rtlCol="0" anchor="ctr"/>
+          <a:lstStyle/>
+          <a:p>
+            <a:pPr algn="ctr"/>
+            <a:endParaRPr lang="it-IT"/>
+          </a:p>
+        </p:txBody>
+      </p:sp>
+      <p:pic>
+        <p:nvPicPr>
+          <p:cNvPr id="8" name="Immagine 7">
+            <a:extLst>
+              <a:ext uri="{FF2B5EF4-FFF2-40B4-BE49-F238E27FC236}">
+                <a16:creationId xmlns:a16="http://schemas.microsoft.com/office/drawing/2014/main" id="{A8F19773-8CD1-E1C4-1E2B-2A12440E0381}"/>
+              </a:ext>
+            </a:extLst>
+          </p:cNvPr>
+          <p:cNvPicPr>
+            <a:picLocks noChangeAspect="1"/>
+          </p:cNvPicPr>
+          <p:nvPr/>
+        </p:nvPicPr>
+        <p:blipFill>
+          <a:blip r:embed="rId3">
+            <a:extLst>
+              <a:ext uri="{28A0092B-C50C-407E-A947-70E740481C1C}">
+                <a14:useLocalDpi xmlns:a14="http://schemas.microsoft.com/office/drawing/2010/main" val="0"/>
+              </a:ext>
+            </a:extLst>
+          </a:blip>
+          <a:srcRect/>
+          <a:stretch/>
+        </p:blipFill>
+        <p:spPr>
+          <a:xfrm>
+            <a:off x="1984248" y="1429676"/>
+            <a:ext cx="5333559" cy="3998645"/>
+          </a:xfrm>
+          <a:prstGeom prst="rect">
+            <a:avLst/>
+          </a:prstGeom>
+        </p:spPr>
+      </p:pic>
+      <p:pic>
+        <p:nvPicPr>
+          <p:cNvPr id="5" name="Immagine 4" descr="Immagine che contiene testo, diagramma, schermata, linea&#10;&#10;Descrizione generata automaticamente">
+            <a:extLst>
+              <a:ext uri="{FF2B5EF4-FFF2-40B4-BE49-F238E27FC236}">
+                <a16:creationId xmlns:a16="http://schemas.microsoft.com/office/drawing/2014/main" id="{CDB5A2FC-BBFA-8479-4B80-CC681274E19C}"/>
+              </a:ext>
+            </a:extLst>
+          </p:cNvPr>
+          <p:cNvPicPr>
+            <a:picLocks noChangeAspect="1"/>
+          </p:cNvPicPr>
+          <p:nvPr/>
+        </p:nvPicPr>
+        <p:blipFill>
+          <a:blip r:embed="rId4">
+            <a:extLst>
+              <a:ext uri="{28A0092B-C50C-407E-A947-70E740481C1C}">
+                <a14:useLocalDpi xmlns:a14="http://schemas.microsoft.com/office/drawing/2010/main" val="0"/>
+              </a:ext>
+            </a:extLst>
+          </a:blip>
+          <a:stretch>
+            <a:fillRect/>
+          </a:stretch>
+        </p:blipFill>
+        <p:spPr>
+          <a:xfrm>
+            <a:off x="6858441" y="1429675"/>
+            <a:ext cx="5333559" cy="3998645"/>
+          </a:xfrm>
+          <a:prstGeom prst="rect">
+            <a:avLst/>
+          </a:prstGeom>
+        </p:spPr>
+      </p:pic>
+      <p:sp>
+        <p:nvSpPr>
+          <p:cNvPr id="10" name="CasellaDiTesto 9">
+            <a:extLst>
+              <a:ext uri="{FF2B5EF4-FFF2-40B4-BE49-F238E27FC236}">
+                <a16:creationId xmlns:a16="http://schemas.microsoft.com/office/drawing/2014/main" id="{43B3C8D7-9D6F-A8EF-355B-6C06D2D0C174}"/>
+              </a:ext>
+            </a:extLst>
+          </p:cNvPr>
+          <p:cNvSpPr txBox="1"/>
+          <p:nvPr/>
+        </p:nvSpPr>
+        <p:spPr>
+          <a:xfrm>
+            <a:off x="106680" y="1429677"/>
+            <a:ext cx="1877568" cy="2970044"/>
+          </a:xfrm>
+          <a:prstGeom prst="rect">
+            <a:avLst/>
+          </a:prstGeom>
+          <a:noFill/>
+        </p:spPr>
+        <p:txBody>
+          <a:bodyPr wrap="square">
+            <a:spAutoFit/>
+          </a:bodyPr>
+          <a:lstStyle/>
+          <a:p>
+            <a:r>
+              <a:rPr lang="en-GB" sz="1100" b="1" i="1" dirty="0">
+                <a:solidFill>
+                  <a:schemeClr val="tx1">
+                    <a:lumMod val="50000"/>
+                    <a:lumOff val="50000"/>
+                  </a:schemeClr>
+                </a:solidFill>
+              </a:rPr>
+              <a:t>MAP_A has</a:t>
+            </a:r>
+            <a:r>
+              <a:rPr lang="en-GB" sz="1100" dirty="0">
+                <a:solidFill>
+                  <a:schemeClr val="tx1">
+                    <a:lumMod val="50000"/>
+                    <a:lumOff val="50000"/>
+                  </a:schemeClr>
+                </a:solidFill>
+              </a:rPr>
+              <a:t>:</a:t>
+            </a:r>
+          </a:p>
+          <a:p>
+            <a:r>
+              <a:rPr lang="en-GB" sz="1100" dirty="0">
+                <a:solidFill>
+                  <a:schemeClr val="tx1">
+                    <a:lumMod val="50000"/>
+                    <a:lumOff val="50000"/>
+                  </a:schemeClr>
+                </a:solidFill>
+              </a:rPr>
+              <a:t>  - 198 signals with one peak</a:t>
+            </a:r>
+          </a:p>
+          <a:p>
+            <a:r>
+              <a:rPr lang="en-GB" sz="1100" dirty="0">
+                <a:solidFill>
+                  <a:schemeClr val="tx1">
+                    <a:lumMod val="50000"/>
+                    <a:lumOff val="50000"/>
+                  </a:schemeClr>
+                </a:solidFill>
+              </a:rPr>
+              <a:t>  - 490 signals with two peaks</a:t>
+            </a:r>
+          </a:p>
+          <a:p>
+            <a:r>
+              <a:rPr lang="en-GB" sz="1100" dirty="0">
+                <a:solidFill>
+                  <a:schemeClr val="tx1">
+                    <a:lumMod val="50000"/>
+                    <a:lumOff val="50000"/>
+                  </a:schemeClr>
+                </a:solidFill>
+              </a:rPr>
+              <a:t>  - 56 signals with three peaks</a:t>
+            </a:r>
+          </a:p>
+          <a:p>
+            <a:r>
+              <a:rPr lang="en-GB" sz="1100" dirty="0">
+                <a:solidFill>
+                  <a:schemeClr val="tx1">
+                    <a:lumMod val="50000"/>
+                    <a:lumOff val="50000"/>
+                  </a:schemeClr>
+                </a:solidFill>
+              </a:rPr>
+              <a:t>        total : 744 </a:t>
+            </a:r>
+          </a:p>
+          <a:p>
+            <a:endParaRPr lang="en-GB" sz="1100" dirty="0">
+              <a:solidFill>
+                <a:schemeClr val="tx1">
+                  <a:lumMod val="50000"/>
+                  <a:lumOff val="50000"/>
+                </a:schemeClr>
+              </a:solidFill>
+            </a:endParaRPr>
+          </a:p>
+          <a:p>
+            <a:r>
+              <a:rPr lang="en-GB" sz="1100" dirty="0">
+                <a:solidFill>
+                  <a:schemeClr val="tx1">
+                    <a:lumMod val="50000"/>
+                    <a:lumOff val="50000"/>
+                  </a:schemeClr>
+                </a:solidFill>
+              </a:rPr>
+              <a:t> </a:t>
+            </a:r>
+            <a:r>
+              <a:rPr lang="en-GB" sz="1100" b="1" i="1" dirty="0">
+                <a:solidFill>
+                  <a:schemeClr val="tx1">
+                    <a:lumMod val="50000"/>
+                    <a:lumOff val="50000"/>
+                  </a:schemeClr>
+                </a:solidFill>
+              </a:rPr>
+              <a:t>MAP_B has</a:t>
+            </a:r>
+            <a:r>
+              <a:rPr lang="en-GB" sz="1100" dirty="0">
+                <a:solidFill>
+                  <a:schemeClr val="tx1">
+                    <a:lumMod val="50000"/>
+                    <a:lumOff val="50000"/>
+                  </a:schemeClr>
+                </a:solidFill>
+              </a:rPr>
+              <a:t>:</a:t>
+            </a:r>
+          </a:p>
+          <a:p>
+            <a:r>
+              <a:rPr lang="en-GB" sz="1100" dirty="0">
+                <a:solidFill>
+                  <a:schemeClr val="tx1">
+                    <a:lumMod val="50000"/>
+                    <a:lumOff val="50000"/>
+                  </a:schemeClr>
+                </a:solidFill>
+              </a:rPr>
+              <a:t>  - 22 signals with one peak</a:t>
+            </a:r>
+          </a:p>
+          <a:p>
+            <a:r>
+              <a:rPr lang="en-GB" sz="1100" dirty="0">
+                <a:solidFill>
+                  <a:schemeClr val="tx1">
+                    <a:lumMod val="50000"/>
+                    <a:lumOff val="50000"/>
+                  </a:schemeClr>
+                </a:solidFill>
+              </a:rPr>
+              <a:t>  - 81 signals with two peaks</a:t>
+            </a:r>
+          </a:p>
+          <a:p>
+            <a:r>
+              <a:rPr lang="en-GB" sz="1100" dirty="0">
+                <a:solidFill>
+                  <a:schemeClr val="tx1">
+                    <a:lumMod val="50000"/>
+                    <a:lumOff val="50000"/>
+                  </a:schemeClr>
+                </a:solidFill>
+              </a:rPr>
+              <a:t>  - 8 signals with three peaks</a:t>
+            </a:r>
+          </a:p>
+          <a:p>
+            <a:r>
+              <a:rPr lang="en-GB" sz="1100" dirty="0">
+                <a:solidFill>
+                  <a:schemeClr val="tx1">
+                    <a:lumMod val="50000"/>
+                    <a:lumOff val="50000"/>
+                  </a:schemeClr>
+                </a:solidFill>
+              </a:rPr>
+              <a:t>        total : 111 </a:t>
+            </a:r>
+          </a:p>
+          <a:p>
+            <a:endParaRPr lang="en-GB" sz="1100" dirty="0">
+              <a:solidFill>
+                <a:schemeClr val="tx1">
+                  <a:lumMod val="50000"/>
+                  <a:lumOff val="50000"/>
+                </a:schemeClr>
+              </a:solidFill>
+            </a:endParaRPr>
+          </a:p>
+          <a:p>
+            <a:r>
+              <a:rPr lang="en-GB" sz="1100" b="1" i="1" dirty="0">
+                <a:solidFill>
+                  <a:schemeClr val="tx1">
+                    <a:lumMod val="50000"/>
+                    <a:lumOff val="50000"/>
+                  </a:schemeClr>
+                </a:solidFill>
+              </a:rPr>
+              <a:t> MAP_C has</a:t>
+            </a:r>
+            <a:r>
+              <a:rPr lang="en-GB" sz="1100" dirty="0">
+                <a:solidFill>
+                  <a:schemeClr val="tx1">
+                    <a:lumMod val="50000"/>
+                    <a:lumOff val="50000"/>
+                  </a:schemeClr>
+                </a:solidFill>
+              </a:rPr>
+              <a:t>:</a:t>
+            </a:r>
+          </a:p>
+          <a:p>
+            <a:r>
+              <a:rPr lang="en-GB" sz="1100" dirty="0">
+                <a:solidFill>
+                  <a:schemeClr val="tx1">
+                    <a:lumMod val="50000"/>
+                    <a:lumOff val="50000"/>
+                  </a:schemeClr>
+                </a:solidFill>
+              </a:rPr>
+              <a:t>  - 25 signals with one peak</a:t>
+            </a:r>
+          </a:p>
+          <a:p>
+            <a:r>
+              <a:rPr lang="en-GB" sz="1100" dirty="0">
+                <a:solidFill>
+                  <a:schemeClr val="tx1">
+                    <a:lumMod val="50000"/>
+                    <a:lumOff val="50000"/>
+                  </a:schemeClr>
+                </a:solidFill>
+              </a:rPr>
+              <a:t>  - 42 signals with two peaks</a:t>
+            </a:r>
+          </a:p>
+          <a:p>
+            <a:r>
+              <a:rPr lang="en-GB" sz="1100" dirty="0">
+                <a:solidFill>
+                  <a:schemeClr val="tx1">
+                    <a:lumMod val="50000"/>
+                    <a:lumOff val="50000"/>
+                  </a:schemeClr>
+                </a:solidFill>
+              </a:rPr>
+              <a:t>  - 45 signals with three peaks</a:t>
+            </a:r>
+          </a:p>
+          <a:p>
+            <a:r>
+              <a:rPr lang="en-GB" sz="1100" dirty="0">
+                <a:solidFill>
+                  <a:schemeClr val="tx1">
+                    <a:lumMod val="50000"/>
+                    <a:lumOff val="50000"/>
+                  </a:schemeClr>
+                </a:solidFill>
+              </a:rPr>
+              <a:t>        total : 112 </a:t>
+            </a:r>
+          </a:p>
+        </p:txBody>
+      </p:sp>
+    </p:spTree>
+    <p:extLst>
+      <p:ext uri="{BB962C8B-B14F-4D97-AF65-F5344CB8AC3E}">
+        <p14:creationId xmlns:p14="http://schemas.microsoft.com/office/powerpoint/2010/main" val="1997688201"/>
+      </p:ext>
+    </p:extLst>
+  </p:cSld>
+  <p:clrMapOvr>
+    <a:masterClrMapping/>
+  </p:clrMapOvr>
+</p:sld>
+</file>
+
+<file path=ppt/slides/slide19.xml><?xml version="1.0" encoding="utf-8"?>
+<p:sld xmlns:a="http://schemas.openxmlformats.org/drawingml/2006/main" xmlns:r="http://schemas.openxmlformats.org/officeDocument/2006/relationships" xmlns:p="http://schemas.openxmlformats.org/presentationml/2006/main">
+  <p:cSld>
+    <p:spTree>
+      <p:nvGrpSpPr>
+        <p:cNvPr id="1" name="">
+          <a:extLst>
+            <a:ext uri="{FF2B5EF4-FFF2-40B4-BE49-F238E27FC236}">
+              <a16:creationId xmlns:a16="http://schemas.microsoft.com/office/drawing/2014/main" id="{0F495991-DBC6-6405-B995-370C760D7715}"/>
+            </a:ext>
+          </a:extLst>
+        </p:cNvPr>
+        <p:cNvGrpSpPr/>
+        <p:nvPr/>
+      </p:nvGrpSpPr>
+      <p:grpSpPr>
+        <a:xfrm>
+          <a:off x="0" y="0"/>
+          <a:ext cx="0" cy="0"/>
+          <a:chOff x="0" y="0"/>
+          <a:chExt cx="0" cy="0"/>
+        </a:xfrm>
+      </p:grpSpPr>
+      <p:sp>
+        <p:nvSpPr>
+          <p:cNvPr id="2" name="Titolo 1">
+            <a:extLst>
+              <a:ext uri="{FF2B5EF4-FFF2-40B4-BE49-F238E27FC236}">
+                <a16:creationId xmlns:a16="http://schemas.microsoft.com/office/drawing/2014/main" id="{22A350B5-2187-FFD8-8C3D-18F4B03D34A1}"/>
+              </a:ext>
+            </a:extLst>
+          </p:cNvPr>
+          <p:cNvSpPr>
+            <a:spLocks noGrp="1"/>
+          </p:cNvSpPr>
+          <p:nvPr>
+            <p:ph type="title"/>
+          </p:nvPr>
+        </p:nvSpPr>
+        <p:spPr>
+          <a:xfrm>
+            <a:off x="838200" y="209292"/>
+            <a:ext cx="9905460" cy="971551"/>
+          </a:xfrm>
+        </p:spPr>
+        <p:txBody>
+          <a:bodyPr>
+            <a:normAutofit fontScale="90000"/>
+          </a:bodyPr>
+          <a:lstStyle/>
+          <a:p>
+            <a:r>
+              <a:rPr lang="en-US" sz="3600" dirty="0"/>
+              <a:t>Envelope peak 2 (second highest) position and value</a:t>
+            </a:r>
+          </a:p>
+        </p:txBody>
+      </p:sp>
+      <p:sp>
+        <p:nvSpPr>
+          <p:cNvPr id="4" name="Segnaposto numero diapositiva 3">
+            <a:extLst>
+              <a:ext uri="{FF2B5EF4-FFF2-40B4-BE49-F238E27FC236}">
+                <a16:creationId xmlns:a16="http://schemas.microsoft.com/office/drawing/2014/main" id="{634805A5-DD54-060F-A8DE-4149FE83B68F}"/>
+              </a:ext>
+            </a:extLst>
+          </p:cNvPr>
+          <p:cNvSpPr>
+            <a:spLocks noGrp="1"/>
+          </p:cNvSpPr>
+          <p:nvPr>
+            <p:ph type="sldNum" sz="quarter" idx="12"/>
+          </p:nvPr>
+        </p:nvSpPr>
+        <p:spPr/>
+        <p:txBody>
+          <a:bodyPr/>
+          <a:lstStyle/>
+          <a:p>
+            <a:fld id="{2FA0223F-D95A-431D-9A71-EDA7FA0C2F5B}" type="slidenum">
+              <a:rPr lang="en-US" smtClean="0"/>
+              <a:t>19</a:t>
+            </a:fld>
+            <a:endParaRPr lang="en-US"/>
+          </a:p>
+        </p:txBody>
+      </p:sp>
+      <p:sp>
+        <p:nvSpPr>
+          <p:cNvPr id="12" name="Rettangolo 11">
+            <a:extLst>
+              <a:ext uri="{FF2B5EF4-FFF2-40B4-BE49-F238E27FC236}">
+                <a16:creationId xmlns:a16="http://schemas.microsoft.com/office/drawing/2014/main" id="{EF92722A-B5E0-8D8D-71D2-F4CDA2FF9A2B}"/>
+              </a:ext>
+            </a:extLst>
+          </p:cNvPr>
+          <p:cNvSpPr/>
+          <p:nvPr/>
+        </p:nvSpPr>
+        <p:spPr>
+          <a:xfrm>
+            <a:off x="5468844" y="2179320"/>
+            <a:ext cx="223296" cy="160020"/>
+          </a:xfrm>
+          <a:prstGeom prst="rect">
+            <a:avLst/>
+          </a:prstGeom>
+          <a:solidFill>
+            <a:schemeClr val="bg1"/>
+          </a:solidFill>
+          <a:ln>
+            <a:solidFill>
+              <a:schemeClr val="bg1"/>
+            </a:solidFill>
+          </a:ln>
+        </p:spPr>
+        <p:style>
+          <a:lnRef idx="2">
+            <a:schemeClr val="accent1">
+              <a:shade val="15000"/>
+            </a:schemeClr>
+          </a:lnRef>
+          <a:fillRef idx="1">
+            <a:schemeClr val="accent1"/>
+          </a:fillRef>
+          <a:effectRef idx="0">
+            <a:schemeClr val="accent1"/>
+          </a:effectRef>
+          <a:fontRef idx="minor">
+            <a:schemeClr val="lt1"/>
+          </a:fontRef>
+        </p:style>
+        <p:txBody>
+          <a:bodyPr rtlCol="0" anchor="ctr"/>
+          <a:lstStyle/>
+          <a:p>
+            <a:pPr algn="ctr"/>
+            <a:endParaRPr lang="it-IT"/>
+          </a:p>
+        </p:txBody>
+      </p:sp>
+      <p:pic>
+        <p:nvPicPr>
+          <p:cNvPr id="5" name="Immagine 4">
+            <a:extLst>
+              <a:ext uri="{FF2B5EF4-FFF2-40B4-BE49-F238E27FC236}">
+                <a16:creationId xmlns:a16="http://schemas.microsoft.com/office/drawing/2014/main" id="{3AFC041C-4597-EFD1-EAD4-1BDEA06E88FF}"/>
+              </a:ext>
+            </a:extLst>
+          </p:cNvPr>
+          <p:cNvPicPr>
+            <a:picLocks noChangeAspect="1"/>
+          </p:cNvPicPr>
+          <p:nvPr/>
+        </p:nvPicPr>
+        <p:blipFill>
+          <a:blip r:embed="rId3">
+            <a:extLst>
+              <a:ext uri="{28A0092B-C50C-407E-A947-70E740481C1C}">
+                <a14:useLocalDpi xmlns:a14="http://schemas.microsoft.com/office/drawing/2010/main" val="0"/>
+              </a:ext>
+            </a:extLst>
+          </a:blip>
+          <a:srcRect/>
+          <a:stretch/>
+        </p:blipFill>
+        <p:spPr>
+          <a:xfrm>
+            <a:off x="1984248" y="1429676"/>
+            <a:ext cx="5333559" cy="3998645"/>
+          </a:xfrm>
+          <a:prstGeom prst="rect">
+            <a:avLst/>
+          </a:prstGeom>
+        </p:spPr>
+      </p:pic>
+      <p:pic>
+        <p:nvPicPr>
+          <p:cNvPr id="7" name="Immagine 6" descr="Immagine che contiene testo, diagramma, schermata, linea&#10;&#10;Descrizione generata automaticamente">
+            <a:extLst>
+              <a:ext uri="{FF2B5EF4-FFF2-40B4-BE49-F238E27FC236}">
+                <a16:creationId xmlns:a16="http://schemas.microsoft.com/office/drawing/2014/main" id="{83F19A1D-80FD-B490-58F6-D0E02D8F9092}"/>
+              </a:ext>
+            </a:extLst>
+          </p:cNvPr>
+          <p:cNvPicPr>
+            <a:picLocks noChangeAspect="1"/>
+          </p:cNvPicPr>
+          <p:nvPr/>
+        </p:nvPicPr>
+        <p:blipFill>
+          <a:blip r:embed="rId4">
+            <a:extLst>
+              <a:ext uri="{28A0092B-C50C-407E-A947-70E740481C1C}">
+                <a14:useLocalDpi xmlns:a14="http://schemas.microsoft.com/office/drawing/2010/main" val="0"/>
+              </a:ext>
+            </a:extLst>
+          </a:blip>
+          <a:stretch>
+            <a:fillRect/>
+          </a:stretch>
+        </p:blipFill>
+        <p:spPr>
+          <a:xfrm>
+            <a:off x="6858441" y="1429675"/>
+            <a:ext cx="5333559" cy="3998645"/>
+          </a:xfrm>
+          <a:prstGeom prst="rect">
+            <a:avLst/>
+          </a:prstGeom>
+        </p:spPr>
+      </p:pic>
+      <p:sp>
+        <p:nvSpPr>
+          <p:cNvPr id="8" name="CasellaDiTesto 7">
+            <a:extLst>
+              <a:ext uri="{FF2B5EF4-FFF2-40B4-BE49-F238E27FC236}">
+                <a16:creationId xmlns:a16="http://schemas.microsoft.com/office/drawing/2014/main" id="{C88521A9-14DB-D2DC-33D2-2068307A467A}"/>
+              </a:ext>
+            </a:extLst>
+          </p:cNvPr>
+          <p:cNvSpPr txBox="1"/>
+          <p:nvPr/>
+        </p:nvSpPr>
+        <p:spPr>
+          <a:xfrm>
+            <a:off x="106680" y="1429677"/>
+            <a:ext cx="1877568" cy="2970044"/>
+          </a:xfrm>
+          <a:prstGeom prst="rect">
+            <a:avLst/>
+          </a:prstGeom>
+          <a:noFill/>
+        </p:spPr>
+        <p:txBody>
+          <a:bodyPr wrap="square">
+            <a:spAutoFit/>
+          </a:bodyPr>
+          <a:lstStyle/>
+          <a:p>
+            <a:r>
+              <a:rPr lang="en-GB" sz="1100" b="1" i="1">
+                <a:solidFill>
+                  <a:schemeClr val="tx1">
+                    <a:lumMod val="50000"/>
+                    <a:lumOff val="50000"/>
+                  </a:schemeClr>
+                </a:solidFill>
+              </a:rPr>
+              <a:t>MAP_A has</a:t>
+            </a:r>
+            <a:r>
+              <a:rPr lang="en-GB" sz="1100">
+                <a:solidFill>
+                  <a:schemeClr val="tx1">
+                    <a:lumMod val="50000"/>
+                    <a:lumOff val="50000"/>
+                  </a:schemeClr>
+                </a:solidFill>
+              </a:rPr>
+              <a:t>:</a:t>
+            </a:r>
+          </a:p>
+          <a:p>
+            <a:r>
+              <a:rPr lang="en-GB" sz="1100" dirty="0">
+                <a:solidFill>
+                  <a:schemeClr val="tx1">
+                    <a:lumMod val="50000"/>
+                    <a:lumOff val="50000"/>
+                  </a:schemeClr>
+                </a:solidFill>
+              </a:rPr>
+              <a:t>  - 198 signals with one peak</a:t>
+            </a:r>
+          </a:p>
+          <a:p>
+            <a:r>
+              <a:rPr lang="en-GB" sz="1100" dirty="0">
+                <a:solidFill>
+                  <a:schemeClr val="tx1">
+                    <a:lumMod val="50000"/>
+                    <a:lumOff val="50000"/>
+                  </a:schemeClr>
+                </a:solidFill>
+              </a:rPr>
+              <a:t>  - 490 signals with two peaks</a:t>
+            </a:r>
+          </a:p>
+          <a:p>
+            <a:r>
+              <a:rPr lang="en-GB" sz="1100" dirty="0">
+                <a:solidFill>
+                  <a:schemeClr val="tx1">
+                    <a:lumMod val="50000"/>
+                    <a:lumOff val="50000"/>
+                  </a:schemeClr>
+                </a:solidFill>
+              </a:rPr>
+              <a:t>  - 56 signals with three peaks</a:t>
+            </a:r>
+          </a:p>
+          <a:p>
+            <a:r>
+              <a:rPr lang="en-GB" sz="1100" dirty="0">
+                <a:solidFill>
+                  <a:schemeClr val="tx1">
+                    <a:lumMod val="50000"/>
+                    <a:lumOff val="50000"/>
+                  </a:schemeClr>
+                </a:solidFill>
+              </a:rPr>
+              <a:t>        total : 744 </a:t>
+            </a:r>
+          </a:p>
+          <a:p>
+            <a:endParaRPr lang="en-GB" sz="1100" dirty="0">
+              <a:solidFill>
+                <a:schemeClr val="tx1">
+                  <a:lumMod val="50000"/>
+                  <a:lumOff val="50000"/>
+                </a:schemeClr>
+              </a:solidFill>
+            </a:endParaRPr>
+          </a:p>
+          <a:p>
+            <a:r>
+              <a:rPr lang="en-GB" sz="1100" dirty="0">
+                <a:solidFill>
+                  <a:schemeClr val="tx1">
+                    <a:lumMod val="50000"/>
+                    <a:lumOff val="50000"/>
+                  </a:schemeClr>
+                </a:solidFill>
+              </a:rPr>
+              <a:t> </a:t>
+            </a:r>
+            <a:r>
+              <a:rPr lang="en-GB" sz="1100" b="1" i="1" dirty="0">
+                <a:solidFill>
+                  <a:schemeClr val="tx1">
+                    <a:lumMod val="50000"/>
+                    <a:lumOff val="50000"/>
+                  </a:schemeClr>
+                </a:solidFill>
+              </a:rPr>
+              <a:t>MAP_B has</a:t>
+            </a:r>
+            <a:r>
+              <a:rPr lang="en-GB" sz="1100" dirty="0">
+                <a:solidFill>
+                  <a:schemeClr val="tx1">
+                    <a:lumMod val="50000"/>
+                    <a:lumOff val="50000"/>
+                  </a:schemeClr>
+                </a:solidFill>
+              </a:rPr>
+              <a:t>:</a:t>
+            </a:r>
+          </a:p>
+          <a:p>
+            <a:r>
+              <a:rPr lang="en-GB" sz="1100" dirty="0">
+                <a:solidFill>
+                  <a:schemeClr val="tx1">
+                    <a:lumMod val="50000"/>
+                    <a:lumOff val="50000"/>
+                  </a:schemeClr>
+                </a:solidFill>
+              </a:rPr>
+              <a:t>  - 22 signals with one peak</a:t>
+            </a:r>
+          </a:p>
+          <a:p>
+            <a:r>
+              <a:rPr lang="en-GB" sz="1100" dirty="0">
+                <a:solidFill>
+                  <a:schemeClr val="tx1">
+                    <a:lumMod val="50000"/>
+                    <a:lumOff val="50000"/>
+                  </a:schemeClr>
+                </a:solidFill>
+              </a:rPr>
+              <a:t>  - 81 signals with two peaks</a:t>
+            </a:r>
+          </a:p>
+          <a:p>
+            <a:r>
+              <a:rPr lang="en-GB" sz="1100" dirty="0">
+                <a:solidFill>
+                  <a:schemeClr val="tx1">
+                    <a:lumMod val="50000"/>
+                    <a:lumOff val="50000"/>
+                  </a:schemeClr>
+                </a:solidFill>
+              </a:rPr>
+              <a:t>  - 8 signals with three peaks</a:t>
+            </a:r>
+          </a:p>
+          <a:p>
+            <a:r>
+              <a:rPr lang="en-GB" sz="1100" dirty="0">
+                <a:solidFill>
+                  <a:schemeClr val="tx1">
+                    <a:lumMod val="50000"/>
+                    <a:lumOff val="50000"/>
+                  </a:schemeClr>
+                </a:solidFill>
+              </a:rPr>
+              <a:t>        total : 111 </a:t>
+            </a:r>
+          </a:p>
+          <a:p>
+            <a:endParaRPr lang="en-GB" sz="1100" dirty="0">
+              <a:solidFill>
+                <a:schemeClr val="tx1">
+                  <a:lumMod val="50000"/>
+                  <a:lumOff val="50000"/>
+                </a:schemeClr>
+              </a:solidFill>
+            </a:endParaRPr>
+          </a:p>
+          <a:p>
+            <a:r>
+              <a:rPr lang="en-GB" sz="1100" b="1" i="1" dirty="0">
+                <a:solidFill>
+                  <a:schemeClr val="tx1">
+                    <a:lumMod val="50000"/>
+                    <a:lumOff val="50000"/>
+                  </a:schemeClr>
+                </a:solidFill>
+              </a:rPr>
+              <a:t> MAP_C has</a:t>
+            </a:r>
+            <a:r>
+              <a:rPr lang="en-GB" sz="1100" dirty="0">
+                <a:solidFill>
+                  <a:schemeClr val="tx1">
+                    <a:lumMod val="50000"/>
+                    <a:lumOff val="50000"/>
+                  </a:schemeClr>
+                </a:solidFill>
+              </a:rPr>
+              <a:t>:</a:t>
+            </a:r>
+          </a:p>
+          <a:p>
+            <a:r>
+              <a:rPr lang="en-GB" sz="1100" dirty="0">
+                <a:solidFill>
+                  <a:schemeClr val="tx1">
+                    <a:lumMod val="50000"/>
+                    <a:lumOff val="50000"/>
+                  </a:schemeClr>
+                </a:solidFill>
+              </a:rPr>
+              <a:t>  - 25 signals with one peak</a:t>
+            </a:r>
+          </a:p>
+          <a:p>
+            <a:r>
+              <a:rPr lang="en-GB" sz="1100" dirty="0">
+                <a:solidFill>
+                  <a:schemeClr val="tx1">
+                    <a:lumMod val="50000"/>
+                    <a:lumOff val="50000"/>
+                  </a:schemeClr>
+                </a:solidFill>
+              </a:rPr>
+              <a:t>  - 42 signals with two peaks</a:t>
+            </a:r>
+          </a:p>
+          <a:p>
+            <a:r>
+              <a:rPr lang="en-GB" sz="1100" dirty="0">
+                <a:solidFill>
+                  <a:schemeClr val="tx1">
+                    <a:lumMod val="50000"/>
+                    <a:lumOff val="50000"/>
+                  </a:schemeClr>
+                </a:solidFill>
+              </a:rPr>
+              <a:t>  - 45 signals with three peaks</a:t>
+            </a:r>
+          </a:p>
+          <a:p>
+            <a:r>
+              <a:rPr lang="en-GB" sz="1100" dirty="0">
+                <a:solidFill>
+                  <a:schemeClr val="tx1">
+                    <a:lumMod val="50000"/>
+                    <a:lumOff val="50000"/>
+                  </a:schemeClr>
+                </a:solidFill>
+              </a:rPr>
+              <a:t>        total : 112 </a:t>
+            </a:r>
+          </a:p>
+        </p:txBody>
+      </p:sp>
+    </p:spTree>
+    <p:extLst>
+      <p:ext uri="{BB962C8B-B14F-4D97-AF65-F5344CB8AC3E}">
+        <p14:creationId xmlns:p14="http://schemas.microsoft.com/office/powerpoint/2010/main" val="3821845789"/>
+      </p:ext>
+    </p:extLst>
+  </p:cSld>
+  <p:clrMapOvr>
+    <a:masterClrMapping/>
+  </p:clrMapOvr>
+</p:sld>
+</file>
+
+<file path=ppt/slides/slide2.xml><?xml version="1.0" encoding="utf-8"?>
+<p:sld xmlns:a="http://schemas.openxmlformats.org/drawingml/2006/main" xmlns:r="http://schemas.openxmlformats.org/officeDocument/2006/relationships" xmlns:p="http://schemas.openxmlformats.org/presentationml/2006/main">
+  <p:cSld>
+    <p:spTree>
+      <p:nvGrpSpPr>
+        <p:cNvPr id="1" name=""/>
+        <p:cNvGrpSpPr/>
+        <p:nvPr/>
+      </p:nvGrpSpPr>
+      <p:grpSpPr>
+        <a:xfrm>
+          <a:off x="0" y="0"/>
+          <a:ext cx="0" cy="0"/>
+          <a:chOff x="0" y="0"/>
+          <a:chExt cx="0" cy="0"/>
+        </a:xfrm>
+      </p:grpSpPr>
+      <p:sp>
+        <p:nvSpPr>
+          <p:cNvPr id="2" name="Titolo 1">
+            <a:extLst>
+              <a:ext uri="{FF2B5EF4-FFF2-40B4-BE49-F238E27FC236}">
+                <a16:creationId xmlns:a16="http://schemas.microsoft.com/office/drawing/2014/main" id="{90F52EA4-9809-985C-8A8C-85AEDD39AF3B}"/>
+              </a:ext>
+            </a:extLst>
+          </p:cNvPr>
+          <p:cNvSpPr>
+            <a:spLocks noGrp="1"/>
+          </p:cNvSpPr>
+          <p:nvPr>
+            <p:ph type="title"/>
+          </p:nvPr>
+        </p:nvSpPr>
+        <p:spPr/>
+        <p:txBody>
+          <a:bodyPr/>
+          <a:lstStyle/>
+          <a:p>
+            <a:r>
+              <a:rPr lang="en-US" dirty="0"/>
+              <a:t>Outline </a:t>
+            </a:r>
+          </a:p>
+        </p:txBody>
+      </p:sp>
+      <p:sp>
+        <p:nvSpPr>
+          <p:cNvPr id="3" name="Segnaposto contenuto 2">
+            <a:extLst>
+              <a:ext uri="{FF2B5EF4-FFF2-40B4-BE49-F238E27FC236}">
+                <a16:creationId xmlns:a16="http://schemas.microsoft.com/office/drawing/2014/main" id="{B080D17D-5CB5-7A4C-86CF-032C6E6BEB1F}"/>
+              </a:ext>
+            </a:extLst>
+          </p:cNvPr>
+          <p:cNvSpPr>
+            <a:spLocks noGrp="1"/>
+          </p:cNvSpPr>
+          <p:nvPr>
+            <p:ph idx="1"/>
+          </p:nvPr>
+        </p:nvSpPr>
+        <p:spPr>
+          <a:xfrm>
+            <a:off x="664464" y="2041497"/>
+            <a:ext cx="10098024" cy="2613436"/>
+          </a:xfrm>
+        </p:spPr>
+        <p:txBody>
+          <a:bodyPr>
+            <a:noAutofit/>
+          </a:bodyPr>
+          <a:lstStyle/>
+          <a:p>
+            <a:r>
+              <a:rPr lang="en-US" sz="2000" dirty="0"/>
+              <a:t>Aim of envelope analysis</a:t>
+            </a:r>
+          </a:p>
+          <a:p>
+            <a:r>
+              <a:rPr lang="en-US" sz="2000" dirty="0"/>
+              <a:t>Envelope analysis pipeline</a:t>
+            </a:r>
+          </a:p>
+          <a:p>
+            <a:pPr lvl="1"/>
+            <a:r>
+              <a:rPr lang="en-US" sz="1600" dirty="0"/>
+              <a:t>Envelope derivative</a:t>
+            </a:r>
+          </a:p>
+          <a:p>
+            <a:pPr lvl="1"/>
+            <a:r>
+              <a:rPr lang="en-US" sz="1600" dirty="0"/>
+              <a:t>Derivative thresholding and merging </a:t>
+            </a:r>
+          </a:p>
+          <a:p>
+            <a:pPr lvl="1"/>
+            <a:r>
+              <a:rPr lang="en-US" sz="1600" dirty="0"/>
+              <a:t>False peak detection</a:t>
+            </a:r>
+          </a:p>
+          <a:p>
+            <a:pPr lvl="1"/>
+            <a:r>
+              <a:rPr lang="en-US" sz="1600" dirty="0"/>
+              <a:t>Time thresholds definition</a:t>
+            </a:r>
+          </a:p>
+          <a:p>
+            <a:r>
+              <a:rPr lang="en-US" sz="2000" dirty="0"/>
+              <a:t>Results</a:t>
+            </a:r>
+          </a:p>
+          <a:p>
+            <a:pPr lvl="1"/>
+            <a:r>
+              <a:rPr lang="en-US" sz="1600" dirty="0"/>
+              <a:t>Positive results</a:t>
+            </a:r>
+          </a:p>
+          <a:p>
+            <a:pPr lvl="1"/>
+            <a:r>
+              <a:rPr lang="en-US" sz="1600" dirty="0"/>
+              <a:t>Misleading results</a:t>
+            </a:r>
+          </a:p>
+          <a:p>
+            <a:r>
+              <a:rPr lang="en-US" sz="2000" dirty="0"/>
+              <a:t>Proposed features</a:t>
+            </a:r>
+          </a:p>
+          <a:p>
+            <a:r>
+              <a:rPr lang="en-US" sz="2000" dirty="0"/>
+              <a:t>Conclusions</a:t>
+            </a:r>
+          </a:p>
+        </p:txBody>
+      </p:sp>
+      <p:sp>
+        <p:nvSpPr>
+          <p:cNvPr id="4" name="Segnaposto numero diapositiva 3">
+            <a:extLst>
+              <a:ext uri="{FF2B5EF4-FFF2-40B4-BE49-F238E27FC236}">
+                <a16:creationId xmlns:a16="http://schemas.microsoft.com/office/drawing/2014/main" id="{8B351BE6-1815-C162-224E-864AC8EF79D2}"/>
+              </a:ext>
+            </a:extLst>
+          </p:cNvPr>
+          <p:cNvSpPr>
+            <a:spLocks noGrp="1"/>
+          </p:cNvSpPr>
+          <p:nvPr>
+            <p:ph type="sldNum" sz="quarter" idx="12"/>
+          </p:nvPr>
+        </p:nvSpPr>
+        <p:spPr/>
+        <p:txBody>
+          <a:bodyPr/>
+          <a:lstStyle/>
+          <a:p>
+            <a:fld id="{2FA0223F-D95A-431D-9A71-EDA7FA0C2F5B}" type="slidenum">
+              <a:rPr lang="en-US" smtClean="0"/>
+              <a:t>2</a:t>
+            </a:fld>
+            <a:endParaRPr lang="en-US" dirty="0"/>
+          </a:p>
+        </p:txBody>
+      </p:sp>
+    </p:spTree>
+    <p:extLst>
+      <p:ext uri="{BB962C8B-B14F-4D97-AF65-F5344CB8AC3E}">
+        <p14:creationId xmlns:p14="http://schemas.microsoft.com/office/powerpoint/2010/main" val="1561499463"/>
+      </p:ext>
+    </p:extLst>
+  </p:cSld>
+  <p:clrMapOvr>
+    <a:masterClrMapping/>
+  </p:clrMapOvr>
+</p:sld>
+</file>
+
+<file path=ppt/slides/slide20.xml><?xml version="1.0" encoding="utf-8"?>
+<p:sld xmlns:a="http://schemas.openxmlformats.org/drawingml/2006/main" xmlns:r="http://schemas.openxmlformats.org/officeDocument/2006/relationships" xmlns:p="http://schemas.openxmlformats.org/presentationml/2006/main">
+  <p:cSld>
+    <p:spTree>
+      <p:nvGrpSpPr>
+        <p:cNvPr id="1" name="">
+          <a:extLst>
+            <a:ext uri="{FF2B5EF4-FFF2-40B4-BE49-F238E27FC236}">
+              <a16:creationId xmlns:a16="http://schemas.microsoft.com/office/drawing/2014/main" id="{CB8DAC92-716C-40B1-A533-C81C329E8B41}"/>
+            </a:ext>
+          </a:extLst>
+        </p:cNvPr>
+        <p:cNvGrpSpPr/>
+        <p:nvPr/>
+      </p:nvGrpSpPr>
+      <p:grpSpPr>
+        <a:xfrm>
+          <a:off x="0" y="0"/>
+          <a:ext cx="0" cy="0"/>
+          <a:chOff x="0" y="0"/>
+          <a:chExt cx="0" cy="0"/>
+        </a:xfrm>
+      </p:grpSpPr>
+      <p:sp>
+        <p:nvSpPr>
+          <p:cNvPr id="2" name="Titolo 1">
+            <a:extLst>
+              <a:ext uri="{FF2B5EF4-FFF2-40B4-BE49-F238E27FC236}">
+                <a16:creationId xmlns:a16="http://schemas.microsoft.com/office/drawing/2014/main" id="{299A996A-3A6A-28DD-88FA-E6CCE88774BA}"/>
+              </a:ext>
+            </a:extLst>
+          </p:cNvPr>
+          <p:cNvSpPr>
+            <a:spLocks noGrp="1"/>
+          </p:cNvSpPr>
+          <p:nvPr>
+            <p:ph type="title"/>
+          </p:nvPr>
+        </p:nvSpPr>
+        <p:spPr>
+          <a:xfrm>
+            <a:off x="838200" y="209292"/>
+            <a:ext cx="9905460" cy="971551"/>
+          </a:xfrm>
+        </p:spPr>
+        <p:txBody>
+          <a:bodyPr>
+            <a:normAutofit/>
+          </a:bodyPr>
+          <a:lstStyle/>
+          <a:p>
+            <a:r>
+              <a:rPr lang="en-US" sz="3600" dirty="0"/>
+              <a:t>Envelope peak 3 (third highest) position and value</a:t>
+            </a:r>
+          </a:p>
+        </p:txBody>
+      </p:sp>
+      <p:sp>
+        <p:nvSpPr>
+          <p:cNvPr id="4" name="Segnaposto numero diapositiva 3">
+            <a:extLst>
+              <a:ext uri="{FF2B5EF4-FFF2-40B4-BE49-F238E27FC236}">
+                <a16:creationId xmlns:a16="http://schemas.microsoft.com/office/drawing/2014/main" id="{8ADE2728-14AA-5524-C32D-F5B435152292}"/>
+              </a:ext>
+            </a:extLst>
+          </p:cNvPr>
+          <p:cNvSpPr>
+            <a:spLocks noGrp="1"/>
+          </p:cNvSpPr>
+          <p:nvPr>
+            <p:ph type="sldNum" sz="quarter" idx="12"/>
+          </p:nvPr>
+        </p:nvSpPr>
+        <p:spPr/>
+        <p:txBody>
+          <a:bodyPr/>
+          <a:lstStyle/>
+          <a:p>
+            <a:fld id="{2FA0223F-D95A-431D-9A71-EDA7FA0C2F5B}" type="slidenum">
+              <a:rPr lang="en-US" smtClean="0"/>
+              <a:t>20</a:t>
+            </a:fld>
+            <a:endParaRPr lang="en-US"/>
+          </a:p>
+        </p:txBody>
+      </p:sp>
+      <p:sp>
+        <p:nvSpPr>
+          <p:cNvPr id="12" name="Rettangolo 11">
+            <a:extLst>
+              <a:ext uri="{FF2B5EF4-FFF2-40B4-BE49-F238E27FC236}">
+                <a16:creationId xmlns:a16="http://schemas.microsoft.com/office/drawing/2014/main" id="{CEAF1126-8E74-8281-5D5B-D126397FAA55}"/>
+              </a:ext>
+            </a:extLst>
+          </p:cNvPr>
+          <p:cNvSpPr/>
+          <p:nvPr/>
+        </p:nvSpPr>
+        <p:spPr>
+          <a:xfrm>
+            <a:off x="5468844" y="2179320"/>
+            <a:ext cx="223296" cy="160020"/>
+          </a:xfrm>
+          <a:prstGeom prst="rect">
+            <a:avLst/>
+          </a:prstGeom>
+          <a:solidFill>
+            <a:schemeClr val="bg1"/>
+          </a:solidFill>
+          <a:ln>
+            <a:solidFill>
+              <a:schemeClr val="bg1"/>
+            </a:solidFill>
+          </a:ln>
+        </p:spPr>
+        <p:style>
+          <a:lnRef idx="2">
+            <a:schemeClr val="accent1">
+              <a:shade val="15000"/>
+            </a:schemeClr>
+          </a:lnRef>
+          <a:fillRef idx="1">
+            <a:schemeClr val="accent1"/>
+          </a:fillRef>
+          <a:effectRef idx="0">
+            <a:schemeClr val="accent1"/>
+          </a:effectRef>
+          <a:fontRef idx="minor">
+            <a:schemeClr val="lt1"/>
+          </a:fontRef>
+        </p:style>
+        <p:txBody>
+          <a:bodyPr rtlCol="0" anchor="ctr"/>
+          <a:lstStyle/>
+          <a:p>
+            <a:pPr algn="ctr"/>
+            <a:endParaRPr lang="it-IT"/>
+          </a:p>
+        </p:txBody>
+      </p:sp>
+      <p:pic>
+        <p:nvPicPr>
+          <p:cNvPr id="7" name="Immagine 6">
+            <a:extLst>
+              <a:ext uri="{FF2B5EF4-FFF2-40B4-BE49-F238E27FC236}">
+                <a16:creationId xmlns:a16="http://schemas.microsoft.com/office/drawing/2014/main" id="{7044E0E3-DBC4-F24A-0FE7-5138A6392E52}"/>
+              </a:ext>
+            </a:extLst>
+          </p:cNvPr>
+          <p:cNvPicPr>
+            <a:picLocks noChangeAspect="1"/>
+          </p:cNvPicPr>
+          <p:nvPr/>
+        </p:nvPicPr>
+        <p:blipFill>
+          <a:blip r:embed="rId3">
+            <a:extLst>
+              <a:ext uri="{28A0092B-C50C-407E-A947-70E740481C1C}">
+                <a14:useLocalDpi xmlns:a14="http://schemas.microsoft.com/office/drawing/2010/main" val="0"/>
+              </a:ext>
+            </a:extLst>
+          </a:blip>
+          <a:srcRect/>
+          <a:stretch/>
+        </p:blipFill>
+        <p:spPr>
+          <a:xfrm>
+            <a:off x="1984248" y="1429676"/>
+            <a:ext cx="5333559" cy="3998645"/>
+          </a:xfrm>
+          <a:prstGeom prst="rect">
+            <a:avLst/>
+          </a:prstGeom>
+        </p:spPr>
+      </p:pic>
+      <p:pic>
+        <p:nvPicPr>
+          <p:cNvPr id="5" name="Immagine 4" descr="Immagine che contiene testo, diagramma, schermata, linea&#10;&#10;Descrizione generata automaticamente">
+            <a:extLst>
+              <a:ext uri="{FF2B5EF4-FFF2-40B4-BE49-F238E27FC236}">
+                <a16:creationId xmlns:a16="http://schemas.microsoft.com/office/drawing/2014/main" id="{AB3DFCD1-2CD0-5BE4-CF11-F008343EDC52}"/>
+              </a:ext>
+            </a:extLst>
+          </p:cNvPr>
+          <p:cNvPicPr>
+            <a:picLocks noChangeAspect="1"/>
+          </p:cNvPicPr>
+          <p:nvPr/>
+        </p:nvPicPr>
+        <p:blipFill>
+          <a:blip r:embed="rId4">
+            <a:extLst>
+              <a:ext uri="{28A0092B-C50C-407E-A947-70E740481C1C}">
+                <a14:useLocalDpi xmlns:a14="http://schemas.microsoft.com/office/drawing/2010/main" val="0"/>
+              </a:ext>
+            </a:extLst>
+          </a:blip>
+          <a:stretch>
+            <a:fillRect/>
+          </a:stretch>
+        </p:blipFill>
+        <p:spPr>
+          <a:xfrm>
+            <a:off x="6858441" y="1429676"/>
+            <a:ext cx="5333559" cy="3998645"/>
+          </a:xfrm>
+          <a:prstGeom prst="rect">
+            <a:avLst/>
+          </a:prstGeom>
+        </p:spPr>
+      </p:pic>
+      <p:sp>
+        <p:nvSpPr>
+          <p:cNvPr id="8" name="CasellaDiTesto 7">
+            <a:extLst>
+              <a:ext uri="{FF2B5EF4-FFF2-40B4-BE49-F238E27FC236}">
+                <a16:creationId xmlns:a16="http://schemas.microsoft.com/office/drawing/2014/main" id="{B87EE807-9838-B388-D04F-76812E623F03}"/>
+              </a:ext>
+            </a:extLst>
+          </p:cNvPr>
+          <p:cNvSpPr txBox="1"/>
+          <p:nvPr/>
+        </p:nvSpPr>
+        <p:spPr>
+          <a:xfrm>
+            <a:off x="106680" y="1429677"/>
+            <a:ext cx="1877568" cy="2970044"/>
+          </a:xfrm>
+          <a:prstGeom prst="rect">
+            <a:avLst/>
+          </a:prstGeom>
+          <a:noFill/>
+        </p:spPr>
+        <p:txBody>
+          <a:bodyPr wrap="square">
+            <a:spAutoFit/>
+          </a:bodyPr>
+          <a:lstStyle/>
+          <a:p>
+            <a:r>
+              <a:rPr lang="en-GB" sz="1100" b="1" i="1">
+                <a:solidFill>
+                  <a:schemeClr val="tx1">
+                    <a:lumMod val="50000"/>
+                    <a:lumOff val="50000"/>
+                  </a:schemeClr>
+                </a:solidFill>
+              </a:rPr>
+              <a:t>MAP_A has</a:t>
+            </a:r>
+            <a:r>
+              <a:rPr lang="en-GB" sz="1100">
+                <a:solidFill>
+                  <a:schemeClr val="tx1">
+                    <a:lumMod val="50000"/>
+                    <a:lumOff val="50000"/>
+                  </a:schemeClr>
+                </a:solidFill>
+              </a:rPr>
+              <a:t>:</a:t>
+            </a:r>
+          </a:p>
+          <a:p>
+            <a:r>
+              <a:rPr lang="en-GB" sz="1100" dirty="0">
+                <a:solidFill>
+                  <a:schemeClr val="tx1">
+                    <a:lumMod val="50000"/>
+                    <a:lumOff val="50000"/>
+                  </a:schemeClr>
+                </a:solidFill>
+              </a:rPr>
+              <a:t>  - 198 signals with one peak</a:t>
+            </a:r>
+          </a:p>
+          <a:p>
+            <a:r>
+              <a:rPr lang="en-GB" sz="1100" dirty="0">
+                <a:solidFill>
+                  <a:schemeClr val="tx1">
+                    <a:lumMod val="50000"/>
+                    <a:lumOff val="50000"/>
+                  </a:schemeClr>
+                </a:solidFill>
+              </a:rPr>
+              <a:t>  - 490 signals with two peaks</a:t>
+            </a:r>
+          </a:p>
+          <a:p>
+            <a:r>
+              <a:rPr lang="en-GB" sz="1100" dirty="0">
+                <a:solidFill>
+                  <a:schemeClr val="tx1">
+                    <a:lumMod val="50000"/>
+                    <a:lumOff val="50000"/>
+                  </a:schemeClr>
+                </a:solidFill>
+              </a:rPr>
+              <a:t>  - 56 signals with three peaks</a:t>
+            </a:r>
+          </a:p>
+          <a:p>
+            <a:r>
+              <a:rPr lang="en-GB" sz="1100" dirty="0">
+                <a:solidFill>
+                  <a:schemeClr val="tx1">
+                    <a:lumMod val="50000"/>
+                    <a:lumOff val="50000"/>
+                  </a:schemeClr>
+                </a:solidFill>
+              </a:rPr>
+              <a:t>        total : 744 </a:t>
+            </a:r>
+          </a:p>
+          <a:p>
+            <a:endParaRPr lang="en-GB" sz="1100" dirty="0">
+              <a:solidFill>
+                <a:schemeClr val="tx1">
+                  <a:lumMod val="50000"/>
+                  <a:lumOff val="50000"/>
+                </a:schemeClr>
+              </a:solidFill>
+            </a:endParaRPr>
+          </a:p>
+          <a:p>
+            <a:r>
+              <a:rPr lang="en-GB" sz="1100" dirty="0">
+                <a:solidFill>
+                  <a:schemeClr val="tx1">
+                    <a:lumMod val="50000"/>
+                    <a:lumOff val="50000"/>
+                  </a:schemeClr>
+                </a:solidFill>
+              </a:rPr>
+              <a:t> </a:t>
+            </a:r>
+            <a:r>
+              <a:rPr lang="en-GB" sz="1100" b="1" i="1" dirty="0">
+                <a:solidFill>
+                  <a:schemeClr val="tx1">
+                    <a:lumMod val="50000"/>
+                    <a:lumOff val="50000"/>
+                  </a:schemeClr>
+                </a:solidFill>
+              </a:rPr>
+              <a:t>MAP_B has</a:t>
+            </a:r>
+            <a:r>
+              <a:rPr lang="en-GB" sz="1100" dirty="0">
+                <a:solidFill>
+                  <a:schemeClr val="tx1">
+                    <a:lumMod val="50000"/>
+                    <a:lumOff val="50000"/>
+                  </a:schemeClr>
+                </a:solidFill>
+              </a:rPr>
+              <a:t>:</a:t>
+            </a:r>
+          </a:p>
+          <a:p>
+            <a:r>
+              <a:rPr lang="en-GB" sz="1100" dirty="0">
+                <a:solidFill>
+                  <a:schemeClr val="tx1">
+                    <a:lumMod val="50000"/>
+                    <a:lumOff val="50000"/>
+                  </a:schemeClr>
+                </a:solidFill>
+              </a:rPr>
+              <a:t>  - 22 signals with one peak</a:t>
+            </a:r>
+          </a:p>
+          <a:p>
+            <a:r>
+              <a:rPr lang="en-GB" sz="1100" dirty="0">
+                <a:solidFill>
+                  <a:schemeClr val="tx1">
+                    <a:lumMod val="50000"/>
+                    <a:lumOff val="50000"/>
+                  </a:schemeClr>
+                </a:solidFill>
+              </a:rPr>
+              <a:t>  - 81 signals with two peaks</a:t>
+            </a:r>
+          </a:p>
+          <a:p>
+            <a:r>
+              <a:rPr lang="en-GB" sz="1100" dirty="0">
+                <a:solidFill>
+                  <a:schemeClr val="tx1">
+                    <a:lumMod val="50000"/>
+                    <a:lumOff val="50000"/>
+                  </a:schemeClr>
+                </a:solidFill>
+              </a:rPr>
+              <a:t>  - 8 signals with three peaks</a:t>
+            </a:r>
+          </a:p>
+          <a:p>
+            <a:r>
+              <a:rPr lang="en-GB" sz="1100" dirty="0">
+                <a:solidFill>
+                  <a:schemeClr val="tx1">
+                    <a:lumMod val="50000"/>
+                    <a:lumOff val="50000"/>
+                  </a:schemeClr>
+                </a:solidFill>
+              </a:rPr>
+              <a:t>        total : 111 </a:t>
+            </a:r>
+          </a:p>
+          <a:p>
+            <a:endParaRPr lang="en-GB" sz="1100" dirty="0">
+              <a:solidFill>
+                <a:schemeClr val="tx1">
+                  <a:lumMod val="50000"/>
+                  <a:lumOff val="50000"/>
+                </a:schemeClr>
+              </a:solidFill>
+            </a:endParaRPr>
+          </a:p>
+          <a:p>
+            <a:r>
+              <a:rPr lang="en-GB" sz="1100" b="1" i="1" dirty="0">
+                <a:solidFill>
+                  <a:schemeClr val="tx1">
+                    <a:lumMod val="50000"/>
+                    <a:lumOff val="50000"/>
+                  </a:schemeClr>
+                </a:solidFill>
+              </a:rPr>
+              <a:t> MAP_C has</a:t>
+            </a:r>
+            <a:r>
+              <a:rPr lang="en-GB" sz="1100" dirty="0">
+                <a:solidFill>
+                  <a:schemeClr val="tx1">
+                    <a:lumMod val="50000"/>
+                    <a:lumOff val="50000"/>
+                  </a:schemeClr>
+                </a:solidFill>
+              </a:rPr>
+              <a:t>:</a:t>
+            </a:r>
+          </a:p>
+          <a:p>
+            <a:r>
+              <a:rPr lang="en-GB" sz="1100" dirty="0">
+                <a:solidFill>
+                  <a:schemeClr val="tx1">
+                    <a:lumMod val="50000"/>
+                    <a:lumOff val="50000"/>
+                  </a:schemeClr>
+                </a:solidFill>
+              </a:rPr>
+              <a:t>  - 25 signals with one peak</a:t>
+            </a:r>
+          </a:p>
+          <a:p>
+            <a:r>
+              <a:rPr lang="en-GB" sz="1100" dirty="0">
+                <a:solidFill>
+                  <a:schemeClr val="tx1">
+                    <a:lumMod val="50000"/>
+                    <a:lumOff val="50000"/>
+                  </a:schemeClr>
+                </a:solidFill>
+              </a:rPr>
+              <a:t>  - 42 signals with two peaks</a:t>
+            </a:r>
+          </a:p>
+          <a:p>
+            <a:r>
+              <a:rPr lang="en-GB" sz="1100" dirty="0">
+                <a:solidFill>
+                  <a:schemeClr val="tx1">
+                    <a:lumMod val="50000"/>
+                    <a:lumOff val="50000"/>
+                  </a:schemeClr>
+                </a:solidFill>
+              </a:rPr>
+              <a:t>  - 45 signals with three peaks</a:t>
+            </a:r>
+          </a:p>
+          <a:p>
+            <a:r>
+              <a:rPr lang="en-GB" sz="1100" dirty="0">
+                <a:solidFill>
+                  <a:schemeClr val="tx1">
+                    <a:lumMod val="50000"/>
+                    <a:lumOff val="50000"/>
+                  </a:schemeClr>
+                </a:solidFill>
+              </a:rPr>
+              <a:t>        total : 112 </a:t>
+            </a:r>
+          </a:p>
+        </p:txBody>
+      </p:sp>
+    </p:spTree>
+    <p:extLst>
+      <p:ext uri="{BB962C8B-B14F-4D97-AF65-F5344CB8AC3E}">
+        <p14:creationId xmlns:p14="http://schemas.microsoft.com/office/powerpoint/2010/main" val="1711136568"/>
+      </p:ext>
+    </p:extLst>
+  </p:cSld>
+  <p:clrMapOvr>
+    <a:masterClrMapping/>
+  </p:clrMapOvr>
+</p:sld>
+</file>
+
+<file path=ppt/slides/slide21.xml><?xml version="1.0" encoding="utf-8"?>
+<p:sld xmlns:a="http://schemas.openxmlformats.org/drawingml/2006/main" xmlns:r="http://schemas.openxmlformats.org/officeDocument/2006/relationships" xmlns:p="http://schemas.openxmlformats.org/presentationml/2006/main">
+  <p:cSld>
+    <p:spTree>
+      <p:nvGrpSpPr>
+        <p:cNvPr id="1" name="">
+          <a:extLst>
+            <a:ext uri="{FF2B5EF4-FFF2-40B4-BE49-F238E27FC236}">
+              <a16:creationId xmlns:a16="http://schemas.microsoft.com/office/drawing/2014/main" id="{7D06795D-B100-C9FC-039E-E525C7F3BA95}"/>
+            </a:ext>
+          </a:extLst>
+        </p:cNvPr>
+        <p:cNvGrpSpPr/>
+        <p:nvPr/>
+      </p:nvGrpSpPr>
+      <p:grpSpPr>
+        <a:xfrm>
+          <a:off x="0" y="0"/>
+          <a:ext cx="0" cy="0"/>
+          <a:chOff x="0" y="0"/>
+          <a:chExt cx="0" cy="0"/>
+        </a:xfrm>
+      </p:grpSpPr>
+      <p:sp>
+        <p:nvSpPr>
+          <p:cNvPr id="2" name="Titolo 1">
+            <a:extLst>
+              <a:ext uri="{FF2B5EF4-FFF2-40B4-BE49-F238E27FC236}">
+                <a16:creationId xmlns:a16="http://schemas.microsoft.com/office/drawing/2014/main" id="{7AFF99B5-EB51-CAB4-A96A-A4781A10FCA6}"/>
+              </a:ext>
+            </a:extLst>
+          </p:cNvPr>
+          <p:cNvSpPr>
+            <a:spLocks noGrp="1"/>
+          </p:cNvSpPr>
+          <p:nvPr>
+            <p:ph type="title"/>
+          </p:nvPr>
+        </p:nvSpPr>
+        <p:spPr>
+          <a:xfrm>
+            <a:off x="838200" y="209292"/>
+            <a:ext cx="9905460" cy="971551"/>
+          </a:xfrm>
+        </p:spPr>
+        <p:txBody>
+          <a:bodyPr>
+            <a:normAutofit/>
+          </a:bodyPr>
+          <a:lstStyle/>
+          <a:p>
+            <a:r>
+              <a:rPr lang="en-US" sz="3600" dirty="0"/>
+              <a:t>Atrial-to-ventricular envelope peaks ratio</a:t>
+            </a:r>
+          </a:p>
+        </p:txBody>
+      </p:sp>
+      <p:sp>
+        <p:nvSpPr>
+          <p:cNvPr id="4" name="Segnaposto numero diapositiva 3">
+            <a:extLst>
+              <a:ext uri="{FF2B5EF4-FFF2-40B4-BE49-F238E27FC236}">
+                <a16:creationId xmlns:a16="http://schemas.microsoft.com/office/drawing/2014/main" id="{317F5A57-2537-AE14-E2DF-7FF760E3C7B0}"/>
+              </a:ext>
+            </a:extLst>
+          </p:cNvPr>
+          <p:cNvSpPr>
+            <a:spLocks noGrp="1"/>
+          </p:cNvSpPr>
+          <p:nvPr>
+            <p:ph type="sldNum" sz="quarter" idx="12"/>
+          </p:nvPr>
+        </p:nvSpPr>
+        <p:spPr/>
+        <p:txBody>
+          <a:bodyPr/>
+          <a:lstStyle/>
+          <a:p>
+            <a:fld id="{2FA0223F-D95A-431D-9A71-EDA7FA0C2F5B}" type="slidenum">
+              <a:rPr lang="en-US" smtClean="0"/>
+              <a:t>21</a:t>
+            </a:fld>
+            <a:endParaRPr lang="en-US"/>
+          </a:p>
+        </p:txBody>
+      </p:sp>
+      <p:sp>
+        <p:nvSpPr>
+          <p:cNvPr id="12" name="Rettangolo 11">
+            <a:extLst>
+              <a:ext uri="{FF2B5EF4-FFF2-40B4-BE49-F238E27FC236}">
+                <a16:creationId xmlns:a16="http://schemas.microsoft.com/office/drawing/2014/main" id="{F85B6080-DA1A-76A1-C5C8-BFD77B745B62}"/>
+              </a:ext>
+            </a:extLst>
+          </p:cNvPr>
+          <p:cNvSpPr/>
+          <p:nvPr/>
+        </p:nvSpPr>
+        <p:spPr>
+          <a:xfrm>
+            <a:off x="5468844" y="2179320"/>
+            <a:ext cx="223296" cy="160020"/>
+          </a:xfrm>
+          <a:prstGeom prst="rect">
+            <a:avLst/>
+          </a:prstGeom>
+          <a:solidFill>
+            <a:schemeClr val="bg1"/>
+          </a:solidFill>
+          <a:ln>
+            <a:solidFill>
+              <a:schemeClr val="bg1"/>
+            </a:solidFill>
+          </a:ln>
+        </p:spPr>
+        <p:style>
+          <a:lnRef idx="2">
+            <a:schemeClr val="accent1">
+              <a:shade val="15000"/>
+            </a:schemeClr>
+          </a:lnRef>
+          <a:fillRef idx="1">
+            <a:schemeClr val="accent1"/>
+          </a:fillRef>
+          <a:effectRef idx="0">
+            <a:schemeClr val="accent1"/>
+          </a:effectRef>
+          <a:fontRef idx="minor">
+            <a:schemeClr val="lt1"/>
+          </a:fontRef>
+        </p:style>
+        <p:txBody>
+          <a:bodyPr rtlCol="0" anchor="ctr"/>
+          <a:lstStyle/>
+          <a:p>
+            <a:pPr algn="ctr"/>
+            <a:endParaRPr lang="it-IT"/>
+          </a:p>
+        </p:txBody>
+      </p:sp>
+      <p:pic>
+        <p:nvPicPr>
+          <p:cNvPr id="5" name="Immagine 4" descr="Immagine che contiene testo, schermata, diagramma, schermo&#10;&#10;Descrizione generata automaticamente">
+            <a:extLst>
+              <a:ext uri="{FF2B5EF4-FFF2-40B4-BE49-F238E27FC236}">
+                <a16:creationId xmlns:a16="http://schemas.microsoft.com/office/drawing/2014/main" id="{582713CB-2C95-19AE-0311-6DA8A4CB2A17}"/>
+              </a:ext>
+            </a:extLst>
+          </p:cNvPr>
+          <p:cNvPicPr>
+            <a:picLocks noChangeAspect="1"/>
+          </p:cNvPicPr>
+          <p:nvPr/>
+        </p:nvPicPr>
+        <p:blipFill>
+          <a:blip r:embed="rId3">
+            <a:extLst>
+              <a:ext uri="{28A0092B-C50C-407E-A947-70E740481C1C}">
+                <a14:useLocalDpi xmlns:a14="http://schemas.microsoft.com/office/drawing/2010/main" val="0"/>
+              </a:ext>
+            </a:extLst>
+          </a:blip>
+          <a:stretch>
+            <a:fillRect/>
+          </a:stretch>
+        </p:blipFill>
+        <p:spPr>
+          <a:xfrm>
+            <a:off x="3429220" y="1429677"/>
+            <a:ext cx="5333559" cy="3998645"/>
+          </a:xfrm>
+          <a:prstGeom prst="rect">
+            <a:avLst/>
+          </a:prstGeom>
+        </p:spPr>
+      </p:pic>
+      <p:sp>
+        <p:nvSpPr>
+          <p:cNvPr id="7" name="CasellaDiTesto 6">
+            <a:extLst>
+              <a:ext uri="{FF2B5EF4-FFF2-40B4-BE49-F238E27FC236}">
+                <a16:creationId xmlns:a16="http://schemas.microsoft.com/office/drawing/2014/main" id="{D0269C22-D569-C42E-9521-FCDA653DFE10}"/>
+              </a:ext>
+            </a:extLst>
+          </p:cNvPr>
+          <p:cNvSpPr txBox="1"/>
+          <p:nvPr/>
+        </p:nvSpPr>
+        <p:spPr>
+          <a:xfrm>
+            <a:off x="106680" y="1429677"/>
+            <a:ext cx="1877568" cy="2970044"/>
+          </a:xfrm>
+          <a:prstGeom prst="rect">
+            <a:avLst/>
+          </a:prstGeom>
+          <a:noFill/>
+        </p:spPr>
+        <p:txBody>
+          <a:bodyPr wrap="square">
+            <a:spAutoFit/>
+          </a:bodyPr>
+          <a:lstStyle/>
+          <a:p>
+            <a:r>
+              <a:rPr lang="en-GB" sz="1100" b="1" i="1">
+                <a:solidFill>
+                  <a:schemeClr val="tx1">
+                    <a:lumMod val="50000"/>
+                    <a:lumOff val="50000"/>
+                  </a:schemeClr>
+                </a:solidFill>
+              </a:rPr>
+              <a:t>MAP_A has</a:t>
+            </a:r>
+            <a:r>
+              <a:rPr lang="en-GB" sz="1100">
+                <a:solidFill>
+                  <a:schemeClr val="tx1">
+                    <a:lumMod val="50000"/>
+                    <a:lumOff val="50000"/>
+                  </a:schemeClr>
+                </a:solidFill>
+              </a:rPr>
+              <a:t>:</a:t>
+            </a:r>
+          </a:p>
+          <a:p>
+            <a:r>
+              <a:rPr lang="en-GB" sz="1100" dirty="0">
+                <a:solidFill>
+                  <a:schemeClr val="tx1">
+                    <a:lumMod val="50000"/>
+                    <a:lumOff val="50000"/>
+                  </a:schemeClr>
+                </a:solidFill>
+              </a:rPr>
+              <a:t>  - 198 signals with one peak</a:t>
+            </a:r>
+          </a:p>
+          <a:p>
+            <a:r>
+              <a:rPr lang="en-GB" sz="1100" dirty="0">
+                <a:solidFill>
+                  <a:schemeClr val="tx1">
+                    <a:lumMod val="50000"/>
+                    <a:lumOff val="50000"/>
+                  </a:schemeClr>
+                </a:solidFill>
+              </a:rPr>
+              <a:t>  - 490 signals with two peaks</a:t>
+            </a:r>
+          </a:p>
+          <a:p>
+            <a:r>
+              <a:rPr lang="en-GB" sz="1100" dirty="0">
+                <a:solidFill>
+                  <a:schemeClr val="tx1">
+                    <a:lumMod val="50000"/>
+                    <a:lumOff val="50000"/>
+                  </a:schemeClr>
+                </a:solidFill>
+              </a:rPr>
+              <a:t>  - 56 signals with three peaks</a:t>
+            </a:r>
+          </a:p>
+          <a:p>
+            <a:r>
+              <a:rPr lang="en-GB" sz="1100" dirty="0">
+                <a:solidFill>
+                  <a:schemeClr val="tx1">
+                    <a:lumMod val="50000"/>
+                    <a:lumOff val="50000"/>
+                  </a:schemeClr>
+                </a:solidFill>
+              </a:rPr>
+              <a:t>        total : 744 </a:t>
+            </a:r>
+          </a:p>
+          <a:p>
+            <a:endParaRPr lang="en-GB" sz="1100" dirty="0">
+              <a:solidFill>
+                <a:schemeClr val="tx1">
+                  <a:lumMod val="50000"/>
+                  <a:lumOff val="50000"/>
+                </a:schemeClr>
+              </a:solidFill>
+            </a:endParaRPr>
+          </a:p>
+          <a:p>
+            <a:r>
+              <a:rPr lang="en-GB" sz="1100" dirty="0">
+                <a:solidFill>
+                  <a:schemeClr val="tx1">
+                    <a:lumMod val="50000"/>
+                    <a:lumOff val="50000"/>
+                  </a:schemeClr>
+                </a:solidFill>
+              </a:rPr>
+              <a:t> </a:t>
+            </a:r>
+            <a:r>
+              <a:rPr lang="en-GB" sz="1100" b="1" i="1" dirty="0">
+                <a:solidFill>
+                  <a:schemeClr val="tx1">
+                    <a:lumMod val="50000"/>
+                    <a:lumOff val="50000"/>
+                  </a:schemeClr>
+                </a:solidFill>
+              </a:rPr>
+              <a:t>MAP_B has</a:t>
+            </a:r>
+            <a:r>
+              <a:rPr lang="en-GB" sz="1100" dirty="0">
+                <a:solidFill>
+                  <a:schemeClr val="tx1">
+                    <a:lumMod val="50000"/>
+                    <a:lumOff val="50000"/>
+                  </a:schemeClr>
+                </a:solidFill>
+              </a:rPr>
+              <a:t>:</a:t>
+            </a:r>
+          </a:p>
+          <a:p>
+            <a:r>
+              <a:rPr lang="en-GB" sz="1100" dirty="0">
+                <a:solidFill>
+                  <a:schemeClr val="tx1">
+                    <a:lumMod val="50000"/>
+                    <a:lumOff val="50000"/>
+                  </a:schemeClr>
+                </a:solidFill>
+              </a:rPr>
+              <a:t>  - 22 signals with one peak</a:t>
+            </a:r>
+          </a:p>
+          <a:p>
+            <a:r>
+              <a:rPr lang="en-GB" sz="1100" dirty="0">
+                <a:solidFill>
+                  <a:schemeClr val="tx1">
+                    <a:lumMod val="50000"/>
+                    <a:lumOff val="50000"/>
+                  </a:schemeClr>
+                </a:solidFill>
+              </a:rPr>
+              <a:t>  - 81 signals with two peaks</a:t>
+            </a:r>
+          </a:p>
+          <a:p>
+            <a:r>
+              <a:rPr lang="en-GB" sz="1100" dirty="0">
+                <a:solidFill>
+                  <a:schemeClr val="tx1">
+                    <a:lumMod val="50000"/>
+                    <a:lumOff val="50000"/>
+                  </a:schemeClr>
+                </a:solidFill>
+              </a:rPr>
+              <a:t>  - 8 signals with three peaks</a:t>
+            </a:r>
+          </a:p>
+          <a:p>
+            <a:r>
+              <a:rPr lang="en-GB" sz="1100" dirty="0">
+                <a:solidFill>
+                  <a:schemeClr val="tx1">
+                    <a:lumMod val="50000"/>
+                    <a:lumOff val="50000"/>
+                  </a:schemeClr>
+                </a:solidFill>
+              </a:rPr>
+              <a:t>        total : 111 </a:t>
+            </a:r>
+          </a:p>
+          <a:p>
+            <a:endParaRPr lang="en-GB" sz="1100" dirty="0">
+              <a:solidFill>
+                <a:schemeClr val="tx1">
+                  <a:lumMod val="50000"/>
+                  <a:lumOff val="50000"/>
+                </a:schemeClr>
+              </a:solidFill>
+            </a:endParaRPr>
+          </a:p>
+          <a:p>
+            <a:r>
+              <a:rPr lang="en-GB" sz="1100" b="1" i="1" dirty="0">
+                <a:solidFill>
+                  <a:schemeClr val="tx1">
+                    <a:lumMod val="50000"/>
+                    <a:lumOff val="50000"/>
+                  </a:schemeClr>
+                </a:solidFill>
+              </a:rPr>
+              <a:t> MAP_C has</a:t>
+            </a:r>
+            <a:r>
+              <a:rPr lang="en-GB" sz="1100" dirty="0">
+                <a:solidFill>
+                  <a:schemeClr val="tx1">
+                    <a:lumMod val="50000"/>
+                    <a:lumOff val="50000"/>
+                  </a:schemeClr>
+                </a:solidFill>
+              </a:rPr>
+              <a:t>:</a:t>
+            </a:r>
+          </a:p>
+          <a:p>
+            <a:r>
+              <a:rPr lang="en-GB" sz="1100" dirty="0">
+                <a:solidFill>
+                  <a:schemeClr val="tx1">
+                    <a:lumMod val="50000"/>
+                    <a:lumOff val="50000"/>
+                  </a:schemeClr>
+                </a:solidFill>
+              </a:rPr>
+              <a:t>  - 25 signals with one peak</a:t>
+            </a:r>
+          </a:p>
+          <a:p>
+            <a:r>
+              <a:rPr lang="en-GB" sz="1100" dirty="0">
+                <a:solidFill>
+                  <a:schemeClr val="tx1">
+                    <a:lumMod val="50000"/>
+                    <a:lumOff val="50000"/>
+                  </a:schemeClr>
+                </a:solidFill>
+              </a:rPr>
+              <a:t>  - 42 signals with two peaks</a:t>
+            </a:r>
+          </a:p>
+          <a:p>
+            <a:r>
+              <a:rPr lang="en-GB" sz="1100" dirty="0">
+                <a:solidFill>
+                  <a:schemeClr val="tx1">
+                    <a:lumMod val="50000"/>
+                    <a:lumOff val="50000"/>
+                  </a:schemeClr>
+                </a:solidFill>
+              </a:rPr>
+              <a:t>  - 45 signals with three peaks</a:t>
+            </a:r>
+          </a:p>
+          <a:p>
+            <a:r>
+              <a:rPr lang="en-GB" sz="1100" dirty="0">
+                <a:solidFill>
+                  <a:schemeClr val="tx1">
+                    <a:lumMod val="50000"/>
+                    <a:lumOff val="50000"/>
+                  </a:schemeClr>
+                </a:solidFill>
+              </a:rPr>
+              <a:t>        total : 112 </a:t>
+            </a:r>
+          </a:p>
+        </p:txBody>
+      </p:sp>
+    </p:spTree>
+    <p:extLst>
+      <p:ext uri="{BB962C8B-B14F-4D97-AF65-F5344CB8AC3E}">
+        <p14:creationId xmlns:p14="http://schemas.microsoft.com/office/powerpoint/2010/main" val="1189488125"/>
+      </p:ext>
+    </p:extLst>
+  </p:cSld>
+  <p:clrMapOvr>
+    <a:masterClrMapping/>
+  </p:clrMapOvr>
+</p:sld>
+</file>
+
+<file path=ppt/slides/slide22.xml><?xml version="1.0" encoding="utf-8"?>
+<p:sld xmlns:a="http://schemas.openxmlformats.org/drawingml/2006/main" xmlns:r="http://schemas.openxmlformats.org/officeDocument/2006/relationships" xmlns:p="http://schemas.openxmlformats.org/presentationml/2006/main">
+  <p:cSld>
+    <p:spTree>
+      <p:nvGrpSpPr>
+        <p:cNvPr id="1" name="">
+          <a:extLst>
+            <a:ext uri="{FF2B5EF4-FFF2-40B4-BE49-F238E27FC236}">
+              <a16:creationId xmlns:a16="http://schemas.microsoft.com/office/drawing/2014/main" id="{BFC5D0E6-A780-12DF-0E51-F53C00445686}"/>
+            </a:ext>
+          </a:extLst>
+        </p:cNvPr>
+        <p:cNvGrpSpPr/>
+        <p:nvPr/>
+      </p:nvGrpSpPr>
+      <p:grpSpPr>
+        <a:xfrm>
+          <a:off x="0" y="0"/>
+          <a:ext cx="0" cy="0"/>
+          <a:chOff x="0" y="0"/>
+          <a:chExt cx="0" cy="0"/>
+        </a:xfrm>
+      </p:grpSpPr>
+      <p:sp>
+        <p:nvSpPr>
+          <p:cNvPr id="2" name="Titolo 1">
+            <a:extLst>
+              <a:ext uri="{FF2B5EF4-FFF2-40B4-BE49-F238E27FC236}">
+                <a16:creationId xmlns:a16="http://schemas.microsoft.com/office/drawing/2014/main" id="{3B8DC6F1-708F-BC3F-FCE5-B2FEEDB1DC11}"/>
+              </a:ext>
+            </a:extLst>
+          </p:cNvPr>
+          <p:cNvSpPr>
+            <a:spLocks noGrp="1"/>
+          </p:cNvSpPr>
+          <p:nvPr>
+            <p:ph type="title"/>
+          </p:nvPr>
+        </p:nvSpPr>
+        <p:spPr>
+          <a:xfrm>
+            <a:off x="838200" y="209292"/>
+            <a:ext cx="9905460" cy="971551"/>
+          </a:xfrm>
+        </p:spPr>
+        <p:txBody>
+          <a:bodyPr>
+            <a:normAutofit/>
+          </a:bodyPr>
+          <a:lstStyle/>
+          <a:p>
+            <a:r>
+              <a:rPr lang="en-US" sz="3600" dirty="0"/>
+              <a:t>Active phase duration and silent phase duration</a:t>
+            </a:r>
+          </a:p>
+        </p:txBody>
+      </p:sp>
+      <p:sp>
+        <p:nvSpPr>
+          <p:cNvPr id="4" name="Segnaposto numero diapositiva 3">
+            <a:extLst>
+              <a:ext uri="{FF2B5EF4-FFF2-40B4-BE49-F238E27FC236}">
+                <a16:creationId xmlns:a16="http://schemas.microsoft.com/office/drawing/2014/main" id="{E164CF61-E1CF-F74C-2159-A586C32AD5B3}"/>
+              </a:ext>
+            </a:extLst>
+          </p:cNvPr>
+          <p:cNvSpPr>
+            <a:spLocks noGrp="1"/>
+          </p:cNvSpPr>
+          <p:nvPr>
+            <p:ph type="sldNum" sz="quarter" idx="12"/>
+          </p:nvPr>
+        </p:nvSpPr>
+        <p:spPr/>
+        <p:txBody>
+          <a:bodyPr/>
+          <a:lstStyle/>
+          <a:p>
+            <a:fld id="{2FA0223F-D95A-431D-9A71-EDA7FA0C2F5B}" type="slidenum">
+              <a:rPr lang="en-US" smtClean="0"/>
+              <a:t>22</a:t>
+            </a:fld>
+            <a:endParaRPr lang="en-US"/>
+          </a:p>
+        </p:txBody>
+      </p:sp>
+      <p:sp>
+        <p:nvSpPr>
+          <p:cNvPr id="12" name="Rettangolo 11">
+            <a:extLst>
+              <a:ext uri="{FF2B5EF4-FFF2-40B4-BE49-F238E27FC236}">
+                <a16:creationId xmlns:a16="http://schemas.microsoft.com/office/drawing/2014/main" id="{28B306EE-D40C-C081-95E6-A35B132C67E4}"/>
+              </a:ext>
+            </a:extLst>
+          </p:cNvPr>
+          <p:cNvSpPr/>
+          <p:nvPr/>
+        </p:nvSpPr>
+        <p:spPr>
+          <a:xfrm>
+            <a:off x="5468844" y="2179320"/>
+            <a:ext cx="223296" cy="160020"/>
+          </a:xfrm>
+          <a:prstGeom prst="rect">
+            <a:avLst/>
+          </a:prstGeom>
+          <a:solidFill>
+            <a:schemeClr val="bg1"/>
+          </a:solidFill>
+          <a:ln>
+            <a:solidFill>
+              <a:schemeClr val="bg1"/>
+            </a:solidFill>
+          </a:ln>
+        </p:spPr>
+        <p:style>
+          <a:lnRef idx="2">
+            <a:schemeClr val="accent1">
+              <a:shade val="15000"/>
+            </a:schemeClr>
+          </a:lnRef>
+          <a:fillRef idx="1">
+            <a:schemeClr val="accent1"/>
+          </a:fillRef>
+          <a:effectRef idx="0">
+            <a:schemeClr val="accent1"/>
+          </a:effectRef>
+          <a:fontRef idx="minor">
+            <a:schemeClr val="lt1"/>
+          </a:fontRef>
+        </p:style>
+        <p:txBody>
+          <a:bodyPr rtlCol="0" anchor="ctr"/>
+          <a:lstStyle/>
+          <a:p>
+            <a:pPr algn="ctr"/>
+            <a:endParaRPr lang="it-IT"/>
+          </a:p>
+        </p:txBody>
+      </p:sp>
+      <p:pic>
+        <p:nvPicPr>
+          <p:cNvPr id="5" name="Immagine 4" descr="Immagine che contiene testo, diagramma, schermata, linea&#10;&#10;Descrizione generata automaticamente">
+            <a:extLst>
+              <a:ext uri="{FF2B5EF4-FFF2-40B4-BE49-F238E27FC236}">
+                <a16:creationId xmlns:a16="http://schemas.microsoft.com/office/drawing/2014/main" id="{ADDFA864-11DC-DFBE-CEA6-3D72C9FE1DFA}"/>
+              </a:ext>
+            </a:extLst>
+          </p:cNvPr>
+          <p:cNvPicPr>
+            <a:picLocks noChangeAspect="1"/>
+          </p:cNvPicPr>
+          <p:nvPr/>
+        </p:nvPicPr>
+        <p:blipFill>
+          <a:blip r:embed="rId3">
+            <a:extLst>
+              <a:ext uri="{28A0092B-C50C-407E-A947-70E740481C1C}">
+                <a14:useLocalDpi xmlns:a14="http://schemas.microsoft.com/office/drawing/2010/main" val="0"/>
+              </a:ext>
+            </a:extLst>
+          </a:blip>
+          <a:stretch>
+            <a:fillRect/>
+          </a:stretch>
+        </p:blipFill>
+        <p:spPr>
+          <a:xfrm>
+            <a:off x="1859721" y="1429677"/>
+            <a:ext cx="5333559" cy="3998645"/>
+          </a:xfrm>
+          <a:prstGeom prst="rect">
+            <a:avLst/>
+          </a:prstGeom>
+        </p:spPr>
+      </p:pic>
+      <p:pic>
+        <p:nvPicPr>
+          <p:cNvPr id="7" name="Immagine 6" descr="Immagine che contiene testo, diagramma, schermata, linea&#10;&#10;Descrizione generata automaticamente">
+            <a:extLst>
+              <a:ext uri="{FF2B5EF4-FFF2-40B4-BE49-F238E27FC236}">
+                <a16:creationId xmlns:a16="http://schemas.microsoft.com/office/drawing/2014/main" id="{CEB52383-D54E-01D5-A115-9C51F855442D}"/>
+              </a:ext>
+            </a:extLst>
+          </p:cNvPr>
+          <p:cNvPicPr>
+            <a:picLocks noChangeAspect="1"/>
+          </p:cNvPicPr>
+          <p:nvPr/>
+        </p:nvPicPr>
+        <p:blipFill>
+          <a:blip r:embed="rId4">
+            <a:extLst>
+              <a:ext uri="{28A0092B-C50C-407E-A947-70E740481C1C}">
+                <a14:useLocalDpi xmlns:a14="http://schemas.microsoft.com/office/drawing/2010/main" val="0"/>
+              </a:ext>
+            </a:extLst>
+          </a:blip>
+          <a:stretch>
+            <a:fillRect/>
+          </a:stretch>
+        </p:blipFill>
+        <p:spPr>
+          <a:xfrm>
+            <a:off x="6858441" y="1429677"/>
+            <a:ext cx="5333559" cy="3998645"/>
+          </a:xfrm>
+          <a:prstGeom prst="rect">
+            <a:avLst/>
+          </a:prstGeom>
+        </p:spPr>
+      </p:pic>
+      <p:sp>
+        <p:nvSpPr>
+          <p:cNvPr id="8" name="CasellaDiTesto 7">
+            <a:extLst>
+              <a:ext uri="{FF2B5EF4-FFF2-40B4-BE49-F238E27FC236}">
+                <a16:creationId xmlns:a16="http://schemas.microsoft.com/office/drawing/2014/main" id="{732EF33B-5419-CF2E-7899-08D0CDFEC18C}"/>
+              </a:ext>
+            </a:extLst>
+          </p:cNvPr>
+          <p:cNvSpPr txBox="1"/>
+          <p:nvPr/>
+        </p:nvSpPr>
+        <p:spPr>
+          <a:xfrm>
+            <a:off x="106680" y="1429677"/>
+            <a:ext cx="1877568" cy="2970044"/>
+          </a:xfrm>
+          <a:prstGeom prst="rect">
+            <a:avLst/>
+          </a:prstGeom>
+          <a:noFill/>
+        </p:spPr>
+        <p:txBody>
+          <a:bodyPr wrap="square">
+            <a:spAutoFit/>
+          </a:bodyPr>
+          <a:lstStyle/>
+          <a:p>
+            <a:r>
+              <a:rPr lang="en-GB" sz="1100" b="1" i="1">
+                <a:solidFill>
+                  <a:schemeClr val="tx1">
+                    <a:lumMod val="50000"/>
+                    <a:lumOff val="50000"/>
+                  </a:schemeClr>
+                </a:solidFill>
+              </a:rPr>
+              <a:t>MAP_A has</a:t>
+            </a:r>
+            <a:r>
+              <a:rPr lang="en-GB" sz="1100">
+                <a:solidFill>
+                  <a:schemeClr val="tx1">
+                    <a:lumMod val="50000"/>
+                    <a:lumOff val="50000"/>
+                  </a:schemeClr>
+                </a:solidFill>
+              </a:rPr>
+              <a:t>:</a:t>
+            </a:r>
+          </a:p>
+          <a:p>
+            <a:r>
+              <a:rPr lang="en-GB" sz="1100" dirty="0">
+                <a:solidFill>
+                  <a:schemeClr val="tx1">
+                    <a:lumMod val="50000"/>
+                    <a:lumOff val="50000"/>
+                  </a:schemeClr>
+                </a:solidFill>
+              </a:rPr>
+              <a:t>  - 198 signals with one peak</a:t>
+            </a:r>
+          </a:p>
+          <a:p>
+            <a:r>
+              <a:rPr lang="en-GB" sz="1100" dirty="0">
+                <a:solidFill>
+                  <a:schemeClr val="tx1">
+                    <a:lumMod val="50000"/>
+                    <a:lumOff val="50000"/>
+                  </a:schemeClr>
+                </a:solidFill>
+              </a:rPr>
+              <a:t>  - 490 signals with two peaks</a:t>
+            </a:r>
+          </a:p>
+          <a:p>
+            <a:r>
+              <a:rPr lang="en-GB" sz="1100" dirty="0">
+                <a:solidFill>
+                  <a:schemeClr val="tx1">
+                    <a:lumMod val="50000"/>
+                    <a:lumOff val="50000"/>
+                  </a:schemeClr>
+                </a:solidFill>
+              </a:rPr>
+              <a:t>  - 56 signals with three peaks</a:t>
+            </a:r>
+          </a:p>
+          <a:p>
+            <a:r>
+              <a:rPr lang="en-GB" sz="1100" dirty="0">
+                <a:solidFill>
+                  <a:schemeClr val="tx1">
+                    <a:lumMod val="50000"/>
+                    <a:lumOff val="50000"/>
+                  </a:schemeClr>
+                </a:solidFill>
+              </a:rPr>
+              <a:t>        total : 744 </a:t>
+            </a:r>
+          </a:p>
+          <a:p>
+            <a:endParaRPr lang="en-GB" sz="1100" dirty="0">
+              <a:solidFill>
+                <a:schemeClr val="tx1">
+                  <a:lumMod val="50000"/>
+                  <a:lumOff val="50000"/>
+                </a:schemeClr>
+              </a:solidFill>
+            </a:endParaRPr>
+          </a:p>
+          <a:p>
+            <a:r>
+              <a:rPr lang="en-GB" sz="1100" dirty="0">
+                <a:solidFill>
+                  <a:schemeClr val="tx1">
+                    <a:lumMod val="50000"/>
+                    <a:lumOff val="50000"/>
+                  </a:schemeClr>
+                </a:solidFill>
+              </a:rPr>
+              <a:t> </a:t>
+            </a:r>
+            <a:r>
+              <a:rPr lang="en-GB" sz="1100" b="1" i="1" dirty="0">
+                <a:solidFill>
+                  <a:schemeClr val="tx1">
+                    <a:lumMod val="50000"/>
+                    <a:lumOff val="50000"/>
+                  </a:schemeClr>
+                </a:solidFill>
+              </a:rPr>
+              <a:t>MAP_B has</a:t>
+            </a:r>
+            <a:r>
+              <a:rPr lang="en-GB" sz="1100" dirty="0">
+                <a:solidFill>
+                  <a:schemeClr val="tx1">
+                    <a:lumMod val="50000"/>
+                    <a:lumOff val="50000"/>
+                  </a:schemeClr>
+                </a:solidFill>
+              </a:rPr>
+              <a:t>:</a:t>
+            </a:r>
+          </a:p>
+          <a:p>
+            <a:r>
+              <a:rPr lang="en-GB" sz="1100" dirty="0">
+                <a:solidFill>
+                  <a:schemeClr val="tx1">
+                    <a:lumMod val="50000"/>
+                    <a:lumOff val="50000"/>
+                  </a:schemeClr>
+                </a:solidFill>
+              </a:rPr>
+              <a:t>  - 22 signals with one peak</a:t>
+            </a:r>
+          </a:p>
+          <a:p>
+            <a:r>
+              <a:rPr lang="en-GB" sz="1100" dirty="0">
+                <a:solidFill>
+                  <a:schemeClr val="tx1">
+                    <a:lumMod val="50000"/>
+                    <a:lumOff val="50000"/>
+                  </a:schemeClr>
+                </a:solidFill>
+              </a:rPr>
+              <a:t>  - 81 signals with two peaks</a:t>
+            </a:r>
+          </a:p>
+          <a:p>
+            <a:r>
+              <a:rPr lang="en-GB" sz="1100" dirty="0">
+                <a:solidFill>
+                  <a:schemeClr val="tx1">
+                    <a:lumMod val="50000"/>
+                    <a:lumOff val="50000"/>
+                  </a:schemeClr>
+                </a:solidFill>
+              </a:rPr>
+              <a:t>  - 8 signals with three peaks</a:t>
+            </a:r>
+          </a:p>
+          <a:p>
+            <a:r>
+              <a:rPr lang="en-GB" sz="1100" dirty="0">
+                <a:solidFill>
+                  <a:schemeClr val="tx1">
+                    <a:lumMod val="50000"/>
+                    <a:lumOff val="50000"/>
+                  </a:schemeClr>
+                </a:solidFill>
+              </a:rPr>
+              <a:t>        total : 111 </a:t>
+            </a:r>
+          </a:p>
+          <a:p>
+            <a:endParaRPr lang="en-GB" sz="1100" dirty="0">
+              <a:solidFill>
+                <a:schemeClr val="tx1">
+                  <a:lumMod val="50000"/>
+                  <a:lumOff val="50000"/>
+                </a:schemeClr>
+              </a:solidFill>
+            </a:endParaRPr>
+          </a:p>
+          <a:p>
+            <a:r>
+              <a:rPr lang="en-GB" sz="1100" b="1" i="1" dirty="0">
+                <a:solidFill>
+                  <a:schemeClr val="tx1">
+                    <a:lumMod val="50000"/>
+                    <a:lumOff val="50000"/>
+                  </a:schemeClr>
+                </a:solidFill>
+              </a:rPr>
+              <a:t> MAP_C has</a:t>
+            </a:r>
+            <a:r>
+              <a:rPr lang="en-GB" sz="1100" dirty="0">
+                <a:solidFill>
+                  <a:schemeClr val="tx1">
+                    <a:lumMod val="50000"/>
+                    <a:lumOff val="50000"/>
+                  </a:schemeClr>
+                </a:solidFill>
+              </a:rPr>
+              <a:t>:</a:t>
+            </a:r>
+          </a:p>
+          <a:p>
+            <a:r>
+              <a:rPr lang="en-GB" sz="1100" dirty="0">
+                <a:solidFill>
+                  <a:schemeClr val="tx1">
+                    <a:lumMod val="50000"/>
+                    <a:lumOff val="50000"/>
+                  </a:schemeClr>
+                </a:solidFill>
+              </a:rPr>
+              <a:t>  - 25 signals with one peak</a:t>
+            </a:r>
+          </a:p>
+          <a:p>
+            <a:r>
+              <a:rPr lang="en-GB" sz="1100" dirty="0">
+                <a:solidFill>
+                  <a:schemeClr val="tx1">
+                    <a:lumMod val="50000"/>
+                    <a:lumOff val="50000"/>
+                  </a:schemeClr>
+                </a:solidFill>
+              </a:rPr>
+              <a:t>  - 42 signals with two peaks</a:t>
+            </a:r>
+          </a:p>
+          <a:p>
+            <a:r>
+              <a:rPr lang="en-GB" sz="1100" dirty="0">
+                <a:solidFill>
+                  <a:schemeClr val="tx1">
+                    <a:lumMod val="50000"/>
+                    <a:lumOff val="50000"/>
+                  </a:schemeClr>
+                </a:solidFill>
+              </a:rPr>
+              <a:t>  - 45 signals with three peaks</a:t>
+            </a:r>
+          </a:p>
+          <a:p>
+            <a:r>
+              <a:rPr lang="en-GB" sz="1100" dirty="0">
+                <a:solidFill>
+                  <a:schemeClr val="tx1">
+                    <a:lumMod val="50000"/>
+                    <a:lumOff val="50000"/>
+                  </a:schemeClr>
+                </a:solidFill>
+              </a:rPr>
+              <a:t>        total : 112 </a:t>
+            </a:r>
+          </a:p>
+        </p:txBody>
+      </p:sp>
+    </p:spTree>
+    <p:extLst>
+      <p:ext uri="{BB962C8B-B14F-4D97-AF65-F5344CB8AC3E}">
+        <p14:creationId xmlns:p14="http://schemas.microsoft.com/office/powerpoint/2010/main" val="3944192804"/>
+      </p:ext>
+    </p:extLst>
+  </p:cSld>
+  <p:clrMapOvr>
+    <a:masterClrMapping/>
+  </p:clrMapOvr>
+</p:sld>
+</file>
+
+<file path=ppt/slides/slide23.xml><?xml version="1.0" encoding="utf-8"?>
+<p:sld xmlns:a="http://schemas.openxmlformats.org/drawingml/2006/main" xmlns:r="http://schemas.openxmlformats.org/officeDocument/2006/relationships" xmlns:p="http://schemas.openxmlformats.org/presentationml/2006/main">
+  <p:cSld>
+    <p:spTree>
+      <p:nvGrpSpPr>
+        <p:cNvPr id="1" name="">
+          <a:extLst>
+            <a:ext uri="{FF2B5EF4-FFF2-40B4-BE49-F238E27FC236}">
+              <a16:creationId xmlns:a16="http://schemas.microsoft.com/office/drawing/2014/main" id="{C8716F1A-0AFE-AF76-D8AF-2BE6B8D9C22D}"/>
+            </a:ext>
+          </a:extLst>
+        </p:cNvPr>
+        <p:cNvGrpSpPr/>
+        <p:nvPr/>
+      </p:nvGrpSpPr>
+      <p:grpSpPr>
+        <a:xfrm>
+          <a:off x="0" y="0"/>
+          <a:ext cx="0" cy="0"/>
+          <a:chOff x="0" y="0"/>
+          <a:chExt cx="0" cy="0"/>
+        </a:xfrm>
+      </p:grpSpPr>
+      <p:sp>
+        <p:nvSpPr>
+          <p:cNvPr id="2" name="Titolo 1">
+            <a:extLst>
+              <a:ext uri="{FF2B5EF4-FFF2-40B4-BE49-F238E27FC236}">
+                <a16:creationId xmlns:a16="http://schemas.microsoft.com/office/drawing/2014/main" id="{0AEF822D-BB46-1C5F-AA15-BE3A287E1E24}"/>
+              </a:ext>
+            </a:extLst>
+          </p:cNvPr>
+          <p:cNvSpPr>
+            <a:spLocks noGrp="1"/>
+          </p:cNvSpPr>
+          <p:nvPr>
+            <p:ph type="title"/>
+          </p:nvPr>
+        </p:nvSpPr>
+        <p:spPr/>
+        <p:txBody>
+          <a:bodyPr/>
+          <a:lstStyle/>
+          <a:p>
+            <a:r>
+              <a:rPr lang="en-US" dirty="0"/>
+              <a:t>Outline </a:t>
+            </a:r>
+          </a:p>
+        </p:txBody>
+      </p:sp>
+      <p:sp>
+        <p:nvSpPr>
+          <p:cNvPr id="3" name="Segnaposto contenuto 2">
+            <a:extLst>
+              <a:ext uri="{FF2B5EF4-FFF2-40B4-BE49-F238E27FC236}">
+                <a16:creationId xmlns:a16="http://schemas.microsoft.com/office/drawing/2014/main" id="{7344E101-7B1D-E967-7150-D87F00504C87}"/>
+              </a:ext>
+            </a:extLst>
+          </p:cNvPr>
+          <p:cNvSpPr>
+            <a:spLocks noGrp="1"/>
+          </p:cNvSpPr>
+          <p:nvPr>
+            <p:ph idx="1"/>
+          </p:nvPr>
+        </p:nvSpPr>
+        <p:spPr>
+          <a:xfrm>
+            <a:off x="664464" y="2041497"/>
+            <a:ext cx="10098024" cy="2613436"/>
+          </a:xfrm>
+        </p:spPr>
+        <p:txBody>
+          <a:bodyPr>
+            <a:noAutofit/>
+          </a:bodyPr>
+          <a:lstStyle/>
+          <a:p>
+            <a:r>
+              <a:rPr lang="en-US" sz="2000" dirty="0">
+                <a:solidFill>
+                  <a:schemeClr val="bg1">
+                    <a:lumMod val="65000"/>
+                  </a:schemeClr>
+                </a:solidFill>
+              </a:rPr>
+              <a:t>Aim of envelope analysis</a:t>
+            </a:r>
+          </a:p>
+          <a:p>
+            <a:r>
+              <a:rPr lang="en-US" sz="2000" dirty="0">
+                <a:solidFill>
+                  <a:schemeClr val="bg1">
+                    <a:lumMod val="65000"/>
+                  </a:schemeClr>
+                </a:solidFill>
+              </a:rPr>
+              <a:t>Envelope analysis pipeline</a:t>
+            </a:r>
+          </a:p>
+          <a:p>
+            <a:pPr lvl="1"/>
+            <a:r>
+              <a:rPr lang="en-US" sz="1600" dirty="0">
+                <a:solidFill>
+                  <a:schemeClr val="bg1">
+                    <a:lumMod val="65000"/>
+                  </a:schemeClr>
+                </a:solidFill>
+              </a:rPr>
+              <a:t>Envelope derivative</a:t>
+            </a:r>
+          </a:p>
+          <a:p>
+            <a:pPr lvl="1"/>
+            <a:r>
+              <a:rPr lang="en-US" sz="1600" dirty="0">
+                <a:solidFill>
+                  <a:schemeClr val="bg1">
+                    <a:lumMod val="65000"/>
+                  </a:schemeClr>
+                </a:solidFill>
+              </a:rPr>
+              <a:t>Derivative thresholding and merging </a:t>
+            </a:r>
+          </a:p>
+          <a:p>
+            <a:pPr lvl="1"/>
+            <a:r>
+              <a:rPr lang="en-US" sz="1600" dirty="0">
+                <a:solidFill>
+                  <a:schemeClr val="bg1">
+                    <a:lumMod val="65000"/>
+                  </a:schemeClr>
+                </a:solidFill>
+              </a:rPr>
+              <a:t>False peak detection</a:t>
+            </a:r>
+          </a:p>
+          <a:p>
+            <a:pPr lvl="1"/>
+            <a:r>
+              <a:rPr lang="en-US" sz="1600" dirty="0">
+                <a:solidFill>
+                  <a:schemeClr val="bg1">
+                    <a:lumMod val="65000"/>
+                  </a:schemeClr>
+                </a:solidFill>
+              </a:rPr>
+              <a:t>Time thresholds definition</a:t>
+            </a:r>
+          </a:p>
+          <a:p>
+            <a:r>
+              <a:rPr lang="en-US" sz="2000" dirty="0">
+                <a:solidFill>
+                  <a:schemeClr val="bg1">
+                    <a:lumMod val="65000"/>
+                  </a:schemeClr>
+                </a:solidFill>
+              </a:rPr>
+              <a:t>Results</a:t>
+            </a:r>
+          </a:p>
+          <a:p>
+            <a:pPr lvl="1"/>
+            <a:r>
+              <a:rPr lang="en-US" sz="1600" dirty="0">
+                <a:solidFill>
+                  <a:schemeClr val="bg1">
+                    <a:lumMod val="65000"/>
+                  </a:schemeClr>
+                </a:solidFill>
+              </a:rPr>
+              <a:t>Positive results</a:t>
+            </a:r>
+          </a:p>
+          <a:p>
+            <a:pPr lvl="1"/>
+            <a:r>
+              <a:rPr lang="en-US" sz="1600" dirty="0">
+                <a:solidFill>
+                  <a:schemeClr val="bg1">
+                    <a:lumMod val="65000"/>
+                  </a:schemeClr>
+                </a:solidFill>
+              </a:rPr>
+              <a:t>Misleading results</a:t>
+            </a:r>
+          </a:p>
+          <a:p>
+            <a:r>
+              <a:rPr lang="en-US" sz="2000" dirty="0">
+                <a:solidFill>
+                  <a:schemeClr val="bg1">
+                    <a:lumMod val="65000"/>
+                  </a:schemeClr>
+                </a:solidFill>
+              </a:rPr>
+              <a:t>Proposed features</a:t>
+            </a:r>
+          </a:p>
+          <a:p>
+            <a:r>
+              <a:rPr lang="en-US" sz="2000" dirty="0"/>
+              <a:t>Conclusions</a:t>
+            </a:r>
+          </a:p>
+        </p:txBody>
+      </p:sp>
+      <p:sp>
+        <p:nvSpPr>
+          <p:cNvPr id="4" name="Segnaposto numero diapositiva 3">
+            <a:extLst>
+              <a:ext uri="{FF2B5EF4-FFF2-40B4-BE49-F238E27FC236}">
+                <a16:creationId xmlns:a16="http://schemas.microsoft.com/office/drawing/2014/main" id="{A8BDAE43-4A71-6160-AECF-DCD7C5C1B14A}"/>
+              </a:ext>
+            </a:extLst>
+          </p:cNvPr>
+          <p:cNvSpPr>
+            <a:spLocks noGrp="1"/>
+          </p:cNvSpPr>
+          <p:nvPr>
+            <p:ph type="sldNum" sz="quarter" idx="12"/>
+          </p:nvPr>
+        </p:nvSpPr>
+        <p:spPr/>
+        <p:txBody>
+          <a:bodyPr/>
+          <a:lstStyle/>
+          <a:p>
+            <a:fld id="{2FA0223F-D95A-431D-9A71-EDA7FA0C2F5B}" type="slidenum">
+              <a:rPr lang="en-US" smtClean="0"/>
+              <a:t>23</a:t>
+            </a:fld>
+            <a:endParaRPr lang="en-US" dirty="0"/>
+          </a:p>
+        </p:txBody>
+      </p:sp>
+    </p:spTree>
+    <p:extLst>
+      <p:ext uri="{BB962C8B-B14F-4D97-AF65-F5344CB8AC3E}">
+        <p14:creationId xmlns:p14="http://schemas.microsoft.com/office/powerpoint/2010/main" val="3273992052"/>
+      </p:ext>
+    </p:extLst>
+  </p:cSld>
+  <p:clrMapOvr>
+    <a:masterClrMapping/>
+  </p:clrMapOvr>
+</p:sld>
+</file>
+
+<file path=ppt/slides/slide24.xml><?xml version="1.0" encoding="utf-8"?>
 <p:sld xmlns:a="http://schemas.openxmlformats.org/drawingml/2006/main" xmlns:r="http://schemas.openxmlformats.org/officeDocument/2006/relationships" xmlns:p="http://schemas.openxmlformats.org/presentationml/2006/main">
   <p:cSld>
     <p:spTree>
@@ -6287,7 +11498,7 @@
           <a:p>
             <a:fld id="{2FA0223F-D95A-431D-9A71-EDA7FA0C2F5B}" type="slidenum">
               <a:rPr lang="en-US" smtClean="0"/>
-              <a:t>13</a:t>
+              <a:t>24</a:t>
             </a:fld>
             <a:endParaRPr lang="en-US"/>
           </a:p>
@@ -6419,8 +11630,8 @@
         </p:nvSpPr>
         <p:spPr>
           <a:xfrm>
-            <a:off x="607277" y="1606160"/>
-            <a:ext cx="10274083" cy="3916816"/>
+            <a:off x="620630" y="1487288"/>
+            <a:ext cx="10950739" cy="4792722"/>
           </a:xfrm>
         </p:spPr>
         <p:txBody>
@@ -6433,95 +11644,177 @@
               <a:buNone/>
             </a:pPr>
             <a:r>
+              <a:rPr lang="en-US" sz="1800" dirty="0"/>
+              <a:t>The proposed pipeline is a first step towards an automated detection of active phases of the signal. </a:t>
+            </a:r>
+          </a:p>
+          <a:p>
+            <a:r>
+              <a:rPr lang="en-US" sz="1600" b="1" dirty="0">
+                <a:solidFill>
+                  <a:schemeClr val="accent6"/>
+                </a:solidFill>
+              </a:rPr>
+              <a:t>Pros </a:t>
+            </a:r>
+          </a:p>
+          <a:p>
+            <a:pPr lvl="1"/>
+            <a:r>
+              <a:rPr lang="en-US" sz="1600" b="1" dirty="0"/>
+              <a:t>Automated</a:t>
+            </a:r>
+            <a:r>
               <a:rPr lang="en-US" sz="1600" dirty="0"/>
-              <a:t>…</a:t>
-            </a:r>
-          </a:p>
-          <a:p>
+              <a:t> time-windows definition</a:t>
+            </a:r>
+          </a:p>
+          <a:p>
+            <a:pPr lvl="1"/>
             <a:r>
               <a:rPr lang="en-US" sz="1600" dirty="0"/>
-              <a:t>Peak cleaning tbc</a:t>
+              <a:t>High </a:t>
+            </a:r>
+            <a:r>
+              <a:rPr lang="en-US" sz="1600" b="1" dirty="0"/>
+              <a:t>sensibility</a:t>
+            </a:r>
+            <a:r>
+              <a:rPr lang="en-US" sz="1600" dirty="0"/>
+              <a:t> even to small peaks</a:t>
+            </a:r>
+          </a:p>
+          <a:p>
+            <a:r>
+              <a:rPr lang="en-US" sz="1600" b="1" dirty="0">
+                <a:solidFill>
+                  <a:srgbClr val="C00000"/>
+                </a:solidFill>
+              </a:rPr>
+              <a:t>Cons</a:t>
             </a:r>
           </a:p>
           <a:p>
             <a:pPr lvl="1"/>
             <a:r>
-              <a:rPr lang="en-US" sz="1200" dirty="0"/>
+              <a:rPr lang="en-US" sz="1600" dirty="0"/>
+              <a:t>High </a:t>
+            </a:r>
+            <a:r>
+              <a:rPr lang="en-US" sz="1600" b="1" dirty="0"/>
+              <a:t>sensibility</a:t>
+            </a:r>
+            <a:r>
+              <a:rPr lang="en-US" sz="1600" dirty="0"/>
+              <a:t> </a:t>
+            </a:r>
+            <a:r>
+              <a:rPr lang="en-US" sz="1600" b="1" dirty="0"/>
+              <a:t>to</a:t>
+            </a:r>
+            <a:r>
+              <a:rPr lang="en-US" sz="1600" dirty="0"/>
+              <a:t> the </a:t>
+            </a:r>
+            <a:r>
+              <a:rPr lang="en-US" sz="1600" b="1" dirty="0"/>
+              <a:t>thresholds</a:t>
+            </a:r>
+            <a:r>
+              <a:rPr lang="en-US" sz="1600" dirty="0"/>
+              <a:t> used</a:t>
+            </a:r>
+          </a:p>
+          <a:p>
+            <a:pPr lvl="1"/>
+            <a:r>
+              <a:rPr lang="en-US" sz="1600" b="1" dirty="0"/>
+              <a:t>Merge</a:t>
+            </a:r>
+            <a:r>
+              <a:rPr lang="en-US" sz="1600" dirty="0"/>
+              <a:t>/</a:t>
+            </a:r>
+            <a:r>
+              <a:rPr lang="en-US" sz="1600" b="1" dirty="0"/>
+              <a:t>removing</a:t>
+            </a:r>
+            <a:r>
+              <a:rPr lang="en-US" sz="1600" dirty="0"/>
+              <a:t> rules could introduce </a:t>
+            </a:r>
+            <a:r>
+              <a:rPr lang="en-US" sz="1600" b="1" dirty="0"/>
+              <a:t>errors</a:t>
+            </a:r>
+          </a:p>
+          <a:p>
+            <a:pPr lvl="1"/>
+            <a:r>
+              <a:rPr lang="en-US" sz="1600" dirty="0"/>
+              <a:t>Peaks </a:t>
+            </a:r>
+            <a:r>
+              <a:rPr lang="en-US" sz="1600" b="1" dirty="0"/>
+              <a:t>cleaning</a:t>
+            </a:r>
+            <a:r>
+              <a:rPr lang="en-US" sz="1600" dirty="0"/>
+              <a:t> step can be </a:t>
+            </a:r>
+            <a:r>
+              <a:rPr lang="en-US" sz="1600" b="1" dirty="0"/>
+              <a:t>misleading</a:t>
+            </a:r>
+          </a:p>
+          <a:p>
+            <a:pPr lvl="2"/>
+            <a:r>
+              <a:rPr lang="en-US" sz="1600" dirty="0"/>
               <a:t>Sometimes threshold seem to be too low, leading to “false negative” peaks</a:t>
             </a:r>
           </a:p>
           <a:p>
+            <a:pPr lvl="2"/>
+            <a:r>
+              <a:rPr lang="en-US" sz="1600" dirty="0"/>
+              <a:t>But in other cases, seems to be too high, leading to “false positive” peaks</a:t>
+            </a:r>
+          </a:p>
+          <a:p>
+            <a:pPr lvl="2"/>
+            <a:r>
+              <a:rPr lang="en-US" sz="1600" dirty="0"/>
+              <a:t>In both cases the problem is related to signal amplitude together with threshold definition. More evaluations should be done.</a:t>
+            </a:r>
+          </a:p>
+          <a:p>
+            <a:pPr marL="914400" lvl="2" indent="0">
+              <a:buNone/>
+            </a:pPr>
+            <a:endParaRPr lang="en-US" sz="1600" dirty="0"/>
+          </a:p>
+          <a:p>
+            <a:pPr marL="0" indent="0">
+              <a:buNone/>
+            </a:pPr>
+            <a:r>
+              <a:rPr lang="en-US" sz="1800" dirty="0"/>
+              <a:t>Feature proposed give some initial indications for the classification:</a:t>
+            </a:r>
+          </a:p>
+          <a:p>
             <a:pPr lvl="1"/>
             <a:r>
-              <a:rPr lang="en-US" sz="1200" dirty="0"/>
-              <a:t>But in other cases seems to be too high, leading to “false positive” peaks</a:t>
+              <a:rPr lang="en-US" sz="1600" dirty="0"/>
+              <a:t>Third highest peak position and value seems to be discriminative of MAP C</a:t>
             </a:r>
           </a:p>
           <a:p>
             <a:pPr lvl="1"/>
             <a:r>
-              <a:rPr lang="en-US" sz="1200" dirty="0"/>
-              <a:t>In both cases the problem is related to signal amplitude, more complete evaluation should be done.</a:t>
-            </a:r>
-          </a:p>
-          <a:p>
-            <a:r>
               <a:rPr lang="en-US" sz="1600" dirty="0"/>
-              <a:t>Pros </a:t>
-            </a:r>
-          </a:p>
-          <a:p>
-            <a:pPr lvl="1"/>
-            <a:r>
-              <a:rPr lang="en-US" sz="1200" dirty="0"/>
-              <a:t>Automated time-windows definition</a:t>
-            </a:r>
-          </a:p>
-          <a:p>
-            <a:pPr lvl="1"/>
-            <a:r>
-              <a:rPr lang="en-US" sz="1200" dirty="0"/>
-              <a:t>High sensibility even to small peaks</a:t>
-            </a:r>
-          </a:p>
-          <a:p>
-            <a:r>
-              <a:rPr lang="en-US" sz="1600" dirty="0"/>
-              <a:t>Cons</a:t>
-            </a:r>
-          </a:p>
-          <a:p>
-            <a:pPr lvl="1"/>
-            <a:r>
-              <a:rPr lang="en-US" sz="1200" dirty="0"/>
-              <a:t>High sensibility to the thresholds used</a:t>
-            </a:r>
-          </a:p>
-          <a:p>
-            <a:r>
-              <a:rPr lang="en-US" sz="1600" dirty="0"/>
-              <a:t>Feature definition</a:t>
-            </a:r>
-          </a:p>
-          <a:p>
-            <a:pPr lvl="1"/>
-            <a:r>
-              <a:rPr lang="en-US" sz="1200" dirty="0"/>
-              <a:t>Peak ordered by magnitude</a:t>
-            </a:r>
-          </a:p>
-          <a:p>
-            <a:pPr lvl="1"/>
-            <a:r>
-              <a:rPr lang="en-US" sz="1200" dirty="0"/>
-              <a:t>Or by location</a:t>
-            </a:r>
-          </a:p>
-          <a:p>
-            <a:pPr lvl="1"/>
-            <a:r>
-              <a:rPr lang="en-US" sz="1200" dirty="0"/>
-              <a:t>Other features? Like duration of active areas, time elapsed between them and so on</a:t>
+              <a:t>Atrial/ventricular peak ratio is confirmed to be a discriminative feature for MAP A</a:t>
             </a:r>
           </a:p>
         </p:txBody>
@@ -6539,7 +11832,261 @@
 </p:sld>
 </file>
 
-<file path=ppt/slides/slide2.xml><?xml version="1.0" encoding="utf-8"?>
+<file path=ppt/slides/slide3.xml><?xml version="1.0" encoding="utf-8"?>
+<p:sld xmlns:a="http://schemas.openxmlformats.org/drawingml/2006/main" xmlns:r="http://schemas.openxmlformats.org/officeDocument/2006/relationships" xmlns:p="http://schemas.openxmlformats.org/presentationml/2006/main">
+  <p:cSld>
+    <p:spTree>
+      <p:nvGrpSpPr>
+        <p:cNvPr id="1" name="">
+          <a:extLst>
+            <a:ext uri="{FF2B5EF4-FFF2-40B4-BE49-F238E27FC236}">
+              <a16:creationId xmlns:a16="http://schemas.microsoft.com/office/drawing/2014/main" id="{C8B2EE73-67B3-2B61-2D68-95A3B9F69FB8}"/>
+            </a:ext>
+          </a:extLst>
+        </p:cNvPr>
+        <p:cNvGrpSpPr/>
+        <p:nvPr/>
+      </p:nvGrpSpPr>
+      <p:grpSpPr>
+        <a:xfrm>
+          <a:off x="0" y="0"/>
+          <a:ext cx="0" cy="0"/>
+          <a:chOff x="0" y="0"/>
+          <a:chExt cx="0" cy="0"/>
+        </a:xfrm>
+      </p:grpSpPr>
+      <p:sp>
+        <p:nvSpPr>
+          <p:cNvPr id="2" name="Titolo 1">
+            <a:extLst>
+              <a:ext uri="{FF2B5EF4-FFF2-40B4-BE49-F238E27FC236}">
+                <a16:creationId xmlns:a16="http://schemas.microsoft.com/office/drawing/2014/main" id="{AA5ED40E-CBE3-66CD-59AA-F374A35725C0}"/>
+              </a:ext>
+            </a:extLst>
+          </p:cNvPr>
+          <p:cNvSpPr>
+            <a:spLocks noGrp="1"/>
+          </p:cNvSpPr>
+          <p:nvPr>
+            <p:ph type="title"/>
+          </p:nvPr>
+        </p:nvSpPr>
+        <p:spPr/>
+        <p:txBody>
+          <a:bodyPr/>
+          <a:lstStyle/>
+          <a:p>
+            <a:r>
+              <a:rPr lang="en-US" dirty="0"/>
+              <a:t>Outline </a:t>
+            </a:r>
+          </a:p>
+        </p:txBody>
+      </p:sp>
+      <p:sp>
+        <p:nvSpPr>
+          <p:cNvPr id="3" name="Segnaposto contenuto 2">
+            <a:extLst>
+              <a:ext uri="{FF2B5EF4-FFF2-40B4-BE49-F238E27FC236}">
+                <a16:creationId xmlns:a16="http://schemas.microsoft.com/office/drawing/2014/main" id="{83A1B4B2-729A-2DAA-41DA-093D8D941E74}"/>
+              </a:ext>
+            </a:extLst>
+          </p:cNvPr>
+          <p:cNvSpPr>
+            <a:spLocks noGrp="1"/>
+          </p:cNvSpPr>
+          <p:nvPr>
+            <p:ph idx="1"/>
+          </p:nvPr>
+        </p:nvSpPr>
+        <p:spPr>
+          <a:xfrm>
+            <a:off x="664464" y="2041497"/>
+            <a:ext cx="10098024" cy="2613436"/>
+          </a:xfrm>
+        </p:spPr>
+        <p:txBody>
+          <a:bodyPr>
+            <a:noAutofit/>
+          </a:bodyPr>
+          <a:lstStyle/>
+          <a:p>
+            <a:r>
+              <a:rPr lang="en-US" sz="2000" dirty="0"/>
+              <a:t>Aim of envelope analysis</a:t>
+            </a:r>
+          </a:p>
+          <a:p>
+            <a:r>
+              <a:rPr lang="en-US" sz="2000" dirty="0">
+                <a:solidFill>
+                  <a:schemeClr val="bg1">
+                    <a:lumMod val="65000"/>
+                  </a:schemeClr>
+                </a:solidFill>
+              </a:rPr>
+              <a:t>Envelope analysis pipeline</a:t>
+            </a:r>
+          </a:p>
+          <a:p>
+            <a:pPr lvl="1"/>
+            <a:r>
+              <a:rPr lang="en-US" sz="1600" dirty="0">
+                <a:solidFill>
+                  <a:schemeClr val="bg1">
+                    <a:lumMod val="65000"/>
+                  </a:schemeClr>
+                </a:solidFill>
+              </a:rPr>
+              <a:t>Envelope derivative</a:t>
+            </a:r>
+          </a:p>
+          <a:p>
+            <a:pPr lvl="1"/>
+            <a:r>
+              <a:rPr lang="en-US" sz="1600" dirty="0">
+                <a:solidFill>
+                  <a:schemeClr val="bg1">
+                    <a:lumMod val="65000"/>
+                  </a:schemeClr>
+                </a:solidFill>
+              </a:rPr>
+              <a:t>Derivative thresholding and merging </a:t>
+            </a:r>
+          </a:p>
+          <a:p>
+            <a:pPr lvl="1"/>
+            <a:r>
+              <a:rPr lang="en-US" sz="1600" dirty="0">
+                <a:solidFill>
+                  <a:schemeClr val="bg1">
+                    <a:lumMod val="65000"/>
+                  </a:schemeClr>
+                </a:solidFill>
+              </a:rPr>
+              <a:t>False peak detection</a:t>
+            </a:r>
+          </a:p>
+          <a:p>
+            <a:pPr lvl="1"/>
+            <a:r>
+              <a:rPr lang="en-US" sz="1600" dirty="0">
+                <a:solidFill>
+                  <a:schemeClr val="bg1">
+                    <a:lumMod val="65000"/>
+                  </a:schemeClr>
+                </a:solidFill>
+              </a:rPr>
+              <a:t>Time thresholds definition</a:t>
+            </a:r>
+          </a:p>
+          <a:p>
+            <a:r>
+              <a:rPr lang="en-US" sz="2000" dirty="0">
+                <a:solidFill>
+                  <a:schemeClr val="bg1">
+                    <a:lumMod val="65000"/>
+                  </a:schemeClr>
+                </a:solidFill>
+              </a:rPr>
+              <a:t>Results</a:t>
+            </a:r>
+          </a:p>
+          <a:p>
+            <a:pPr lvl="1"/>
+            <a:r>
+              <a:rPr lang="en-US" sz="1600" dirty="0">
+                <a:solidFill>
+                  <a:schemeClr val="bg1">
+                    <a:lumMod val="65000"/>
+                  </a:schemeClr>
+                </a:solidFill>
+              </a:rPr>
+              <a:t>Positive results</a:t>
+            </a:r>
+          </a:p>
+          <a:p>
+            <a:pPr lvl="1"/>
+            <a:r>
+              <a:rPr lang="en-US" sz="1600" dirty="0">
+                <a:solidFill>
+                  <a:schemeClr val="bg1">
+                    <a:lumMod val="65000"/>
+                  </a:schemeClr>
+                </a:solidFill>
+              </a:rPr>
+              <a:t>Misleading results</a:t>
+            </a:r>
+          </a:p>
+          <a:p>
+            <a:r>
+              <a:rPr lang="en-US" sz="2000" dirty="0">
+                <a:solidFill>
+                  <a:schemeClr val="bg1">
+                    <a:lumMod val="65000"/>
+                  </a:schemeClr>
+                </a:solidFill>
+              </a:rPr>
+              <a:t>Proposed features</a:t>
+            </a:r>
+          </a:p>
+          <a:p>
+            <a:r>
+              <a:rPr lang="en-US" sz="2000" dirty="0">
+                <a:solidFill>
+                  <a:schemeClr val="bg1">
+                    <a:lumMod val="65000"/>
+                  </a:schemeClr>
+                </a:solidFill>
+              </a:rPr>
+              <a:t>Conclusions</a:t>
+            </a:r>
+          </a:p>
+        </p:txBody>
+      </p:sp>
+      <p:sp>
+        <p:nvSpPr>
+          <p:cNvPr id="4" name="Segnaposto numero diapositiva 3">
+            <a:extLst>
+              <a:ext uri="{FF2B5EF4-FFF2-40B4-BE49-F238E27FC236}">
+                <a16:creationId xmlns:a16="http://schemas.microsoft.com/office/drawing/2014/main" id="{87FB660F-5ED4-ABF6-9B9F-32F68A8A51DE}"/>
+              </a:ext>
+            </a:extLst>
+          </p:cNvPr>
+          <p:cNvSpPr>
+            <a:spLocks noGrp="1"/>
+          </p:cNvSpPr>
+          <p:nvPr>
+            <p:ph type="sldNum" sz="quarter" idx="12"/>
+          </p:nvPr>
+        </p:nvSpPr>
+        <p:spPr/>
+        <p:txBody>
+          <a:bodyPr/>
+          <a:lstStyle/>
+          <a:p>
+            <a:fld id="{2FA0223F-D95A-431D-9A71-EDA7FA0C2F5B}" type="slidenum">
+              <a:rPr lang="en-US" smtClean="0"/>
+              <a:t>3</a:t>
+            </a:fld>
+            <a:endParaRPr lang="en-US" dirty="0"/>
+          </a:p>
+        </p:txBody>
+      </p:sp>
+    </p:spTree>
+    <p:extLst>
+      <p:ext uri="{BB962C8B-B14F-4D97-AF65-F5344CB8AC3E}">
+        <p14:creationId xmlns:p14="http://schemas.microsoft.com/office/powerpoint/2010/main" val="3533214471"/>
+      </p:ext>
+    </p:extLst>
+  </p:cSld>
+  <p:clrMapOvr>
+    <a:masterClrMapping/>
+  </p:clrMapOvr>
+</p:sld>
+</file>
+
+<file path=ppt/slides/slide4.xml><?xml version="1.0" encoding="utf-8"?>
 <p:sld xmlns:a="http://schemas.openxmlformats.org/drawingml/2006/main" xmlns:r="http://schemas.openxmlformats.org/officeDocument/2006/relationships" xmlns:p="http://schemas.openxmlformats.org/presentationml/2006/main">
   <p:cSld>
     <p:spTree>
@@ -6592,7 +12139,7 @@
           <a:p>
             <a:r>
               <a:rPr lang="en-US" sz="3600" dirty="0"/>
-              <a:t>Envelope definition</a:t>
+              <a:t>Aim of envelope analysis</a:t>
             </a:r>
           </a:p>
         </p:txBody>
@@ -6620,7 +12167,7 @@
           <a:p>
             <a:fld id="{2FA0223F-D95A-431D-9A71-EDA7FA0C2F5B}" type="slidenum">
               <a:rPr lang="en-US" smtClean="0"/>
-              <a:t>2</a:t>
+              <a:t>4</a:t>
             </a:fld>
             <a:endParaRPr lang="en-US"/>
           </a:p>
@@ -6712,6 +12259,86 @@
                 <a:noAutofit/>
               </a:bodyPr>
               <a:lstStyle/>
+              <a:p>
+                <a:pPr marL="0" indent="0">
+                  <a:buNone/>
+                </a:pPr>
+                <a:r>
+                  <a:rPr lang="en-US" sz="1200" dirty="0"/>
+                  <a:t>Proceeding with signals analysis, to build a </a:t>
+                </a:r>
+                <a:r>
+                  <a:rPr lang="en-US" sz="1200" b="1" dirty="0"/>
+                  <a:t>solid classification</a:t>
+                </a:r>
+                <a:r>
+                  <a:rPr lang="en-US" sz="1200" dirty="0"/>
+                  <a:t> it’s important to find </a:t>
+                </a:r>
+                <a:r>
+                  <a:rPr lang="en-US" sz="1200" b="1" dirty="0"/>
+                  <a:t>where</a:t>
+                </a:r>
+                <a:r>
+                  <a:rPr lang="en-US" sz="1200" dirty="0"/>
+                  <a:t> the signal has </a:t>
+                </a:r>
+                <a:r>
+                  <a:rPr lang="en-US" sz="1200" b="1" dirty="0"/>
+                  <a:t>active</a:t>
+                </a:r>
+                <a:r>
+                  <a:rPr lang="en-US" sz="1200" dirty="0"/>
+                  <a:t> </a:t>
+                </a:r>
+                <a:r>
+                  <a:rPr lang="en-US" sz="1200" b="1" dirty="0"/>
+                  <a:t>areas</a:t>
+                </a:r>
+                <a:r>
+                  <a:rPr lang="en-US" sz="1200" dirty="0"/>
+                  <a:t>. In other words, where the signal </a:t>
+                </a:r>
+                <a:r>
+                  <a:rPr lang="en-US" sz="1200" b="1" dirty="0"/>
+                  <a:t>present</a:t>
+                </a:r>
+                <a:r>
+                  <a:rPr lang="en-US" sz="1200" dirty="0"/>
+                  <a:t> </a:t>
+                </a:r>
+                <a:r>
+                  <a:rPr lang="en-US" sz="1200" b="1" dirty="0"/>
+                  <a:t>peaks</a:t>
+                </a:r>
+                <a:r>
+                  <a:rPr lang="en-US" sz="1200" dirty="0"/>
+                  <a:t>.</a:t>
+                </a:r>
+              </a:p>
+              <a:p>
+                <a:pPr marL="0" indent="0">
+                  <a:buNone/>
+                </a:pPr>
+                <a:r>
+                  <a:rPr lang="en-US" sz="1200" dirty="0"/>
+                  <a:t>A first step into this direction could be done using </a:t>
+                </a:r>
+                <a:r>
+                  <a:rPr lang="en-US" sz="1200" b="1" dirty="0"/>
+                  <a:t>envelope</a:t>
+                </a:r>
+                <a:r>
+                  <a:rPr lang="en-US" sz="1200" dirty="0"/>
+                  <a:t>.</a:t>
+                </a:r>
+              </a:p>
+              <a:p>
+                <a:pPr marL="0" indent="0">
+                  <a:buNone/>
+                </a:pPr>
+                <a:endParaRPr lang="en-US" sz="1200" dirty="0"/>
+              </a:p>
               <a:p>
                 <a:pPr marL="0" indent="0">
                   <a:buNone/>
@@ -6938,6 +12565,12 @@
                 <a:pPr marL="0" indent="0">
                   <a:buNone/>
                 </a:pPr>
+                <a:endParaRPr lang="en-US" sz="1200" dirty="0"/>
+              </a:p>
+              <a:p>
+                <a:pPr marL="0" indent="0">
+                  <a:buNone/>
+                </a:pPr>
                 <a:r>
                   <a:rPr lang="en-GB" sz="1400" i="1" dirty="0">
                     <a:solidFill>
@@ -7139,6 +12772,279 @@
                                         <p:tgtEl>
                                           <p:spTgt spid="9">
                                             <p:txEl>
+                                              <p:pRg st="0" end="0"/>
+                                            </p:txEl>
+                                          </p:spTgt>
+                                        </p:tgtEl>
+                                        <p:attrNameLst>
+                                          <p:attrName>style.visibility</p:attrName>
+                                        </p:attrNameLst>
+                                      </p:cBhvr>
+                                      <p:to>
+                                        <p:strVal val="visible"/>
+                                      </p:to>
+                                    </p:set>
+                                    <p:anim calcmode="lin" valueType="num">
+                                      <p:cBhvr additive="base">
+                                        <p:cTn id="7" dur="500" fill="hold"/>
+                                        <p:tgtEl>
+                                          <p:spTgt spid="9">
+                                            <p:txEl>
+                                              <p:pRg st="0" end="0"/>
+                                            </p:txEl>
+                                          </p:spTgt>
+                                        </p:tgtEl>
+                                        <p:attrNameLst>
+                                          <p:attrName>ppt_x</p:attrName>
+                                        </p:attrNameLst>
+                                      </p:cBhvr>
+                                      <p:tavLst>
+                                        <p:tav tm="0">
+                                          <p:val>
+                                            <p:strVal val="#ppt_x"/>
+                                          </p:val>
+                                        </p:tav>
+                                        <p:tav tm="100000">
+                                          <p:val>
+                                            <p:strVal val="#ppt_x"/>
+                                          </p:val>
+                                        </p:tav>
+                                      </p:tavLst>
+                                    </p:anim>
+                                    <p:anim calcmode="lin" valueType="num">
+                                      <p:cBhvr additive="base">
+                                        <p:cTn id="8" dur="500" fill="hold"/>
+                                        <p:tgtEl>
+                                          <p:spTgt spid="9">
+                                            <p:txEl>
+                                              <p:pRg st="0" end="0"/>
+                                            </p:txEl>
+                                          </p:spTgt>
+                                        </p:tgtEl>
+                                        <p:attrNameLst>
+                                          <p:attrName>ppt_y</p:attrName>
+                                        </p:attrNameLst>
+                                      </p:cBhvr>
+                                      <p:tavLst>
+                                        <p:tav tm="0">
+                                          <p:val>
+                                            <p:strVal val="1+#ppt_h/2"/>
+                                          </p:val>
+                                        </p:tav>
+                                        <p:tav tm="100000">
+                                          <p:val>
+                                            <p:strVal val="#ppt_y"/>
+                                          </p:val>
+                                        </p:tav>
+                                      </p:tavLst>
+                                    </p:anim>
+                                  </p:childTnLst>
+                                </p:cTn>
+                              </p:par>
+                              <p:par>
+                                <p:cTn id="9" presetID="2" presetClass="entr" presetSubtype="4" fill="hold" nodeType="withEffect">
+                                  <p:stCondLst>
+                                    <p:cond delay="0"/>
+                                  </p:stCondLst>
+                                  <p:childTnLst>
+                                    <p:set>
+                                      <p:cBhvr>
+                                        <p:cTn id="10" dur="1" fill="hold">
+                                          <p:stCondLst>
+                                            <p:cond delay="0"/>
+                                          </p:stCondLst>
+                                        </p:cTn>
+                                        <p:tgtEl>
+                                          <p:spTgt spid="9">
+                                            <p:txEl>
+                                              <p:pRg st="1" end="1"/>
+                                            </p:txEl>
+                                          </p:spTgt>
+                                        </p:tgtEl>
+                                        <p:attrNameLst>
+                                          <p:attrName>style.visibility</p:attrName>
+                                        </p:attrNameLst>
+                                      </p:cBhvr>
+                                      <p:to>
+                                        <p:strVal val="visible"/>
+                                      </p:to>
+                                    </p:set>
+                                    <p:anim calcmode="lin" valueType="num">
+                                      <p:cBhvr additive="base">
+                                        <p:cTn id="11" dur="500" fill="hold"/>
+                                        <p:tgtEl>
+                                          <p:spTgt spid="9">
+                                            <p:txEl>
+                                              <p:pRg st="1" end="1"/>
+                                            </p:txEl>
+                                          </p:spTgt>
+                                        </p:tgtEl>
+                                        <p:attrNameLst>
+                                          <p:attrName>ppt_x</p:attrName>
+                                        </p:attrNameLst>
+                                      </p:cBhvr>
+                                      <p:tavLst>
+                                        <p:tav tm="0">
+                                          <p:val>
+                                            <p:strVal val="#ppt_x"/>
+                                          </p:val>
+                                        </p:tav>
+                                        <p:tav tm="100000">
+                                          <p:val>
+                                            <p:strVal val="#ppt_x"/>
+                                          </p:val>
+                                        </p:tav>
+                                      </p:tavLst>
+                                    </p:anim>
+                                    <p:anim calcmode="lin" valueType="num">
+                                      <p:cBhvr additive="base">
+                                        <p:cTn id="12" dur="500" fill="hold"/>
+                                        <p:tgtEl>
+                                          <p:spTgt spid="9">
+                                            <p:txEl>
+                                              <p:pRg st="1" end="1"/>
+                                            </p:txEl>
+                                          </p:spTgt>
+                                        </p:tgtEl>
+                                        <p:attrNameLst>
+                                          <p:attrName>ppt_y</p:attrName>
+                                        </p:attrNameLst>
+                                      </p:cBhvr>
+                                      <p:tavLst>
+                                        <p:tav tm="0">
+                                          <p:val>
+                                            <p:strVal val="1+#ppt_h/2"/>
+                                          </p:val>
+                                        </p:tav>
+                                        <p:tav tm="100000">
+                                          <p:val>
+                                            <p:strVal val="#ppt_y"/>
+                                          </p:val>
+                                        </p:tav>
+                                      </p:tavLst>
+                                    </p:anim>
+                                  </p:childTnLst>
+                                </p:cTn>
+                              </p:par>
+                            </p:childTnLst>
+                          </p:cTn>
+                        </p:par>
+                      </p:childTnLst>
+                    </p:cTn>
+                  </p:par>
+                  <p:par>
+                    <p:cTn id="13" fill="hold">
+                      <p:stCondLst>
+                        <p:cond delay="indefinite"/>
+                      </p:stCondLst>
+                      <p:childTnLst>
+                        <p:par>
+                          <p:cTn id="14" fill="hold">
+                            <p:stCondLst>
+                              <p:cond delay="0"/>
+                            </p:stCondLst>
+                            <p:childTnLst>
+                              <p:par>
+                                <p:cTn id="15" presetID="2" presetClass="entr" presetSubtype="4" fill="hold" nodeType="clickEffect">
+                                  <p:stCondLst>
+                                    <p:cond delay="0"/>
+                                  </p:stCondLst>
+                                  <p:childTnLst>
+                                    <p:set>
+                                      <p:cBhvr>
+                                        <p:cTn id="16" dur="1" fill="hold">
+                                          <p:stCondLst>
+                                            <p:cond delay="0"/>
+                                          </p:stCondLst>
+                                        </p:cTn>
+                                        <p:tgtEl>
+                                          <p:spTgt spid="9">
+                                            <p:txEl>
+                                              <p:pRg st="3" end="3"/>
+                                            </p:txEl>
+                                          </p:spTgt>
+                                        </p:tgtEl>
+                                        <p:attrNameLst>
+                                          <p:attrName>style.visibility</p:attrName>
+                                        </p:attrNameLst>
+                                      </p:cBhvr>
+                                      <p:to>
+                                        <p:strVal val="visible"/>
+                                      </p:to>
+                                    </p:set>
+                                    <p:anim calcmode="lin" valueType="num">
+                                      <p:cBhvr additive="base">
+                                        <p:cTn id="17" dur="500" fill="hold"/>
+                                        <p:tgtEl>
+                                          <p:spTgt spid="9">
+                                            <p:txEl>
+                                              <p:pRg st="3" end="3"/>
+                                            </p:txEl>
+                                          </p:spTgt>
+                                        </p:tgtEl>
+                                        <p:attrNameLst>
+                                          <p:attrName>ppt_x</p:attrName>
+                                        </p:attrNameLst>
+                                      </p:cBhvr>
+                                      <p:tavLst>
+                                        <p:tav tm="0">
+                                          <p:val>
+                                            <p:strVal val="#ppt_x"/>
+                                          </p:val>
+                                        </p:tav>
+                                        <p:tav tm="100000">
+                                          <p:val>
+                                            <p:strVal val="#ppt_x"/>
+                                          </p:val>
+                                        </p:tav>
+                                      </p:tavLst>
+                                    </p:anim>
+                                    <p:anim calcmode="lin" valueType="num">
+                                      <p:cBhvr additive="base">
+                                        <p:cTn id="18" dur="500" fill="hold"/>
+                                        <p:tgtEl>
+                                          <p:spTgt spid="9">
+                                            <p:txEl>
+                                              <p:pRg st="3" end="3"/>
+                                            </p:txEl>
+                                          </p:spTgt>
+                                        </p:tgtEl>
+                                        <p:attrNameLst>
+                                          <p:attrName>ppt_y</p:attrName>
+                                        </p:attrNameLst>
+                                      </p:cBhvr>
+                                      <p:tavLst>
+                                        <p:tav tm="0">
+                                          <p:val>
+                                            <p:strVal val="1+#ppt_h/2"/>
+                                          </p:val>
+                                        </p:tav>
+                                        <p:tav tm="100000">
+                                          <p:val>
+                                            <p:strVal val="#ppt_y"/>
+                                          </p:val>
+                                        </p:tav>
+                                      </p:tavLst>
+                                    </p:anim>
+                                  </p:childTnLst>
+                                </p:cTn>
+                              </p:par>
+                              <p:par>
+                                <p:cTn id="19" presetID="2" presetClass="entr" presetSubtype="4" fill="hold" nodeType="withEffect">
+                                  <p:stCondLst>
+                                    <p:cond delay="0"/>
+                                  </p:stCondLst>
+                                  <p:childTnLst>
+                                    <p:set>
+                                      <p:cBhvr>
+                                        <p:cTn id="20" dur="1" fill="hold">
+                                          <p:stCondLst>
+                                            <p:cond delay="0"/>
+                                          </p:stCondLst>
+                                        </p:cTn>
+                                        <p:tgtEl>
+                                          <p:spTgt spid="9">
+                                            <p:txEl>
                                               <p:pRg st="5" end="5"/>
                                             </p:txEl>
                                           </p:spTgt>
@@ -7153,7 +13059,7 @@
                                     </p:set>
                                     <p:anim calcmode="lin" valueType="num">
                                       <p:cBhvr additive="base">
-                                        <p:cTn id="7" dur="500" fill="hold"/>
+                                        <p:cTn id="21" dur="500" fill="hold"/>
                                         <p:tgtEl>
                                           <p:spTgt spid="9">
                                             <p:txEl>
@@ -7180,11 +13086,319 @@
                                     </p:anim>
                                     <p:anim calcmode="lin" valueType="num">
                                       <p:cBhvr additive="base">
-                                        <p:cTn id="8" dur="500" fill="hold"/>
+                                        <p:cTn id="22" dur="500" fill="hold"/>
                                         <p:tgtEl>
                                           <p:spTgt spid="9">
                                             <p:txEl>
                                               <p:pRg st="5" end="5"/>
+                                            </p:txEl>
+                                          </p:spTgt>
+                                        </p:tgtEl>
+                                        <p:attrNameLst>
+                                          <p:attrName>ppt_y</p:attrName>
+                                        </p:attrNameLst>
+                                      </p:cBhvr>
+                                      <p:tavLst>
+                                        <p:tav tm="0">
+                                          <p:val>
+                                            <p:strVal val="1+#ppt_h/2"/>
+                                          </p:val>
+                                        </p:tav>
+                                        <p:tav tm="100000">
+                                          <p:val>
+                                            <p:strVal val="#ppt_y"/>
+                                          </p:val>
+                                        </p:tav>
+                                      </p:tavLst>
+                                    </p:anim>
+                                  </p:childTnLst>
+                                </p:cTn>
+                              </p:par>
+                              <p:par>
+                                <p:cTn id="23" presetID="2" presetClass="entr" presetSubtype="4" fill="hold" nodeType="withEffect">
+                                  <p:stCondLst>
+                                    <p:cond delay="0"/>
+                                  </p:stCondLst>
+                                  <p:childTnLst>
+                                    <p:set>
+                                      <p:cBhvr>
+                                        <p:cTn id="24" dur="1" fill="hold">
+                                          <p:stCondLst>
+                                            <p:cond delay="0"/>
+                                          </p:stCondLst>
+                                        </p:cTn>
+                                        <p:tgtEl>
+                                          <p:spTgt spid="9">
+                                            <p:txEl>
+                                              <p:pRg st="6" end="6"/>
+                                            </p:txEl>
+                                          </p:spTgt>
+                                        </p:tgtEl>
+                                        <p:attrNameLst>
+                                          <p:attrName>style.visibility</p:attrName>
+                                        </p:attrNameLst>
+                                      </p:cBhvr>
+                                      <p:to>
+                                        <p:strVal val="visible"/>
+                                      </p:to>
+                                    </p:set>
+                                    <p:anim calcmode="lin" valueType="num">
+                                      <p:cBhvr additive="base">
+                                        <p:cTn id="25" dur="500" fill="hold"/>
+                                        <p:tgtEl>
+                                          <p:spTgt spid="9">
+                                            <p:txEl>
+                                              <p:pRg st="6" end="6"/>
+                                            </p:txEl>
+                                          </p:spTgt>
+                                        </p:tgtEl>
+                                        <p:attrNameLst>
+                                          <p:attrName>ppt_x</p:attrName>
+                                        </p:attrNameLst>
+                                      </p:cBhvr>
+                                      <p:tavLst>
+                                        <p:tav tm="0">
+                                          <p:val>
+                                            <p:strVal val="#ppt_x"/>
+                                          </p:val>
+                                        </p:tav>
+                                        <p:tav tm="100000">
+                                          <p:val>
+                                            <p:strVal val="#ppt_x"/>
+                                          </p:val>
+                                        </p:tav>
+                                      </p:tavLst>
+                                    </p:anim>
+                                    <p:anim calcmode="lin" valueType="num">
+                                      <p:cBhvr additive="base">
+                                        <p:cTn id="26" dur="500" fill="hold"/>
+                                        <p:tgtEl>
+                                          <p:spTgt spid="9">
+                                            <p:txEl>
+                                              <p:pRg st="6" end="6"/>
+                                            </p:txEl>
+                                          </p:spTgt>
+                                        </p:tgtEl>
+                                        <p:attrNameLst>
+                                          <p:attrName>ppt_y</p:attrName>
+                                        </p:attrNameLst>
+                                      </p:cBhvr>
+                                      <p:tavLst>
+                                        <p:tav tm="0">
+                                          <p:val>
+                                            <p:strVal val="1+#ppt_h/2"/>
+                                          </p:val>
+                                        </p:tav>
+                                        <p:tav tm="100000">
+                                          <p:val>
+                                            <p:strVal val="#ppt_y"/>
+                                          </p:val>
+                                        </p:tav>
+                                      </p:tavLst>
+                                    </p:anim>
+                                  </p:childTnLst>
+                                </p:cTn>
+                              </p:par>
+                              <p:par>
+                                <p:cTn id="27" presetID="2" presetClass="entr" presetSubtype="4" fill="hold" nodeType="withEffect">
+                                  <p:stCondLst>
+                                    <p:cond delay="0"/>
+                                  </p:stCondLst>
+                                  <p:childTnLst>
+                                    <p:set>
+                                      <p:cBhvr>
+                                        <p:cTn id="28" dur="1" fill="hold">
+                                          <p:stCondLst>
+                                            <p:cond delay="0"/>
+                                          </p:stCondLst>
+                                        </p:cTn>
+                                        <p:tgtEl>
+                                          <p:spTgt spid="9">
+                                            <p:txEl>
+                                              <p:pRg st="7" end="7"/>
+                                            </p:txEl>
+                                          </p:spTgt>
+                                        </p:tgtEl>
+                                        <p:attrNameLst>
+                                          <p:attrName>style.visibility</p:attrName>
+                                        </p:attrNameLst>
+                                      </p:cBhvr>
+                                      <p:to>
+                                        <p:strVal val="visible"/>
+                                      </p:to>
+                                    </p:set>
+                                    <p:anim calcmode="lin" valueType="num">
+                                      <p:cBhvr additive="base">
+                                        <p:cTn id="29" dur="500" fill="hold"/>
+                                        <p:tgtEl>
+                                          <p:spTgt spid="9">
+                                            <p:txEl>
+                                              <p:pRg st="7" end="7"/>
+                                            </p:txEl>
+                                          </p:spTgt>
+                                        </p:tgtEl>
+                                        <p:attrNameLst>
+                                          <p:attrName>ppt_x</p:attrName>
+                                        </p:attrNameLst>
+                                      </p:cBhvr>
+                                      <p:tavLst>
+                                        <p:tav tm="0">
+                                          <p:val>
+                                            <p:strVal val="#ppt_x"/>
+                                          </p:val>
+                                        </p:tav>
+                                        <p:tav tm="100000">
+                                          <p:val>
+                                            <p:strVal val="#ppt_x"/>
+                                          </p:val>
+                                        </p:tav>
+                                      </p:tavLst>
+                                    </p:anim>
+                                    <p:anim calcmode="lin" valueType="num">
+                                      <p:cBhvr additive="base">
+                                        <p:cTn id="30" dur="500" fill="hold"/>
+                                        <p:tgtEl>
+                                          <p:spTgt spid="9">
+                                            <p:txEl>
+                                              <p:pRg st="7" end="7"/>
+                                            </p:txEl>
+                                          </p:spTgt>
+                                        </p:tgtEl>
+                                        <p:attrNameLst>
+                                          <p:attrName>ppt_y</p:attrName>
+                                        </p:attrNameLst>
+                                      </p:cBhvr>
+                                      <p:tavLst>
+                                        <p:tav tm="0">
+                                          <p:val>
+                                            <p:strVal val="1+#ppt_h/2"/>
+                                          </p:val>
+                                        </p:tav>
+                                        <p:tav tm="100000">
+                                          <p:val>
+                                            <p:strVal val="#ppt_y"/>
+                                          </p:val>
+                                        </p:tav>
+                                      </p:tavLst>
+                                    </p:anim>
+                                  </p:childTnLst>
+                                </p:cTn>
+                              </p:par>
+                              <p:par>
+                                <p:cTn id="31" presetID="16" presetClass="entr" presetSubtype="21" fill="hold" nodeType="withEffect">
+                                  <p:stCondLst>
+                                    <p:cond delay="0"/>
+                                  </p:stCondLst>
+                                  <p:childTnLst>
+                                    <p:set>
+                                      <p:cBhvr>
+                                        <p:cTn id="32" dur="1" fill="hold">
+                                          <p:stCondLst>
+                                            <p:cond delay="0"/>
+                                          </p:stCondLst>
+                                        </p:cTn>
+                                        <p:tgtEl>
+                                          <p:spTgt spid="5"/>
+                                        </p:tgtEl>
+                                        <p:attrNameLst>
+                                          <p:attrName>style.visibility</p:attrName>
+                                        </p:attrNameLst>
+                                      </p:cBhvr>
+                                      <p:to>
+                                        <p:strVal val="visible"/>
+                                      </p:to>
+                                    </p:set>
+                                    <p:animEffect transition="in" filter="barn(inVertical)">
+                                      <p:cBhvr>
+                                        <p:cTn id="33" dur="500"/>
+                                        <p:tgtEl>
+                                          <p:spTgt spid="5"/>
+                                        </p:tgtEl>
+                                      </p:cBhvr>
+                                    </p:animEffect>
+                                  </p:childTnLst>
+                                </p:cTn>
+                              </p:par>
+                            </p:childTnLst>
+                          </p:cTn>
+                        </p:par>
+                      </p:childTnLst>
+                    </p:cTn>
+                  </p:par>
+                  <p:par>
+                    <p:cTn id="34" fill="hold">
+                      <p:stCondLst>
+                        <p:cond delay="indefinite"/>
+                      </p:stCondLst>
+                      <p:childTnLst>
+                        <p:par>
+                          <p:cTn id="35" fill="hold">
+                            <p:stCondLst>
+                              <p:cond delay="0"/>
+                            </p:stCondLst>
+                            <p:childTnLst>
+                              <p:par>
+                                <p:cTn id="36" presetID="2" presetClass="entr" presetSubtype="4" fill="hold" nodeType="clickEffect">
+                                  <p:stCondLst>
+                                    <p:cond delay="0"/>
+                                  </p:stCondLst>
+                                  <p:childTnLst>
+                                    <p:set>
+                                      <p:cBhvr>
+                                        <p:cTn id="37" dur="1" fill="hold">
+                                          <p:stCondLst>
+                                            <p:cond delay="0"/>
+                                          </p:stCondLst>
+                                        </p:cTn>
+                                        <p:tgtEl>
+                                          <p:spTgt spid="9">
+                                            <p:txEl>
+                                              <p:pRg st="9" end="9"/>
+                                            </p:txEl>
+                                          </p:spTgt>
+                                        </p:tgtEl>
+                                        <p:attrNameLst>
+                                          <p:attrName>style.visibility</p:attrName>
+                                        </p:attrNameLst>
+                                      </p:cBhvr>
+                                      <p:to>
+                                        <p:strVal val="visible"/>
+                                      </p:to>
+                                    </p:set>
+                                    <p:anim calcmode="lin" valueType="num">
+                                      <p:cBhvr additive="base">
+                                        <p:cTn id="38" dur="500" fill="hold"/>
+                                        <p:tgtEl>
+                                          <p:spTgt spid="9">
+                                            <p:txEl>
+                                              <p:pRg st="9" end="9"/>
+                                            </p:txEl>
+                                          </p:spTgt>
+                                        </p:tgtEl>
+                                        <p:attrNameLst>
+                                          <p:attrName>ppt_x</p:attrName>
+                                        </p:attrNameLst>
+                                      </p:cBhvr>
+                                      <p:tavLst>
+                                        <p:tav tm="0">
+                                          <p:val>
+                                            <p:strVal val="#ppt_x"/>
+                                          </p:val>
+                                        </p:tav>
+                                        <p:tav tm="100000">
+                                          <p:val>
+                                            <p:strVal val="#ppt_x"/>
+                                          </p:val>
+                                        </p:tav>
+                                      </p:tavLst>
+                                    </p:anim>
+                                    <p:anim calcmode="lin" valueType="num">
+                                      <p:cBhvr additive="base">
+                                        <p:cTn id="39" dur="500" fill="hold"/>
+                                        <p:tgtEl>
+                                          <p:spTgt spid="9">
+                                            <p:txEl>
+                                              <p:pRg st="9" end="9"/>
                                             </p:txEl>
                                           </p:spTgt>
                                         </p:tgtEl>
@@ -7239,7 +13453,237 @@
 </p:sld>
 </file>
 
-<file path=ppt/slides/slide3.xml><?xml version="1.0" encoding="utf-8"?>
+<file path=ppt/slides/slide5.xml><?xml version="1.0" encoding="utf-8"?>
+<p:sld xmlns:a="http://schemas.openxmlformats.org/drawingml/2006/main" xmlns:r="http://schemas.openxmlformats.org/officeDocument/2006/relationships" xmlns:p="http://schemas.openxmlformats.org/presentationml/2006/main">
+  <p:cSld>
+    <p:spTree>
+      <p:nvGrpSpPr>
+        <p:cNvPr id="1" name="">
+          <a:extLst>
+            <a:ext uri="{FF2B5EF4-FFF2-40B4-BE49-F238E27FC236}">
+              <a16:creationId xmlns:a16="http://schemas.microsoft.com/office/drawing/2014/main" id="{CB7FFB0E-D8A9-C90B-F888-73F0CBACC70F}"/>
+            </a:ext>
+          </a:extLst>
+        </p:cNvPr>
+        <p:cNvGrpSpPr/>
+        <p:nvPr/>
+      </p:nvGrpSpPr>
+      <p:grpSpPr>
+        <a:xfrm>
+          <a:off x="0" y="0"/>
+          <a:ext cx="0" cy="0"/>
+          <a:chOff x="0" y="0"/>
+          <a:chExt cx="0" cy="0"/>
+        </a:xfrm>
+      </p:grpSpPr>
+      <p:sp>
+        <p:nvSpPr>
+          <p:cNvPr id="2" name="Titolo 1">
+            <a:extLst>
+              <a:ext uri="{FF2B5EF4-FFF2-40B4-BE49-F238E27FC236}">
+                <a16:creationId xmlns:a16="http://schemas.microsoft.com/office/drawing/2014/main" id="{FF33689E-97C6-7C71-CF90-685B38253413}"/>
+              </a:ext>
+            </a:extLst>
+          </p:cNvPr>
+          <p:cNvSpPr>
+            <a:spLocks noGrp="1"/>
+          </p:cNvSpPr>
+          <p:nvPr>
+            <p:ph type="title"/>
+          </p:nvPr>
+        </p:nvSpPr>
+        <p:spPr/>
+        <p:txBody>
+          <a:bodyPr/>
+          <a:lstStyle/>
+          <a:p>
+            <a:r>
+              <a:rPr lang="en-US" dirty="0"/>
+              <a:t>Outline </a:t>
+            </a:r>
+          </a:p>
+        </p:txBody>
+      </p:sp>
+      <p:sp>
+        <p:nvSpPr>
+          <p:cNvPr id="3" name="Segnaposto contenuto 2">
+            <a:extLst>
+              <a:ext uri="{FF2B5EF4-FFF2-40B4-BE49-F238E27FC236}">
+                <a16:creationId xmlns:a16="http://schemas.microsoft.com/office/drawing/2014/main" id="{5EBD937E-F0EB-1B29-F578-C69B295DD894}"/>
+              </a:ext>
+            </a:extLst>
+          </p:cNvPr>
+          <p:cNvSpPr>
+            <a:spLocks noGrp="1"/>
+          </p:cNvSpPr>
+          <p:nvPr>
+            <p:ph idx="1"/>
+          </p:nvPr>
+        </p:nvSpPr>
+        <p:spPr>
+          <a:xfrm>
+            <a:off x="664464" y="2041497"/>
+            <a:ext cx="10098024" cy="2613436"/>
+          </a:xfrm>
+        </p:spPr>
+        <p:txBody>
+          <a:bodyPr>
+            <a:noAutofit/>
+          </a:bodyPr>
+          <a:lstStyle/>
+          <a:p>
+            <a:r>
+              <a:rPr lang="en-US" sz="2000" dirty="0">
+                <a:solidFill>
+                  <a:schemeClr val="bg1">
+                    <a:lumMod val="65000"/>
+                  </a:schemeClr>
+                </a:solidFill>
+              </a:rPr>
+              <a:t>Aim of envelope analysis</a:t>
+            </a:r>
+          </a:p>
+          <a:p>
+            <a:r>
+              <a:rPr lang="en-US" sz="2000" dirty="0"/>
+              <a:t>Envelope analysis pipeline</a:t>
+            </a:r>
+          </a:p>
+          <a:p>
+            <a:pPr lvl="1"/>
+            <a:r>
+              <a:rPr lang="en-US" sz="1600" dirty="0"/>
+              <a:t>Envelope derivative</a:t>
+            </a:r>
+          </a:p>
+          <a:p>
+            <a:pPr lvl="1"/>
+            <a:r>
+              <a:rPr lang="en-US" sz="1600" dirty="0"/>
+              <a:t>Derivative thresholding and merging </a:t>
+            </a:r>
+          </a:p>
+          <a:p>
+            <a:pPr lvl="1"/>
+            <a:r>
+              <a:rPr lang="en-US" sz="1600" dirty="0"/>
+              <a:t>False peak detection</a:t>
+            </a:r>
+          </a:p>
+          <a:p>
+            <a:pPr lvl="1"/>
+            <a:r>
+              <a:rPr lang="en-US" sz="1600" dirty="0"/>
+              <a:t>Time thresholds definition</a:t>
+            </a:r>
+          </a:p>
+          <a:p>
+            <a:r>
+              <a:rPr lang="en-US" sz="2000" dirty="0">
+                <a:solidFill>
+                  <a:schemeClr val="bg1">
+                    <a:lumMod val="65000"/>
+                  </a:schemeClr>
+                </a:solidFill>
+              </a:rPr>
+              <a:t>Results</a:t>
+            </a:r>
+          </a:p>
+          <a:p>
+            <a:pPr lvl="1"/>
+            <a:r>
+              <a:rPr lang="en-US" sz="1600" dirty="0">
+                <a:solidFill>
+                  <a:schemeClr val="bg1">
+                    <a:lumMod val="65000"/>
+                  </a:schemeClr>
+                </a:solidFill>
+              </a:rPr>
+              <a:t>Positive results</a:t>
+            </a:r>
+          </a:p>
+          <a:p>
+            <a:pPr lvl="1"/>
+            <a:r>
+              <a:rPr lang="en-US" sz="1600" dirty="0">
+                <a:solidFill>
+                  <a:schemeClr val="bg1">
+                    <a:lumMod val="65000"/>
+                  </a:schemeClr>
+                </a:solidFill>
+              </a:rPr>
+              <a:t>Misleading results</a:t>
+            </a:r>
+          </a:p>
+          <a:p>
+            <a:r>
+              <a:rPr lang="en-US" sz="2000" dirty="0">
+                <a:solidFill>
+                  <a:schemeClr val="bg1">
+                    <a:lumMod val="65000"/>
+                  </a:schemeClr>
+                </a:solidFill>
+              </a:rPr>
+              <a:t>Proposed features</a:t>
+            </a:r>
+          </a:p>
+          <a:p>
+            <a:r>
+              <a:rPr lang="en-US" sz="2000" dirty="0">
+                <a:solidFill>
+                  <a:schemeClr val="bg1">
+                    <a:lumMod val="65000"/>
+                  </a:schemeClr>
+                </a:solidFill>
+              </a:rPr>
+              <a:t>Conclusions</a:t>
+            </a:r>
+          </a:p>
+        </p:txBody>
+      </p:sp>
+      <p:sp>
+        <p:nvSpPr>
+          <p:cNvPr id="4" name="Segnaposto numero diapositiva 3">
+            <a:extLst>
+              <a:ext uri="{FF2B5EF4-FFF2-40B4-BE49-F238E27FC236}">
+                <a16:creationId xmlns:a16="http://schemas.microsoft.com/office/drawing/2014/main" id="{037B2783-6552-4BB4-9241-0C80F5E04168}"/>
+              </a:ext>
+            </a:extLst>
+          </p:cNvPr>
+          <p:cNvSpPr>
+            <a:spLocks noGrp="1"/>
+          </p:cNvSpPr>
+          <p:nvPr>
+            <p:ph type="sldNum" sz="quarter" idx="12"/>
+          </p:nvPr>
+        </p:nvSpPr>
+        <p:spPr/>
+        <p:txBody>
+          <a:bodyPr/>
+          <a:lstStyle/>
+          <a:p>
+            <a:fld id="{2FA0223F-D95A-431D-9A71-EDA7FA0C2F5B}" type="slidenum">
+              <a:rPr lang="en-US" smtClean="0"/>
+              <a:t>5</a:t>
+            </a:fld>
+            <a:endParaRPr lang="en-US" dirty="0"/>
+          </a:p>
+        </p:txBody>
+      </p:sp>
+    </p:spTree>
+    <p:extLst>
+      <p:ext uri="{BB962C8B-B14F-4D97-AF65-F5344CB8AC3E}">
+        <p14:creationId xmlns:p14="http://schemas.microsoft.com/office/powerpoint/2010/main" val="893604707"/>
+      </p:ext>
+    </p:extLst>
+  </p:cSld>
+  <p:clrMapOvr>
+    <a:masterClrMapping/>
+  </p:clrMapOvr>
+</p:sld>
+</file>
+
+<file path=ppt/slides/slide6.xml><?xml version="1.0" encoding="utf-8"?>
 <p:sld xmlns:a="http://schemas.openxmlformats.org/drawingml/2006/main" xmlns:r="http://schemas.openxmlformats.org/officeDocument/2006/relationships" xmlns:p="http://schemas.openxmlformats.org/presentationml/2006/main">
   <p:cSld>
     <p:spTree>
@@ -7320,7 +13764,7 @@
           <a:p>
             <a:fld id="{2FA0223F-D95A-431D-9A71-EDA7FA0C2F5B}" type="slidenum">
               <a:rPr lang="en-US" smtClean="0"/>
-              <a:t>3</a:t>
+              <a:t>6</a:t>
             </a:fld>
             <a:endParaRPr lang="en-US"/>
           </a:p>
@@ -8834,7 +15278,7 @@
 </p:sld>
 </file>
 
-<file path=ppt/slides/slide4.xml><?xml version="1.0" encoding="utf-8"?>
+<file path=ppt/slides/slide7.xml><?xml version="1.0" encoding="utf-8"?>
 <p:sld xmlns:a="http://schemas.openxmlformats.org/drawingml/2006/main" xmlns:r="http://schemas.openxmlformats.org/officeDocument/2006/relationships" xmlns:p="http://schemas.openxmlformats.org/presentationml/2006/main">
   <p:cSld>
     <p:spTree>
@@ -8915,7 +15359,7 @@
           <a:p>
             <a:fld id="{2FA0223F-D95A-431D-9A71-EDA7FA0C2F5B}" type="slidenum">
               <a:rPr lang="en-US" smtClean="0"/>
-              <a:t>4</a:t>
+              <a:t>7</a:t>
             </a:fld>
             <a:endParaRPr lang="en-US"/>
           </a:p>
@@ -8975,8 +15419,8 @@
           </a:p>
         </p:txBody>
       </p:sp>
-      <mc:AlternateContent xmlns:mc="http://schemas.openxmlformats.org/markup-compatibility/2006">
-        <mc:Choice xmlns:a14="http://schemas.microsoft.com/office/drawing/2010/main" Requires="a14">
+      <mc:AlternateContent xmlns:mc="http://schemas.openxmlformats.org/markup-compatibility/2006" xmlns:a14="http://schemas.microsoft.com/office/drawing/2010/main">
+        <mc:Choice Requires="a14">
           <p:sp>
             <p:nvSpPr>
               <p:cNvPr id="9" name="Segnaposto contenuto 2">
@@ -9377,7 +15821,7 @@
             </p:txBody>
           </p:sp>
         </mc:Choice>
-        <mc:Fallback>
+        <mc:Fallback xmlns="">
           <p:sp>
             <p:nvSpPr>
               <p:cNvPr id="9" name="Segnaposto contenuto 2">
@@ -9507,7 +15951,7 @@
 </p:sld>
 </file>
 
-<file path=ppt/slides/slide5.xml><?xml version="1.0" encoding="utf-8"?>
+<file path=ppt/slides/slide8.xml><?xml version="1.0" encoding="utf-8"?>
 <p:sld xmlns:a="http://schemas.openxmlformats.org/drawingml/2006/main" xmlns:r="http://schemas.openxmlformats.org/officeDocument/2006/relationships" xmlns:p="http://schemas.openxmlformats.org/presentationml/2006/main">
   <p:cSld>
     <p:spTree>
@@ -9588,7 +16032,7 @@
           <a:p>
             <a:fld id="{2FA0223F-D95A-431D-9A71-EDA7FA0C2F5B}" type="slidenum">
               <a:rPr lang="en-US" smtClean="0"/>
-              <a:t>5</a:t>
+              <a:t>8</a:t>
             </a:fld>
             <a:endParaRPr lang="en-US"/>
           </a:p>
@@ -9648,8 +16092,8 @@
           </a:p>
         </p:txBody>
       </p:sp>
-      <mc:AlternateContent xmlns:mc="http://schemas.openxmlformats.org/markup-compatibility/2006">
-        <mc:Choice xmlns:a14="http://schemas.microsoft.com/office/drawing/2010/main" Requires="a14">
+      <mc:AlternateContent xmlns:mc="http://schemas.openxmlformats.org/markup-compatibility/2006" xmlns:a14="http://schemas.microsoft.com/office/drawing/2010/main">
+        <mc:Choice Requires="a14">
           <p:sp>
             <p:nvSpPr>
               <p:cNvPr id="9" name="Segnaposto contenuto 2">
@@ -9949,7 +16393,7 @@
             </p:txBody>
           </p:sp>
         </mc:Choice>
-        <mc:Fallback>
+        <mc:Fallback xmlns="">
           <p:sp>
             <p:nvSpPr>
               <p:cNvPr id="9" name="Segnaposto contenuto 2">
@@ -10492,7 +16936,7 @@
 </p:sld>
 </file>
 
-<file path=ppt/slides/slide6.xml><?xml version="1.0" encoding="utf-8"?>
+<file path=ppt/slides/slide9.xml><?xml version="1.0" encoding="utf-8"?>
 <p:sld xmlns:a="http://schemas.openxmlformats.org/drawingml/2006/main" xmlns:r="http://schemas.openxmlformats.org/officeDocument/2006/relationships" xmlns:p="http://schemas.openxmlformats.org/presentationml/2006/main">
   <p:cSld>
     <p:spTree>
@@ -10573,7 +17017,7 @@
           <a:p>
             <a:fld id="{2FA0223F-D95A-431D-9A71-EDA7FA0C2F5B}" type="slidenum">
               <a:rPr lang="en-US" smtClean="0"/>
-              <a:t>6</a:t>
+              <a:t>9</a:t>
             </a:fld>
             <a:endParaRPr lang="en-US"/>
           </a:p>
@@ -10749,573 +17193,6 @@
     <p:extLst>
       <p:ext uri="{BB962C8B-B14F-4D97-AF65-F5344CB8AC3E}">
         <p14:creationId xmlns:p14="http://schemas.microsoft.com/office/powerpoint/2010/main" val="2087022184"/>
-      </p:ext>
-    </p:extLst>
-  </p:cSld>
-  <p:clrMapOvr>
-    <a:masterClrMapping/>
-  </p:clrMapOvr>
-</p:sld>
-</file>
-
-<file path=ppt/slides/slide7.xml><?xml version="1.0" encoding="utf-8"?>
-<p:sld xmlns:a="http://schemas.openxmlformats.org/drawingml/2006/main" xmlns:r="http://schemas.openxmlformats.org/officeDocument/2006/relationships" xmlns:p="http://schemas.openxmlformats.org/presentationml/2006/main">
-  <p:cSld>
-    <p:spTree>
-      <p:nvGrpSpPr>
-        <p:cNvPr id="1" name="">
-          <a:extLst>
-            <a:ext uri="{FF2B5EF4-FFF2-40B4-BE49-F238E27FC236}">
-              <a16:creationId xmlns:a16="http://schemas.microsoft.com/office/drawing/2014/main" id="{CCD224BB-616B-755B-D27E-6BBFF6A64B4A}"/>
-            </a:ext>
-          </a:extLst>
-        </p:cNvPr>
-        <p:cNvGrpSpPr/>
-        <p:nvPr/>
-      </p:nvGrpSpPr>
-      <p:grpSpPr>
-        <a:xfrm>
-          <a:off x="0" y="0"/>
-          <a:ext cx="0" cy="0"/>
-          <a:chOff x="0" y="0"/>
-          <a:chExt cx="0" cy="0"/>
-        </a:xfrm>
-      </p:grpSpPr>
-      <p:sp>
-        <p:nvSpPr>
-          <p:cNvPr id="2" name="Titolo 1">
-            <a:extLst>
-              <a:ext uri="{FF2B5EF4-FFF2-40B4-BE49-F238E27FC236}">
-                <a16:creationId xmlns:a16="http://schemas.microsoft.com/office/drawing/2014/main" id="{B5EC13F1-A12A-C669-D99C-DC2A4FC51168}"/>
-              </a:ext>
-            </a:extLst>
-          </p:cNvPr>
-          <p:cNvSpPr>
-            <a:spLocks noGrp="1"/>
-          </p:cNvSpPr>
-          <p:nvPr>
-            <p:ph type="title"/>
-          </p:nvPr>
-        </p:nvSpPr>
-        <p:spPr>
-          <a:xfrm>
-            <a:off x="838200" y="209292"/>
-            <a:ext cx="9905460" cy="971551"/>
-          </a:xfrm>
-        </p:spPr>
-        <p:txBody>
-          <a:bodyPr>
-            <a:normAutofit/>
-          </a:bodyPr>
-          <a:lstStyle/>
-          <a:p>
-            <a:r>
-              <a:rPr lang="en-US" sz="3600" dirty="0"/>
-              <a:t>MAP A: positive result</a:t>
-            </a:r>
-          </a:p>
-        </p:txBody>
-      </p:sp>
-      <p:sp>
-        <p:nvSpPr>
-          <p:cNvPr id="4" name="Segnaposto numero diapositiva 3">
-            <a:extLst>
-              <a:ext uri="{FF2B5EF4-FFF2-40B4-BE49-F238E27FC236}">
-                <a16:creationId xmlns:a16="http://schemas.microsoft.com/office/drawing/2014/main" id="{E12397AF-9C8F-EDAB-AE09-57DF4235E7E0}"/>
-              </a:ext>
-            </a:extLst>
-          </p:cNvPr>
-          <p:cNvSpPr>
-            <a:spLocks noGrp="1"/>
-          </p:cNvSpPr>
-          <p:nvPr>
-            <p:ph type="sldNum" sz="quarter" idx="12"/>
-          </p:nvPr>
-        </p:nvSpPr>
-        <p:spPr/>
-        <p:txBody>
-          <a:bodyPr/>
-          <a:lstStyle/>
-          <a:p>
-            <a:fld id="{2FA0223F-D95A-431D-9A71-EDA7FA0C2F5B}" type="slidenum">
-              <a:rPr lang="en-US" smtClean="0"/>
-              <a:t>7</a:t>
-            </a:fld>
-            <a:endParaRPr lang="en-US"/>
-          </a:p>
-        </p:txBody>
-      </p:sp>
-      <p:sp>
-        <p:nvSpPr>
-          <p:cNvPr id="12" name="Rettangolo 11">
-            <a:extLst>
-              <a:ext uri="{FF2B5EF4-FFF2-40B4-BE49-F238E27FC236}">
-                <a16:creationId xmlns:a16="http://schemas.microsoft.com/office/drawing/2014/main" id="{9E892F92-B6E1-C40F-8684-921502D77455}"/>
-              </a:ext>
-            </a:extLst>
-          </p:cNvPr>
-          <p:cNvSpPr/>
-          <p:nvPr/>
-        </p:nvSpPr>
-        <p:spPr>
-          <a:xfrm>
-            <a:off x="5468844" y="2179320"/>
-            <a:ext cx="223296" cy="160020"/>
-          </a:xfrm>
-          <a:prstGeom prst="rect">
-            <a:avLst/>
-          </a:prstGeom>
-          <a:solidFill>
-            <a:schemeClr val="bg1"/>
-          </a:solidFill>
-          <a:ln>
-            <a:solidFill>
-              <a:schemeClr val="bg1"/>
-            </a:solidFill>
-          </a:ln>
-        </p:spPr>
-        <p:style>
-          <a:lnRef idx="2">
-            <a:schemeClr val="accent1">
-              <a:shade val="15000"/>
-            </a:schemeClr>
-          </a:lnRef>
-          <a:fillRef idx="1">
-            <a:schemeClr val="accent1"/>
-          </a:fillRef>
-          <a:effectRef idx="0">
-            <a:schemeClr val="accent1"/>
-          </a:effectRef>
-          <a:fontRef idx="minor">
-            <a:schemeClr val="lt1"/>
-          </a:fontRef>
-        </p:style>
-        <p:txBody>
-          <a:bodyPr rtlCol="0" anchor="ctr"/>
-          <a:lstStyle/>
-          <a:p>
-            <a:pPr algn="ctr"/>
-            <a:endParaRPr lang="it-IT"/>
-          </a:p>
-        </p:txBody>
-      </p:sp>
-      <p:pic>
-        <p:nvPicPr>
-          <p:cNvPr id="7" name="Immagine 6" descr="Immagine che contiene testo, diagramma, Piano, linea&#10;&#10;Descrizione generata automaticamente">
-            <a:extLst>
-              <a:ext uri="{FF2B5EF4-FFF2-40B4-BE49-F238E27FC236}">
-                <a16:creationId xmlns:a16="http://schemas.microsoft.com/office/drawing/2014/main" id="{FD2B5468-6625-30BE-0307-ED0F63B00933}"/>
-              </a:ext>
-            </a:extLst>
-          </p:cNvPr>
-          <p:cNvPicPr>
-            <a:picLocks noChangeAspect="1"/>
-          </p:cNvPicPr>
-          <p:nvPr/>
-        </p:nvPicPr>
-        <p:blipFill>
-          <a:blip r:embed="rId3">
-            <a:extLst>
-              <a:ext uri="{28A0092B-C50C-407E-A947-70E740481C1C}">
-                <a14:useLocalDpi xmlns:a14="http://schemas.microsoft.com/office/drawing/2010/main" val="0"/>
-              </a:ext>
-            </a:extLst>
-          </a:blip>
-          <a:srcRect l="9750" t="3590" r="8350" b="4458"/>
-          <a:stretch/>
-        </p:blipFill>
-        <p:spPr>
-          <a:xfrm>
-            <a:off x="1922432" y="1463039"/>
-            <a:ext cx="8347136" cy="4861519"/>
-          </a:xfrm>
-          <a:prstGeom prst="rect">
-            <a:avLst/>
-          </a:prstGeom>
-        </p:spPr>
-      </p:pic>
-    </p:spTree>
-    <p:extLst>
-      <p:ext uri="{BB962C8B-B14F-4D97-AF65-F5344CB8AC3E}">
-        <p14:creationId xmlns:p14="http://schemas.microsoft.com/office/powerpoint/2010/main" val="1291993755"/>
-      </p:ext>
-    </p:extLst>
-  </p:cSld>
-  <p:clrMapOvr>
-    <a:masterClrMapping/>
-  </p:clrMapOvr>
-</p:sld>
-</file>
-
-<file path=ppt/slides/slide8.xml><?xml version="1.0" encoding="utf-8"?>
-<p:sld xmlns:a="http://schemas.openxmlformats.org/drawingml/2006/main" xmlns:r="http://schemas.openxmlformats.org/officeDocument/2006/relationships" xmlns:p="http://schemas.openxmlformats.org/presentationml/2006/main">
-  <p:cSld>
-    <p:spTree>
-      <p:nvGrpSpPr>
-        <p:cNvPr id="1" name="">
-          <a:extLst>
-            <a:ext uri="{FF2B5EF4-FFF2-40B4-BE49-F238E27FC236}">
-              <a16:creationId xmlns:a16="http://schemas.microsoft.com/office/drawing/2014/main" id="{4D9A8871-27DF-1309-60AB-4E53E170A53D}"/>
-            </a:ext>
-          </a:extLst>
-        </p:cNvPr>
-        <p:cNvGrpSpPr/>
-        <p:nvPr/>
-      </p:nvGrpSpPr>
-      <p:grpSpPr>
-        <a:xfrm>
-          <a:off x="0" y="0"/>
-          <a:ext cx="0" cy="0"/>
-          <a:chOff x="0" y="0"/>
-          <a:chExt cx="0" cy="0"/>
-        </a:xfrm>
-      </p:grpSpPr>
-      <p:sp>
-        <p:nvSpPr>
-          <p:cNvPr id="2" name="Titolo 1">
-            <a:extLst>
-              <a:ext uri="{FF2B5EF4-FFF2-40B4-BE49-F238E27FC236}">
-                <a16:creationId xmlns:a16="http://schemas.microsoft.com/office/drawing/2014/main" id="{97E74A63-D90E-F87E-3640-D2132C9C90B1}"/>
-              </a:ext>
-            </a:extLst>
-          </p:cNvPr>
-          <p:cNvSpPr>
-            <a:spLocks noGrp="1"/>
-          </p:cNvSpPr>
-          <p:nvPr>
-            <p:ph type="title"/>
-          </p:nvPr>
-        </p:nvSpPr>
-        <p:spPr>
-          <a:xfrm>
-            <a:off x="838200" y="209292"/>
-            <a:ext cx="9905460" cy="971551"/>
-          </a:xfrm>
-        </p:spPr>
-        <p:txBody>
-          <a:bodyPr>
-            <a:normAutofit/>
-          </a:bodyPr>
-          <a:lstStyle/>
-          <a:p>
-            <a:r>
-              <a:rPr lang="en-US" sz="3600" dirty="0"/>
-              <a:t>MAP B: positive result</a:t>
-            </a:r>
-          </a:p>
-        </p:txBody>
-      </p:sp>
-      <p:sp>
-        <p:nvSpPr>
-          <p:cNvPr id="4" name="Segnaposto numero diapositiva 3">
-            <a:extLst>
-              <a:ext uri="{FF2B5EF4-FFF2-40B4-BE49-F238E27FC236}">
-                <a16:creationId xmlns:a16="http://schemas.microsoft.com/office/drawing/2014/main" id="{EAB5D852-1D1B-448E-BF7E-FB4CAD0FFFDF}"/>
-              </a:ext>
-            </a:extLst>
-          </p:cNvPr>
-          <p:cNvSpPr>
-            <a:spLocks noGrp="1"/>
-          </p:cNvSpPr>
-          <p:nvPr>
-            <p:ph type="sldNum" sz="quarter" idx="12"/>
-          </p:nvPr>
-        </p:nvSpPr>
-        <p:spPr/>
-        <p:txBody>
-          <a:bodyPr/>
-          <a:lstStyle/>
-          <a:p>
-            <a:fld id="{2FA0223F-D95A-431D-9A71-EDA7FA0C2F5B}" type="slidenum">
-              <a:rPr lang="en-US" smtClean="0"/>
-              <a:t>8</a:t>
-            </a:fld>
-            <a:endParaRPr lang="en-US"/>
-          </a:p>
-        </p:txBody>
-      </p:sp>
-      <p:sp>
-        <p:nvSpPr>
-          <p:cNvPr id="12" name="Rettangolo 11">
-            <a:extLst>
-              <a:ext uri="{FF2B5EF4-FFF2-40B4-BE49-F238E27FC236}">
-                <a16:creationId xmlns:a16="http://schemas.microsoft.com/office/drawing/2014/main" id="{7E432891-D11A-B53B-BE48-B84314842E86}"/>
-              </a:ext>
-            </a:extLst>
-          </p:cNvPr>
-          <p:cNvSpPr/>
-          <p:nvPr/>
-        </p:nvSpPr>
-        <p:spPr>
-          <a:xfrm>
-            <a:off x="5468844" y="2179320"/>
-            <a:ext cx="223296" cy="160020"/>
-          </a:xfrm>
-          <a:prstGeom prst="rect">
-            <a:avLst/>
-          </a:prstGeom>
-          <a:solidFill>
-            <a:schemeClr val="bg1"/>
-          </a:solidFill>
-          <a:ln>
-            <a:solidFill>
-              <a:schemeClr val="bg1"/>
-            </a:solidFill>
-          </a:ln>
-        </p:spPr>
-        <p:style>
-          <a:lnRef idx="2">
-            <a:schemeClr val="accent1">
-              <a:shade val="15000"/>
-            </a:schemeClr>
-          </a:lnRef>
-          <a:fillRef idx="1">
-            <a:schemeClr val="accent1"/>
-          </a:fillRef>
-          <a:effectRef idx="0">
-            <a:schemeClr val="accent1"/>
-          </a:effectRef>
-          <a:fontRef idx="minor">
-            <a:schemeClr val="lt1"/>
-          </a:fontRef>
-        </p:style>
-        <p:txBody>
-          <a:bodyPr rtlCol="0" anchor="ctr"/>
-          <a:lstStyle/>
-          <a:p>
-            <a:pPr algn="ctr"/>
-            <a:endParaRPr lang="it-IT"/>
-          </a:p>
-        </p:txBody>
-      </p:sp>
-      <p:pic>
-        <p:nvPicPr>
-          <p:cNvPr id="7" name="Immagine 6" descr="Immagine che contiene testo, diagramma, linea, Piano&#10;&#10;Descrizione generata automaticamente">
-            <a:extLst>
-              <a:ext uri="{FF2B5EF4-FFF2-40B4-BE49-F238E27FC236}">
-                <a16:creationId xmlns:a16="http://schemas.microsoft.com/office/drawing/2014/main" id="{953A3C9D-9EED-8C99-7C19-87F2212207A7}"/>
-              </a:ext>
-            </a:extLst>
-          </p:cNvPr>
-          <p:cNvPicPr>
-            <a:picLocks noChangeAspect="1"/>
-          </p:cNvPicPr>
-          <p:nvPr/>
-        </p:nvPicPr>
-        <p:blipFill>
-          <a:blip r:embed="rId3">
-            <a:extLst>
-              <a:ext uri="{28A0092B-C50C-407E-A947-70E740481C1C}">
-                <a14:useLocalDpi xmlns:a14="http://schemas.microsoft.com/office/drawing/2010/main" val="0"/>
-              </a:ext>
-            </a:extLst>
-          </a:blip>
-          <a:srcRect l="9450" t="2434" r="8650" b="4891"/>
-          <a:stretch/>
-        </p:blipFill>
-        <p:spPr>
-          <a:xfrm>
-            <a:off x="1996028" y="1463039"/>
-            <a:ext cx="8199944" cy="4813337"/>
-          </a:xfrm>
-          <a:prstGeom prst="rect">
-            <a:avLst/>
-          </a:prstGeom>
-        </p:spPr>
-      </p:pic>
-    </p:spTree>
-    <p:extLst>
-      <p:ext uri="{BB962C8B-B14F-4D97-AF65-F5344CB8AC3E}">
-        <p14:creationId xmlns:p14="http://schemas.microsoft.com/office/powerpoint/2010/main" val="2698596253"/>
-      </p:ext>
-    </p:extLst>
-  </p:cSld>
-  <p:clrMapOvr>
-    <a:masterClrMapping/>
-  </p:clrMapOvr>
-</p:sld>
-</file>
-
-<file path=ppt/slides/slide9.xml><?xml version="1.0" encoding="utf-8"?>
-<p:sld xmlns:a="http://schemas.openxmlformats.org/drawingml/2006/main" xmlns:r="http://schemas.openxmlformats.org/officeDocument/2006/relationships" xmlns:p="http://schemas.openxmlformats.org/presentationml/2006/main">
-  <p:cSld>
-    <p:spTree>
-      <p:nvGrpSpPr>
-        <p:cNvPr id="1" name="">
-          <a:extLst>
-            <a:ext uri="{FF2B5EF4-FFF2-40B4-BE49-F238E27FC236}">
-              <a16:creationId xmlns:a16="http://schemas.microsoft.com/office/drawing/2014/main" id="{45B249D1-C027-9DE7-EEEB-64FA03BA76AC}"/>
-            </a:ext>
-          </a:extLst>
-        </p:cNvPr>
-        <p:cNvGrpSpPr/>
-        <p:nvPr/>
-      </p:nvGrpSpPr>
-      <p:grpSpPr>
-        <a:xfrm>
-          <a:off x="0" y="0"/>
-          <a:ext cx="0" cy="0"/>
-          <a:chOff x="0" y="0"/>
-          <a:chExt cx="0" cy="0"/>
-        </a:xfrm>
-      </p:grpSpPr>
-      <p:sp>
-        <p:nvSpPr>
-          <p:cNvPr id="2" name="Titolo 1">
-            <a:extLst>
-              <a:ext uri="{FF2B5EF4-FFF2-40B4-BE49-F238E27FC236}">
-                <a16:creationId xmlns:a16="http://schemas.microsoft.com/office/drawing/2014/main" id="{90840673-2EBA-E246-15F3-4F4919D0514A}"/>
-              </a:ext>
-            </a:extLst>
-          </p:cNvPr>
-          <p:cNvSpPr>
-            <a:spLocks noGrp="1"/>
-          </p:cNvSpPr>
-          <p:nvPr>
-            <p:ph type="title"/>
-          </p:nvPr>
-        </p:nvSpPr>
-        <p:spPr>
-          <a:xfrm>
-            <a:off x="838200" y="209292"/>
-            <a:ext cx="9905460" cy="971551"/>
-          </a:xfrm>
-        </p:spPr>
-        <p:txBody>
-          <a:bodyPr>
-            <a:normAutofit/>
-          </a:bodyPr>
-          <a:lstStyle/>
-          <a:p>
-            <a:r>
-              <a:rPr lang="en-US" sz="3600" dirty="0"/>
-              <a:t>MAP C: positive result</a:t>
-            </a:r>
-          </a:p>
-        </p:txBody>
-      </p:sp>
-      <p:sp>
-        <p:nvSpPr>
-          <p:cNvPr id="4" name="Segnaposto numero diapositiva 3">
-            <a:extLst>
-              <a:ext uri="{FF2B5EF4-FFF2-40B4-BE49-F238E27FC236}">
-                <a16:creationId xmlns:a16="http://schemas.microsoft.com/office/drawing/2014/main" id="{4C89F1B9-401A-F2B3-46C0-48EC2D46C82C}"/>
-              </a:ext>
-            </a:extLst>
-          </p:cNvPr>
-          <p:cNvSpPr>
-            <a:spLocks noGrp="1"/>
-          </p:cNvSpPr>
-          <p:nvPr>
-            <p:ph type="sldNum" sz="quarter" idx="12"/>
-          </p:nvPr>
-        </p:nvSpPr>
-        <p:spPr/>
-        <p:txBody>
-          <a:bodyPr/>
-          <a:lstStyle/>
-          <a:p>
-            <a:fld id="{2FA0223F-D95A-431D-9A71-EDA7FA0C2F5B}" type="slidenum">
-              <a:rPr lang="en-US" smtClean="0"/>
-              <a:t>9</a:t>
-            </a:fld>
-            <a:endParaRPr lang="en-US"/>
-          </a:p>
-        </p:txBody>
-      </p:sp>
-      <p:sp>
-        <p:nvSpPr>
-          <p:cNvPr id="12" name="Rettangolo 11">
-            <a:extLst>
-              <a:ext uri="{FF2B5EF4-FFF2-40B4-BE49-F238E27FC236}">
-                <a16:creationId xmlns:a16="http://schemas.microsoft.com/office/drawing/2014/main" id="{B805F155-C61E-DD8A-EB6C-338F85A58DC8}"/>
-              </a:ext>
-            </a:extLst>
-          </p:cNvPr>
-          <p:cNvSpPr/>
-          <p:nvPr/>
-        </p:nvSpPr>
-        <p:spPr>
-          <a:xfrm>
-            <a:off x="5468844" y="2179320"/>
-            <a:ext cx="223296" cy="160020"/>
-          </a:xfrm>
-          <a:prstGeom prst="rect">
-            <a:avLst/>
-          </a:prstGeom>
-          <a:solidFill>
-            <a:schemeClr val="bg1"/>
-          </a:solidFill>
-          <a:ln>
-            <a:solidFill>
-              <a:schemeClr val="bg1"/>
-            </a:solidFill>
-          </a:ln>
-        </p:spPr>
-        <p:style>
-          <a:lnRef idx="2">
-            <a:schemeClr val="accent1">
-              <a:shade val="15000"/>
-            </a:schemeClr>
-          </a:lnRef>
-          <a:fillRef idx="1">
-            <a:schemeClr val="accent1"/>
-          </a:fillRef>
-          <a:effectRef idx="0">
-            <a:schemeClr val="accent1"/>
-          </a:effectRef>
-          <a:fontRef idx="minor">
-            <a:schemeClr val="lt1"/>
-          </a:fontRef>
-        </p:style>
-        <p:txBody>
-          <a:bodyPr rtlCol="0" anchor="ctr"/>
-          <a:lstStyle/>
-          <a:p>
-            <a:pPr algn="ctr"/>
-            <a:endParaRPr lang="it-IT"/>
-          </a:p>
-        </p:txBody>
-      </p:sp>
-      <p:pic>
-        <p:nvPicPr>
-          <p:cNvPr id="7" name="Immagine 6" descr="Immagine che contiene testo, diagramma, Piano, Parallelo&#10;&#10;Descrizione generata automaticamente">
-            <a:extLst>
-              <a:ext uri="{FF2B5EF4-FFF2-40B4-BE49-F238E27FC236}">
-                <a16:creationId xmlns:a16="http://schemas.microsoft.com/office/drawing/2014/main" id="{35B621FC-427E-BF59-FA6B-538739F5C492}"/>
-              </a:ext>
-            </a:extLst>
-          </p:cNvPr>
-          <p:cNvPicPr>
-            <a:picLocks noChangeAspect="1"/>
-          </p:cNvPicPr>
-          <p:nvPr/>
-        </p:nvPicPr>
-        <p:blipFill>
-          <a:blip r:embed="rId3">
-            <a:extLst>
-              <a:ext uri="{28A0092B-C50C-407E-A947-70E740481C1C}">
-                <a14:useLocalDpi xmlns:a14="http://schemas.microsoft.com/office/drawing/2010/main" val="0"/>
-              </a:ext>
-            </a:extLst>
-          </a:blip>
-          <a:srcRect l="9525" t="3012" r="8500" b="5181"/>
-          <a:stretch/>
-        </p:blipFill>
-        <p:spPr>
-          <a:xfrm>
-            <a:off x="1926336" y="1480832"/>
-            <a:ext cx="8339328" cy="4844898"/>
-          </a:xfrm>
-          <a:prstGeom prst="rect">
-            <a:avLst/>
-          </a:prstGeom>
-        </p:spPr>
-      </p:pic>
-    </p:spTree>
-    <p:extLst>
-      <p:ext uri="{BB962C8B-B14F-4D97-AF65-F5344CB8AC3E}">
-        <p14:creationId xmlns:p14="http://schemas.microsoft.com/office/powerpoint/2010/main" val="2169746518"/>
       </p:ext>
     </p:extLst>
   </p:cSld>
